--- a/主耶穌我愛你.pptx
+++ b/主耶穌我愛你.pptx
@@ -2,7 +2,7 @@
 <file path=ppt/presentation.xml><?xml version="1.0" encoding="utf-8"?>
 <p:presentation xmlns:a="http://schemas.openxmlformats.org/drawingml/2006/main" xmlns:r="http://schemas.openxmlformats.org/officeDocument/2006/relationships" xmlns:p="http://schemas.openxmlformats.org/presentationml/2006/main" saveSubsetFonts="1">
   <p:sldMasterIdLst>
-    <p:sldMasterId id="2147483660" r:id="rId1"/>
+    <p:sldMasterId id="2147483672" r:id="rId1"/>
   </p:sldMasterIdLst>
   <p:sldIdLst>
     <p:sldId id="256" r:id="rId2"/>
@@ -10,8 +10,13 @@
     <p:sldId id="258" r:id="rId4"/>
     <p:sldId id="259" r:id="rId5"/>
     <p:sldId id="260" r:id="rId6"/>
+    <p:sldId id="261" r:id="rId7"/>
+    <p:sldId id="262" r:id="rId8"/>
+    <p:sldId id="263" r:id="rId9"/>
+    <p:sldId id="264" r:id="rId10"/>
+    <p:sldId id="265" r:id="rId11"/>
   </p:sldIdLst>
-  <p:sldSz cx="9144000" cy="6858000" type="screen4x3"/>
+  <p:sldSz cx="12192000" cy="6858000"/>
   <p:notesSz cx="6858000" cy="9144000"/>
   <p:defaultTextStyle>
     <a:defPPr>
@@ -108,6 +113,22 @@
       </a:defRPr>
     </a:lvl9pPr>
   </p:defaultTextStyle>
+  <p:extLst>
+    <p:ext uri="{EFAFB233-063F-42B5-8137-9DF3F51BA10A}">
+      <p15:sldGuideLst xmlns:p15="http://schemas.microsoft.com/office/powerpoint/2012/main">
+        <p15:guide id="1" orient="horz" pos="2160" userDrawn="1">
+          <p15:clr>
+            <a:srgbClr val="A4A3A4"/>
+          </p15:clr>
+        </p15:guide>
+        <p15:guide id="2" pos="3840" userDrawn="1">
+          <p15:clr>
+            <a:srgbClr val="A4A3A4"/>
+          </p15:clr>
+        </p15:guide>
+      </p15:sldGuideLst>
+    </p:ext>
+  </p:extLst>
 </p:presentation>
 </file>
 
@@ -130,7 +151,7 @@
       </p:grpSpPr>
       <p:sp>
         <p:nvSpPr>
-          <p:cNvPr id="2" name="Title 1"/>
+          <p:cNvPr id="2" name="標題 1"/>
           <p:cNvSpPr>
             <a:spLocks noGrp="1"/>
           </p:cNvSpPr>
@@ -140,8 +161,8 @@
         </p:nvSpPr>
         <p:spPr>
           <a:xfrm>
-            <a:off x="685800" y="2130425"/>
-            <a:ext cx="7772400" cy="1470025"/>
+            <a:off x="914400" y="2130428"/>
+            <a:ext cx="10363200" cy="1470025"/>
           </a:xfrm>
         </p:spPr>
         <p:txBody>
@@ -149,16 +170,16 @@
           <a:lstStyle/>
           <a:p>
             <a:r>
-              <a:rPr lang="zh-TW" altLang="en-US" smtClean="0"/>
-              <a:t>按一下以編輯母片標題樣式</a:t>
-            </a:r>
-            <a:endParaRPr lang="en-US"/>
-          </a:p>
-        </p:txBody>
-      </p:sp>
-      <p:sp>
-        <p:nvSpPr>
-          <p:cNvPr id="3" name="Subtitle 2"/>
+              <a:rPr lang="en-US" altLang="zh-TW" smtClean="0"/>
+              <a:t>Click to edit Master title style</a:t>
+            </a:r>
+            <a:endParaRPr lang="zh-TW" altLang="en-US"/>
+          </a:p>
+        </p:txBody>
+      </p:sp>
+      <p:sp>
+        <p:nvSpPr>
+          <p:cNvPr id="3" name="副標題 2"/>
           <p:cNvSpPr>
             <a:spLocks noGrp="1"/>
           </p:cNvSpPr>
@@ -168,8 +189,8 @@
         </p:nvSpPr>
         <p:spPr>
           <a:xfrm>
-            <a:off x="1371600" y="3886200"/>
-            <a:ext cx="6400800" cy="1752600"/>
+            <a:off x="1828800" y="3886200"/>
+            <a:ext cx="8534400" cy="1752600"/>
           </a:xfrm>
         </p:spPr>
         <p:txBody>
@@ -185,7 +206,7 @@
                 </a:solidFill>
               </a:defRPr>
             </a:lvl1pPr>
-            <a:lvl2pPr marL="457200" indent="0" algn="ctr">
+            <a:lvl2pPr marL="457189" indent="0" algn="ctr">
               <a:buNone/>
               <a:defRPr>
                 <a:solidFill>
@@ -195,7 +216,7 @@
                 </a:solidFill>
               </a:defRPr>
             </a:lvl2pPr>
-            <a:lvl3pPr marL="914400" indent="0" algn="ctr">
+            <a:lvl3pPr marL="914378" indent="0" algn="ctr">
               <a:buNone/>
               <a:defRPr>
                 <a:solidFill>
@@ -205,7 +226,7 @@
                 </a:solidFill>
               </a:defRPr>
             </a:lvl3pPr>
-            <a:lvl4pPr marL="1371600" indent="0" algn="ctr">
+            <a:lvl4pPr marL="1371566" indent="0" algn="ctr">
               <a:buNone/>
               <a:defRPr>
                 <a:solidFill>
@@ -215,7 +236,7 @@
                 </a:solidFill>
               </a:defRPr>
             </a:lvl4pPr>
-            <a:lvl5pPr marL="1828800" indent="0" algn="ctr">
+            <a:lvl5pPr marL="1828754" indent="0" algn="ctr">
               <a:buNone/>
               <a:defRPr>
                 <a:solidFill>
@@ -225,7 +246,7 @@
                 </a:solidFill>
               </a:defRPr>
             </a:lvl5pPr>
-            <a:lvl6pPr marL="2286000" indent="0" algn="ctr">
+            <a:lvl6pPr marL="2285943" indent="0" algn="ctr">
               <a:buNone/>
               <a:defRPr>
                 <a:solidFill>
@@ -235,7 +256,7 @@
                 </a:solidFill>
               </a:defRPr>
             </a:lvl6pPr>
-            <a:lvl7pPr marL="2743200" indent="0" algn="ctr">
+            <a:lvl7pPr marL="2743132" indent="0" algn="ctr">
               <a:buNone/>
               <a:defRPr>
                 <a:solidFill>
@@ -245,7 +266,7 @@
                 </a:solidFill>
               </a:defRPr>
             </a:lvl7pPr>
-            <a:lvl8pPr marL="3200400" indent="0" algn="ctr">
+            <a:lvl8pPr marL="3200320" indent="0" algn="ctr">
               <a:buNone/>
               <a:defRPr>
                 <a:solidFill>
@@ -255,7 +276,7 @@
                 </a:solidFill>
               </a:defRPr>
             </a:lvl8pPr>
-            <a:lvl9pPr marL="3657600" indent="0" algn="ctr">
+            <a:lvl9pPr marL="3657509" indent="0" algn="ctr">
               <a:buNone/>
               <a:defRPr>
                 <a:solidFill>
@@ -268,16 +289,16 @@
           </a:lstStyle>
           <a:p>
             <a:r>
-              <a:rPr lang="zh-TW" altLang="en-US" smtClean="0"/>
-              <a:t>按一下以編輯母片副標題樣式</a:t>
-            </a:r>
-            <a:endParaRPr lang="en-US"/>
-          </a:p>
-        </p:txBody>
-      </p:sp>
-      <p:sp>
-        <p:nvSpPr>
-          <p:cNvPr id="4" name="Date Placeholder 3"/>
+              <a:rPr lang="en-US" altLang="zh-TW" smtClean="0"/>
+              <a:t>Click to edit Master subtitle style</a:t>
+            </a:r>
+            <a:endParaRPr lang="zh-TW" altLang="en-US"/>
+          </a:p>
+        </p:txBody>
+      </p:sp>
+      <p:sp>
+        <p:nvSpPr>
+          <p:cNvPr id="4" name="日期版面配置區 3"/>
           <p:cNvSpPr>
             <a:spLocks noGrp="1"/>
           </p:cNvSpPr>
@@ -288,15 +309,11 @@
         <p:spPr/>
         <p:txBody>
           <a:bodyPr/>
-          <a:lstStyle>
-            <a:lvl1pPr>
-              <a:defRPr/>
-            </a:lvl1pPr>
-          </a:lstStyle>
+          <a:lstStyle/>
           <a:p>
             <a:fld id="{38C92329-405B-40F3-9CAA-786B4FE80AFD}" type="datetimeFigureOut">
               <a:rPr lang="zh-TW" altLang="en-US" smtClean="0"/>
-              <a:t>2014/7/25</a:t>
+              <a:t>2021/10/15</a:t>
             </a:fld>
             <a:endParaRPr lang="zh-TW" altLang="en-US"/>
           </a:p>
@@ -304,7 +321,7 @@
       </p:sp>
       <p:sp>
         <p:nvSpPr>
-          <p:cNvPr id="5" name="Footer Placeholder 4"/>
+          <p:cNvPr id="5" name="頁尾版面配置區 4"/>
           <p:cNvSpPr>
             <a:spLocks noGrp="1"/>
           </p:cNvSpPr>
@@ -315,19 +332,15 @@
         <p:spPr/>
         <p:txBody>
           <a:bodyPr/>
-          <a:lstStyle>
-            <a:lvl1pPr>
-              <a:defRPr/>
-            </a:lvl1pPr>
-          </a:lstStyle>
-          <a:p>
-            <a:endParaRPr lang="zh-TW" altLang="en-US"/>
-          </a:p>
-        </p:txBody>
-      </p:sp>
-      <p:sp>
-        <p:nvSpPr>
-          <p:cNvPr id="6" name="Slide Number Placeholder 5"/>
+          <a:lstStyle/>
+          <a:p>
+            <a:endParaRPr lang="zh-TW" altLang="en-US"/>
+          </a:p>
+        </p:txBody>
+      </p:sp>
+      <p:sp>
+        <p:nvSpPr>
+          <p:cNvPr id="6" name="投影片編號版面配置區 5"/>
           <p:cNvSpPr>
             <a:spLocks noGrp="1"/>
           </p:cNvSpPr>
@@ -338,11 +351,7 @@
         <p:spPr/>
         <p:txBody>
           <a:bodyPr/>
-          <a:lstStyle>
-            <a:lvl1pPr>
-              <a:defRPr/>
-            </a:lvl1pPr>
-          </a:lstStyle>
+          <a:lstStyle/>
           <a:p>
             <a:fld id="{68D82DB0-238E-48AF-8554-99A82DEF17D1}" type="slidenum">
               <a:rPr lang="zh-TW" altLang="en-US" smtClean="0"/>
@@ -353,6 +362,11 @@
         </p:txBody>
       </p:sp>
     </p:spTree>
+    <p:extLst>
+      <p:ext uri="{BB962C8B-B14F-4D97-AF65-F5344CB8AC3E}">
+        <p14:creationId xmlns:p14="http://schemas.microsoft.com/office/powerpoint/2010/main" val="3088136589"/>
+      </p:ext>
+    </p:extLst>
   </p:cSld>
   <p:clrMapOvr>
     <a:masterClrMapping/>
@@ -379,7 +393,7 @@
       </p:grpSpPr>
       <p:sp>
         <p:nvSpPr>
-          <p:cNvPr id="2" name="Title 1"/>
+          <p:cNvPr id="2" name="標題 1"/>
           <p:cNvSpPr>
             <a:spLocks noGrp="1"/>
           </p:cNvSpPr>
@@ -393,16 +407,16 @@
           <a:lstStyle/>
           <a:p>
             <a:r>
-              <a:rPr lang="zh-TW" altLang="en-US" smtClean="0"/>
-              <a:t>按一下以編輯母片標題樣式</a:t>
-            </a:r>
-            <a:endParaRPr lang="en-US"/>
-          </a:p>
-        </p:txBody>
-      </p:sp>
-      <p:sp>
-        <p:nvSpPr>
-          <p:cNvPr id="3" name="Vertical Text Placeholder 2"/>
+              <a:rPr lang="en-US" altLang="zh-TW" smtClean="0"/>
+              <a:t>Click to edit Master title style</a:t>
+            </a:r>
+            <a:endParaRPr lang="zh-TW" altLang="en-US"/>
+          </a:p>
+        </p:txBody>
+      </p:sp>
+      <p:sp>
+        <p:nvSpPr>
+          <p:cNvPr id="3" name="直排文字版面配置區 2"/>
           <p:cNvSpPr>
             <a:spLocks noGrp="1"/>
           </p:cNvSpPr>
@@ -417,44 +431,44 @@
           <a:p>
             <a:pPr lvl="0"/>
             <a:r>
-              <a:rPr lang="zh-TW" altLang="en-US" smtClean="0"/>
-              <a:t>按一下以編輯母片文字樣式</a:t>
+              <a:rPr lang="en-US" altLang="zh-TW" smtClean="0"/>
+              <a:t>Edit Master text styles</a:t>
             </a:r>
           </a:p>
           <a:p>
             <a:pPr lvl="1"/>
             <a:r>
-              <a:rPr lang="zh-TW" altLang="en-US" smtClean="0"/>
-              <a:t>第二層</a:t>
+              <a:rPr lang="en-US" altLang="zh-TW" smtClean="0"/>
+              <a:t>Second level</a:t>
             </a:r>
           </a:p>
           <a:p>
             <a:pPr lvl="2"/>
             <a:r>
-              <a:rPr lang="zh-TW" altLang="en-US" smtClean="0"/>
-              <a:t>第三層</a:t>
+              <a:rPr lang="en-US" altLang="zh-TW" smtClean="0"/>
+              <a:t>Third level</a:t>
             </a:r>
           </a:p>
           <a:p>
             <a:pPr lvl="3"/>
             <a:r>
-              <a:rPr lang="zh-TW" altLang="en-US" smtClean="0"/>
-              <a:t>第四層</a:t>
+              <a:rPr lang="en-US" altLang="zh-TW" smtClean="0"/>
+              <a:t>Fourth level</a:t>
             </a:r>
           </a:p>
           <a:p>
             <a:pPr lvl="4"/>
             <a:r>
-              <a:rPr lang="zh-TW" altLang="en-US" smtClean="0"/>
-              <a:t>第五層</a:t>
-            </a:r>
-            <a:endParaRPr lang="en-US"/>
-          </a:p>
-        </p:txBody>
-      </p:sp>
-      <p:sp>
-        <p:nvSpPr>
-          <p:cNvPr id="4" name="Date Placeholder 3"/>
+              <a:rPr lang="en-US" altLang="zh-TW" smtClean="0"/>
+              <a:t>Fifth level</a:t>
+            </a:r>
+            <a:endParaRPr lang="zh-TW" altLang="en-US"/>
+          </a:p>
+        </p:txBody>
+      </p:sp>
+      <p:sp>
+        <p:nvSpPr>
+          <p:cNvPr id="4" name="日期版面配置區 3"/>
           <p:cNvSpPr>
             <a:spLocks noGrp="1"/>
           </p:cNvSpPr>
@@ -465,15 +479,11 @@
         <p:spPr/>
         <p:txBody>
           <a:bodyPr/>
-          <a:lstStyle>
-            <a:lvl1pPr>
-              <a:defRPr/>
-            </a:lvl1pPr>
-          </a:lstStyle>
+          <a:lstStyle/>
           <a:p>
             <a:fld id="{38C92329-405B-40F3-9CAA-786B4FE80AFD}" type="datetimeFigureOut">
               <a:rPr lang="zh-TW" altLang="en-US" smtClean="0"/>
-              <a:t>2014/7/25</a:t>
+              <a:t>2021/10/15</a:t>
             </a:fld>
             <a:endParaRPr lang="zh-TW" altLang="en-US"/>
           </a:p>
@@ -481,7 +491,7 @@
       </p:sp>
       <p:sp>
         <p:nvSpPr>
-          <p:cNvPr id="5" name="Footer Placeholder 4"/>
+          <p:cNvPr id="5" name="頁尾版面配置區 4"/>
           <p:cNvSpPr>
             <a:spLocks noGrp="1"/>
           </p:cNvSpPr>
@@ -492,19 +502,15 @@
         <p:spPr/>
         <p:txBody>
           <a:bodyPr/>
-          <a:lstStyle>
-            <a:lvl1pPr>
-              <a:defRPr/>
-            </a:lvl1pPr>
-          </a:lstStyle>
-          <a:p>
-            <a:endParaRPr lang="zh-TW" altLang="en-US"/>
-          </a:p>
-        </p:txBody>
-      </p:sp>
-      <p:sp>
-        <p:nvSpPr>
-          <p:cNvPr id="6" name="Slide Number Placeholder 5"/>
+          <a:lstStyle/>
+          <a:p>
+            <a:endParaRPr lang="zh-TW" altLang="en-US"/>
+          </a:p>
+        </p:txBody>
+      </p:sp>
+      <p:sp>
+        <p:nvSpPr>
+          <p:cNvPr id="6" name="投影片編號版面配置區 5"/>
           <p:cNvSpPr>
             <a:spLocks noGrp="1"/>
           </p:cNvSpPr>
@@ -515,11 +521,7 @@
         <p:spPr/>
         <p:txBody>
           <a:bodyPr/>
-          <a:lstStyle>
-            <a:lvl1pPr>
-              <a:defRPr/>
-            </a:lvl1pPr>
-          </a:lstStyle>
+          <a:lstStyle/>
           <a:p>
             <a:fld id="{68D82DB0-238E-48AF-8554-99A82DEF17D1}" type="slidenum">
               <a:rPr lang="zh-TW" altLang="en-US" smtClean="0"/>
@@ -530,6 +532,11 @@
         </p:txBody>
       </p:sp>
     </p:spTree>
+    <p:extLst>
+      <p:ext uri="{BB962C8B-B14F-4D97-AF65-F5344CB8AC3E}">
+        <p14:creationId xmlns:p14="http://schemas.microsoft.com/office/powerpoint/2010/main" val="3627411956"/>
+      </p:ext>
+    </p:extLst>
   </p:cSld>
   <p:clrMapOvr>
     <a:masterClrMapping/>
@@ -556,7 +563,7 @@
       </p:grpSpPr>
       <p:sp>
         <p:nvSpPr>
-          <p:cNvPr id="2" name="Vertical Title 1"/>
+          <p:cNvPr id="2" name="直排標題 1"/>
           <p:cNvSpPr>
             <a:spLocks noGrp="1"/>
           </p:cNvSpPr>
@@ -566,8 +573,8 @@
         </p:nvSpPr>
         <p:spPr>
           <a:xfrm>
-            <a:off x="6629400" y="274638"/>
-            <a:ext cx="2057400" cy="5851525"/>
+            <a:off x="8839200" y="274641"/>
+            <a:ext cx="2743200" cy="5851525"/>
           </a:xfrm>
         </p:spPr>
         <p:txBody>
@@ -575,16 +582,16 @@
           <a:lstStyle/>
           <a:p>
             <a:r>
-              <a:rPr lang="zh-TW" altLang="en-US" smtClean="0"/>
-              <a:t>按一下以編輯母片標題樣式</a:t>
-            </a:r>
-            <a:endParaRPr lang="en-US"/>
-          </a:p>
-        </p:txBody>
-      </p:sp>
-      <p:sp>
-        <p:nvSpPr>
-          <p:cNvPr id="3" name="Vertical Text Placeholder 2"/>
+              <a:rPr lang="en-US" altLang="zh-TW" smtClean="0"/>
+              <a:t>Click to edit Master title style</a:t>
+            </a:r>
+            <a:endParaRPr lang="zh-TW" altLang="en-US"/>
+          </a:p>
+        </p:txBody>
+      </p:sp>
+      <p:sp>
+        <p:nvSpPr>
+          <p:cNvPr id="3" name="直排文字版面配置區 2"/>
           <p:cNvSpPr>
             <a:spLocks noGrp="1"/>
           </p:cNvSpPr>
@@ -594,8 +601,8 @@
         </p:nvSpPr>
         <p:spPr>
           <a:xfrm>
-            <a:off x="457200" y="274638"/>
-            <a:ext cx="6019800" cy="5851525"/>
+            <a:off x="609600" y="274641"/>
+            <a:ext cx="8026400" cy="5851525"/>
           </a:xfrm>
         </p:spPr>
         <p:txBody>
@@ -604,44 +611,44 @@
           <a:p>
             <a:pPr lvl="0"/>
             <a:r>
-              <a:rPr lang="zh-TW" altLang="en-US" smtClean="0"/>
-              <a:t>按一下以編輯母片文字樣式</a:t>
+              <a:rPr lang="en-US" altLang="zh-TW" smtClean="0"/>
+              <a:t>Edit Master text styles</a:t>
             </a:r>
           </a:p>
           <a:p>
             <a:pPr lvl="1"/>
             <a:r>
-              <a:rPr lang="zh-TW" altLang="en-US" smtClean="0"/>
-              <a:t>第二層</a:t>
+              <a:rPr lang="en-US" altLang="zh-TW" smtClean="0"/>
+              <a:t>Second level</a:t>
             </a:r>
           </a:p>
           <a:p>
             <a:pPr lvl="2"/>
             <a:r>
-              <a:rPr lang="zh-TW" altLang="en-US" smtClean="0"/>
-              <a:t>第三層</a:t>
+              <a:rPr lang="en-US" altLang="zh-TW" smtClean="0"/>
+              <a:t>Third level</a:t>
             </a:r>
           </a:p>
           <a:p>
             <a:pPr lvl="3"/>
             <a:r>
-              <a:rPr lang="zh-TW" altLang="en-US" smtClean="0"/>
-              <a:t>第四層</a:t>
+              <a:rPr lang="en-US" altLang="zh-TW" smtClean="0"/>
+              <a:t>Fourth level</a:t>
             </a:r>
           </a:p>
           <a:p>
             <a:pPr lvl="4"/>
             <a:r>
-              <a:rPr lang="zh-TW" altLang="en-US" smtClean="0"/>
-              <a:t>第五層</a:t>
-            </a:r>
-            <a:endParaRPr lang="en-US"/>
-          </a:p>
-        </p:txBody>
-      </p:sp>
-      <p:sp>
-        <p:nvSpPr>
-          <p:cNvPr id="4" name="Date Placeholder 3"/>
+              <a:rPr lang="en-US" altLang="zh-TW" smtClean="0"/>
+              <a:t>Fifth level</a:t>
+            </a:r>
+            <a:endParaRPr lang="zh-TW" altLang="en-US"/>
+          </a:p>
+        </p:txBody>
+      </p:sp>
+      <p:sp>
+        <p:nvSpPr>
+          <p:cNvPr id="4" name="日期版面配置區 3"/>
           <p:cNvSpPr>
             <a:spLocks noGrp="1"/>
           </p:cNvSpPr>
@@ -652,15 +659,11 @@
         <p:spPr/>
         <p:txBody>
           <a:bodyPr/>
-          <a:lstStyle>
-            <a:lvl1pPr>
-              <a:defRPr/>
-            </a:lvl1pPr>
-          </a:lstStyle>
+          <a:lstStyle/>
           <a:p>
             <a:fld id="{38C92329-405B-40F3-9CAA-786B4FE80AFD}" type="datetimeFigureOut">
               <a:rPr lang="zh-TW" altLang="en-US" smtClean="0"/>
-              <a:t>2014/7/25</a:t>
+              <a:t>2021/10/15</a:t>
             </a:fld>
             <a:endParaRPr lang="zh-TW" altLang="en-US"/>
           </a:p>
@@ -668,7 +671,7 @@
       </p:sp>
       <p:sp>
         <p:nvSpPr>
-          <p:cNvPr id="5" name="Footer Placeholder 4"/>
+          <p:cNvPr id="5" name="頁尾版面配置區 4"/>
           <p:cNvSpPr>
             <a:spLocks noGrp="1"/>
           </p:cNvSpPr>
@@ -679,19 +682,15 @@
         <p:spPr/>
         <p:txBody>
           <a:bodyPr/>
-          <a:lstStyle>
-            <a:lvl1pPr>
-              <a:defRPr/>
-            </a:lvl1pPr>
-          </a:lstStyle>
-          <a:p>
-            <a:endParaRPr lang="zh-TW" altLang="en-US"/>
-          </a:p>
-        </p:txBody>
-      </p:sp>
-      <p:sp>
-        <p:nvSpPr>
-          <p:cNvPr id="6" name="Slide Number Placeholder 5"/>
+          <a:lstStyle/>
+          <a:p>
+            <a:endParaRPr lang="zh-TW" altLang="en-US"/>
+          </a:p>
+        </p:txBody>
+      </p:sp>
+      <p:sp>
+        <p:nvSpPr>
+          <p:cNvPr id="6" name="投影片編號版面配置區 5"/>
           <p:cNvSpPr>
             <a:spLocks noGrp="1"/>
           </p:cNvSpPr>
@@ -702,11 +701,7 @@
         <p:spPr/>
         <p:txBody>
           <a:bodyPr/>
-          <a:lstStyle>
-            <a:lvl1pPr>
-              <a:defRPr/>
-            </a:lvl1pPr>
-          </a:lstStyle>
+          <a:lstStyle/>
           <a:p>
             <a:fld id="{68D82DB0-238E-48AF-8554-99A82DEF17D1}" type="slidenum">
               <a:rPr lang="zh-TW" altLang="en-US" smtClean="0"/>
@@ -717,6 +712,11 @@
         </p:txBody>
       </p:sp>
     </p:spTree>
+    <p:extLst>
+      <p:ext uri="{BB962C8B-B14F-4D97-AF65-F5344CB8AC3E}">
+        <p14:creationId xmlns:p14="http://schemas.microsoft.com/office/powerpoint/2010/main" val="4157443160"/>
+      </p:ext>
+    </p:extLst>
   </p:cSld>
   <p:clrMapOvr>
     <a:masterClrMapping/>
@@ -743,7 +743,7 @@
       </p:grpSpPr>
       <p:sp>
         <p:nvSpPr>
-          <p:cNvPr id="2" name="Title 1"/>
+          <p:cNvPr id="2" name="標題 1"/>
           <p:cNvSpPr>
             <a:spLocks noGrp="1"/>
           </p:cNvSpPr>
@@ -757,16 +757,16 @@
           <a:lstStyle/>
           <a:p>
             <a:r>
-              <a:rPr lang="zh-TW" altLang="en-US" smtClean="0"/>
-              <a:t>按一下以編輯母片標題樣式</a:t>
-            </a:r>
-            <a:endParaRPr lang="en-US"/>
-          </a:p>
-        </p:txBody>
-      </p:sp>
-      <p:sp>
-        <p:nvSpPr>
-          <p:cNvPr id="3" name="Content Placeholder 2"/>
+              <a:rPr lang="en-US" altLang="zh-TW" smtClean="0"/>
+              <a:t>Click to edit Master title style</a:t>
+            </a:r>
+            <a:endParaRPr lang="zh-TW" altLang="en-US"/>
+          </a:p>
+        </p:txBody>
+      </p:sp>
+      <p:sp>
+        <p:nvSpPr>
+          <p:cNvPr id="3" name="內容版面配置區 2"/>
           <p:cNvSpPr>
             <a:spLocks noGrp="1"/>
           </p:cNvSpPr>
@@ -781,44 +781,44 @@
           <a:p>
             <a:pPr lvl="0"/>
             <a:r>
-              <a:rPr lang="zh-TW" altLang="en-US" smtClean="0"/>
-              <a:t>按一下以編輯母片文字樣式</a:t>
+              <a:rPr lang="en-US" altLang="zh-TW" smtClean="0"/>
+              <a:t>Edit Master text styles</a:t>
             </a:r>
           </a:p>
           <a:p>
             <a:pPr lvl="1"/>
             <a:r>
-              <a:rPr lang="zh-TW" altLang="en-US" smtClean="0"/>
-              <a:t>第二層</a:t>
+              <a:rPr lang="en-US" altLang="zh-TW" smtClean="0"/>
+              <a:t>Second level</a:t>
             </a:r>
           </a:p>
           <a:p>
             <a:pPr lvl="2"/>
             <a:r>
-              <a:rPr lang="zh-TW" altLang="en-US" smtClean="0"/>
-              <a:t>第三層</a:t>
+              <a:rPr lang="en-US" altLang="zh-TW" smtClean="0"/>
+              <a:t>Third level</a:t>
             </a:r>
           </a:p>
           <a:p>
             <a:pPr lvl="3"/>
             <a:r>
-              <a:rPr lang="zh-TW" altLang="en-US" smtClean="0"/>
-              <a:t>第四層</a:t>
+              <a:rPr lang="en-US" altLang="zh-TW" smtClean="0"/>
+              <a:t>Fourth level</a:t>
             </a:r>
           </a:p>
           <a:p>
             <a:pPr lvl="4"/>
             <a:r>
-              <a:rPr lang="zh-TW" altLang="en-US" smtClean="0"/>
-              <a:t>第五層</a:t>
-            </a:r>
-            <a:endParaRPr lang="en-US"/>
-          </a:p>
-        </p:txBody>
-      </p:sp>
-      <p:sp>
-        <p:nvSpPr>
-          <p:cNvPr id="4" name="Date Placeholder 3"/>
+              <a:rPr lang="en-US" altLang="zh-TW" smtClean="0"/>
+              <a:t>Fifth level</a:t>
+            </a:r>
+            <a:endParaRPr lang="zh-TW" altLang="en-US"/>
+          </a:p>
+        </p:txBody>
+      </p:sp>
+      <p:sp>
+        <p:nvSpPr>
+          <p:cNvPr id="4" name="日期版面配置區 3"/>
           <p:cNvSpPr>
             <a:spLocks noGrp="1"/>
           </p:cNvSpPr>
@@ -829,15 +829,11 @@
         <p:spPr/>
         <p:txBody>
           <a:bodyPr/>
-          <a:lstStyle>
-            <a:lvl1pPr>
-              <a:defRPr/>
-            </a:lvl1pPr>
-          </a:lstStyle>
+          <a:lstStyle/>
           <a:p>
             <a:fld id="{38C92329-405B-40F3-9CAA-786B4FE80AFD}" type="datetimeFigureOut">
               <a:rPr lang="zh-TW" altLang="en-US" smtClean="0"/>
-              <a:t>2014/7/25</a:t>
+              <a:t>2021/10/15</a:t>
             </a:fld>
             <a:endParaRPr lang="zh-TW" altLang="en-US"/>
           </a:p>
@@ -845,7 +841,7 @@
       </p:sp>
       <p:sp>
         <p:nvSpPr>
-          <p:cNvPr id="5" name="Footer Placeholder 4"/>
+          <p:cNvPr id="5" name="頁尾版面配置區 4"/>
           <p:cNvSpPr>
             <a:spLocks noGrp="1"/>
           </p:cNvSpPr>
@@ -856,19 +852,15 @@
         <p:spPr/>
         <p:txBody>
           <a:bodyPr/>
-          <a:lstStyle>
-            <a:lvl1pPr>
-              <a:defRPr/>
-            </a:lvl1pPr>
-          </a:lstStyle>
-          <a:p>
-            <a:endParaRPr lang="zh-TW" altLang="en-US"/>
-          </a:p>
-        </p:txBody>
-      </p:sp>
-      <p:sp>
-        <p:nvSpPr>
-          <p:cNvPr id="6" name="Slide Number Placeholder 5"/>
+          <a:lstStyle/>
+          <a:p>
+            <a:endParaRPr lang="zh-TW" altLang="en-US"/>
+          </a:p>
+        </p:txBody>
+      </p:sp>
+      <p:sp>
+        <p:nvSpPr>
+          <p:cNvPr id="6" name="投影片編號版面配置區 5"/>
           <p:cNvSpPr>
             <a:spLocks noGrp="1"/>
           </p:cNvSpPr>
@@ -879,11 +871,7 @@
         <p:spPr/>
         <p:txBody>
           <a:bodyPr/>
-          <a:lstStyle>
-            <a:lvl1pPr>
-              <a:defRPr/>
-            </a:lvl1pPr>
-          </a:lstStyle>
+          <a:lstStyle/>
           <a:p>
             <a:fld id="{68D82DB0-238E-48AF-8554-99A82DEF17D1}" type="slidenum">
               <a:rPr lang="zh-TW" altLang="en-US" smtClean="0"/>
@@ -894,6 +882,11 @@
         </p:txBody>
       </p:sp>
     </p:spTree>
+    <p:extLst>
+      <p:ext uri="{BB962C8B-B14F-4D97-AF65-F5344CB8AC3E}">
+        <p14:creationId xmlns:p14="http://schemas.microsoft.com/office/powerpoint/2010/main" val="1414904137"/>
+      </p:ext>
+    </p:extLst>
   </p:cSld>
   <p:clrMapOvr>
     <a:masterClrMapping/>
@@ -920,7 +913,7 @@
       </p:grpSpPr>
       <p:sp>
         <p:nvSpPr>
-          <p:cNvPr id="2" name="Title 1"/>
+          <p:cNvPr id="2" name="標題 1"/>
           <p:cNvSpPr>
             <a:spLocks noGrp="1"/>
           </p:cNvSpPr>
@@ -930,8 +923,8 @@
         </p:nvSpPr>
         <p:spPr>
           <a:xfrm>
-            <a:off x="722313" y="4406900"/>
-            <a:ext cx="7772400" cy="1362075"/>
+            <a:off x="963084" y="4406903"/>
+            <a:ext cx="10363200" cy="1362075"/>
           </a:xfrm>
         </p:spPr>
         <p:txBody>
@@ -943,16 +936,16 @@
           </a:lstStyle>
           <a:p>
             <a:r>
-              <a:rPr lang="zh-TW" altLang="en-US" smtClean="0"/>
-              <a:t>按一下以編輯母片標題樣式</a:t>
-            </a:r>
-            <a:endParaRPr lang="en-US"/>
-          </a:p>
-        </p:txBody>
-      </p:sp>
-      <p:sp>
-        <p:nvSpPr>
-          <p:cNvPr id="3" name="Text Placeholder 2"/>
+              <a:rPr lang="en-US" altLang="zh-TW" smtClean="0"/>
+              <a:t>Click to edit Master title style</a:t>
+            </a:r>
+            <a:endParaRPr lang="zh-TW" altLang="en-US"/>
+          </a:p>
+        </p:txBody>
+      </p:sp>
+      <p:sp>
+        <p:nvSpPr>
+          <p:cNvPr id="3" name="文字版面配置區 2"/>
           <p:cNvSpPr>
             <a:spLocks noGrp="1"/>
           </p:cNvSpPr>
@@ -962,8 +955,8 @@
         </p:nvSpPr>
         <p:spPr>
           <a:xfrm>
-            <a:off x="722313" y="2906713"/>
-            <a:ext cx="7772400" cy="1500187"/>
+            <a:off x="963084" y="2906713"/>
+            <a:ext cx="10363200" cy="1500187"/>
           </a:xfrm>
         </p:spPr>
         <p:txBody>
@@ -979,7 +972,7 @@
                 </a:solidFill>
               </a:defRPr>
             </a:lvl1pPr>
-            <a:lvl2pPr marL="457200" indent="0">
+            <a:lvl2pPr marL="457189" indent="0">
               <a:buNone/>
               <a:defRPr sz="1800">
                 <a:solidFill>
@@ -989,7 +982,7 @@
                 </a:solidFill>
               </a:defRPr>
             </a:lvl2pPr>
-            <a:lvl3pPr marL="914400" indent="0">
+            <a:lvl3pPr marL="914378" indent="0">
               <a:buNone/>
               <a:defRPr sz="1600">
                 <a:solidFill>
@@ -999,7 +992,7 @@
                 </a:solidFill>
               </a:defRPr>
             </a:lvl3pPr>
-            <a:lvl4pPr marL="1371600" indent="0">
+            <a:lvl4pPr marL="1371566" indent="0">
               <a:buNone/>
               <a:defRPr sz="1400">
                 <a:solidFill>
@@ -1009,7 +1002,7 @@
                 </a:solidFill>
               </a:defRPr>
             </a:lvl4pPr>
-            <a:lvl5pPr marL="1828800" indent="0">
+            <a:lvl5pPr marL="1828754" indent="0">
               <a:buNone/>
               <a:defRPr sz="1400">
                 <a:solidFill>
@@ -1019,7 +1012,7 @@
                 </a:solidFill>
               </a:defRPr>
             </a:lvl5pPr>
-            <a:lvl6pPr marL="2286000" indent="0">
+            <a:lvl6pPr marL="2285943" indent="0">
               <a:buNone/>
               <a:defRPr sz="1400">
                 <a:solidFill>
@@ -1029,7 +1022,7 @@
                 </a:solidFill>
               </a:defRPr>
             </a:lvl6pPr>
-            <a:lvl7pPr marL="2743200" indent="0">
+            <a:lvl7pPr marL="2743132" indent="0">
               <a:buNone/>
               <a:defRPr sz="1400">
                 <a:solidFill>
@@ -1039,7 +1032,7 @@
                 </a:solidFill>
               </a:defRPr>
             </a:lvl7pPr>
-            <a:lvl8pPr marL="3200400" indent="0">
+            <a:lvl8pPr marL="3200320" indent="0">
               <a:buNone/>
               <a:defRPr sz="1400">
                 <a:solidFill>
@@ -1049,7 +1042,7 @@
                 </a:solidFill>
               </a:defRPr>
             </a:lvl8pPr>
-            <a:lvl9pPr marL="3657600" indent="0">
+            <a:lvl9pPr marL="3657509" indent="0">
               <a:buNone/>
               <a:defRPr sz="1400">
                 <a:solidFill>
@@ -1063,15 +1056,15 @@
           <a:p>
             <a:pPr lvl="0"/>
             <a:r>
-              <a:rPr lang="zh-TW" altLang="en-US" smtClean="0"/>
-              <a:t>按一下以編輯母片文字樣式</a:t>
-            </a:r>
-          </a:p>
-        </p:txBody>
-      </p:sp>
-      <p:sp>
-        <p:nvSpPr>
-          <p:cNvPr id="4" name="Date Placeholder 3"/>
+              <a:rPr lang="en-US" altLang="zh-TW" smtClean="0"/>
+              <a:t>Edit Master text styles</a:t>
+            </a:r>
+          </a:p>
+        </p:txBody>
+      </p:sp>
+      <p:sp>
+        <p:nvSpPr>
+          <p:cNvPr id="4" name="日期版面配置區 3"/>
           <p:cNvSpPr>
             <a:spLocks noGrp="1"/>
           </p:cNvSpPr>
@@ -1082,15 +1075,11 @@
         <p:spPr/>
         <p:txBody>
           <a:bodyPr/>
-          <a:lstStyle>
-            <a:lvl1pPr>
-              <a:defRPr/>
-            </a:lvl1pPr>
-          </a:lstStyle>
+          <a:lstStyle/>
           <a:p>
             <a:fld id="{38C92329-405B-40F3-9CAA-786B4FE80AFD}" type="datetimeFigureOut">
               <a:rPr lang="zh-TW" altLang="en-US" smtClean="0"/>
-              <a:t>2014/7/25</a:t>
+              <a:t>2021/10/15</a:t>
             </a:fld>
             <a:endParaRPr lang="zh-TW" altLang="en-US"/>
           </a:p>
@@ -1098,7 +1087,7 @@
       </p:sp>
       <p:sp>
         <p:nvSpPr>
-          <p:cNvPr id="5" name="Footer Placeholder 4"/>
+          <p:cNvPr id="5" name="頁尾版面配置區 4"/>
           <p:cNvSpPr>
             <a:spLocks noGrp="1"/>
           </p:cNvSpPr>
@@ -1109,19 +1098,15 @@
         <p:spPr/>
         <p:txBody>
           <a:bodyPr/>
-          <a:lstStyle>
-            <a:lvl1pPr>
-              <a:defRPr/>
-            </a:lvl1pPr>
-          </a:lstStyle>
-          <a:p>
-            <a:endParaRPr lang="zh-TW" altLang="en-US"/>
-          </a:p>
-        </p:txBody>
-      </p:sp>
-      <p:sp>
-        <p:nvSpPr>
-          <p:cNvPr id="6" name="Slide Number Placeholder 5"/>
+          <a:lstStyle/>
+          <a:p>
+            <a:endParaRPr lang="zh-TW" altLang="en-US"/>
+          </a:p>
+        </p:txBody>
+      </p:sp>
+      <p:sp>
+        <p:nvSpPr>
+          <p:cNvPr id="6" name="投影片編號版面配置區 5"/>
           <p:cNvSpPr>
             <a:spLocks noGrp="1"/>
           </p:cNvSpPr>
@@ -1132,11 +1117,7 @@
         <p:spPr/>
         <p:txBody>
           <a:bodyPr/>
-          <a:lstStyle>
-            <a:lvl1pPr>
-              <a:defRPr/>
-            </a:lvl1pPr>
-          </a:lstStyle>
+          <a:lstStyle/>
           <a:p>
             <a:fld id="{68D82DB0-238E-48AF-8554-99A82DEF17D1}" type="slidenum">
               <a:rPr lang="zh-TW" altLang="en-US" smtClean="0"/>
@@ -1147,6 +1128,11 @@
         </p:txBody>
       </p:sp>
     </p:spTree>
+    <p:extLst>
+      <p:ext uri="{BB962C8B-B14F-4D97-AF65-F5344CB8AC3E}">
+        <p14:creationId xmlns:p14="http://schemas.microsoft.com/office/powerpoint/2010/main" val="484720973"/>
+      </p:ext>
+    </p:extLst>
   </p:cSld>
   <p:clrMapOvr>
     <a:masterClrMapping/>
@@ -1173,7 +1159,7 @@
       </p:grpSpPr>
       <p:sp>
         <p:nvSpPr>
-          <p:cNvPr id="2" name="Title 1"/>
+          <p:cNvPr id="2" name="標題 1"/>
           <p:cNvSpPr>
             <a:spLocks noGrp="1"/>
           </p:cNvSpPr>
@@ -1187,16 +1173,16 @@
           <a:lstStyle/>
           <a:p>
             <a:r>
-              <a:rPr lang="zh-TW" altLang="en-US" smtClean="0"/>
-              <a:t>按一下以編輯母片標題樣式</a:t>
-            </a:r>
-            <a:endParaRPr lang="en-US"/>
-          </a:p>
-        </p:txBody>
-      </p:sp>
-      <p:sp>
-        <p:nvSpPr>
-          <p:cNvPr id="3" name="Content Placeholder 2"/>
+              <a:rPr lang="en-US" altLang="zh-TW" smtClean="0"/>
+              <a:t>Click to edit Master title style</a:t>
+            </a:r>
+            <a:endParaRPr lang="zh-TW" altLang="en-US"/>
+          </a:p>
+        </p:txBody>
+      </p:sp>
+      <p:sp>
+        <p:nvSpPr>
+          <p:cNvPr id="3" name="內容版面配置區 2"/>
           <p:cNvSpPr>
             <a:spLocks noGrp="1"/>
           </p:cNvSpPr>
@@ -1206,8 +1192,8 @@
         </p:nvSpPr>
         <p:spPr>
           <a:xfrm>
-            <a:off x="457200" y="1600200"/>
-            <a:ext cx="4038600" cy="4525963"/>
+            <a:off x="609600" y="1600203"/>
+            <a:ext cx="5384800" cy="4525963"/>
           </a:xfrm>
         </p:spPr>
         <p:txBody>
@@ -1244,44 +1230,44 @@
           <a:p>
             <a:pPr lvl="0"/>
             <a:r>
-              <a:rPr lang="zh-TW" altLang="en-US" smtClean="0"/>
-              <a:t>按一下以編輯母片文字樣式</a:t>
+              <a:rPr lang="en-US" altLang="zh-TW" smtClean="0"/>
+              <a:t>Edit Master text styles</a:t>
             </a:r>
           </a:p>
           <a:p>
             <a:pPr lvl="1"/>
             <a:r>
-              <a:rPr lang="zh-TW" altLang="en-US" smtClean="0"/>
-              <a:t>第二層</a:t>
+              <a:rPr lang="en-US" altLang="zh-TW" smtClean="0"/>
+              <a:t>Second level</a:t>
             </a:r>
           </a:p>
           <a:p>
             <a:pPr lvl="2"/>
             <a:r>
-              <a:rPr lang="zh-TW" altLang="en-US" smtClean="0"/>
-              <a:t>第三層</a:t>
+              <a:rPr lang="en-US" altLang="zh-TW" smtClean="0"/>
+              <a:t>Third level</a:t>
             </a:r>
           </a:p>
           <a:p>
             <a:pPr lvl="3"/>
             <a:r>
-              <a:rPr lang="zh-TW" altLang="en-US" smtClean="0"/>
-              <a:t>第四層</a:t>
+              <a:rPr lang="en-US" altLang="zh-TW" smtClean="0"/>
+              <a:t>Fourth level</a:t>
             </a:r>
           </a:p>
           <a:p>
             <a:pPr lvl="4"/>
             <a:r>
-              <a:rPr lang="zh-TW" altLang="en-US" smtClean="0"/>
-              <a:t>第五層</a:t>
-            </a:r>
-            <a:endParaRPr lang="en-US"/>
-          </a:p>
-        </p:txBody>
-      </p:sp>
-      <p:sp>
-        <p:nvSpPr>
-          <p:cNvPr id="4" name="Content Placeholder 3"/>
+              <a:rPr lang="en-US" altLang="zh-TW" smtClean="0"/>
+              <a:t>Fifth level</a:t>
+            </a:r>
+            <a:endParaRPr lang="zh-TW" altLang="en-US"/>
+          </a:p>
+        </p:txBody>
+      </p:sp>
+      <p:sp>
+        <p:nvSpPr>
+          <p:cNvPr id="4" name="內容版面配置區 3"/>
           <p:cNvSpPr>
             <a:spLocks noGrp="1"/>
           </p:cNvSpPr>
@@ -1291,8 +1277,8 @@
         </p:nvSpPr>
         <p:spPr>
           <a:xfrm>
-            <a:off x="4648200" y="1600200"/>
-            <a:ext cx="4038600" cy="4525963"/>
+            <a:off x="6197600" y="1600203"/>
+            <a:ext cx="5384800" cy="4525963"/>
           </a:xfrm>
         </p:spPr>
         <p:txBody>
@@ -1329,44 +1315,44 @@
           <a:p>
             <a:pPr lvl="0"/>
             <a:r>
-              <a:rPr lang="zh-TW" altLang="en-US" smtClean="0"/>
-              <a:t>按一下以編輯母片文字樣式</a:t>
+              <a:rPr lang="en-US" altLang="zh-TW" smtClean="0"/>
+              <a:t>Edit Master text styles</a:t>
             </a:r>
           </a:p>
           <a:p>
             <a:pPr lvl="1"/>
             <a:r>
-              <a:rPr lang="zh-TW" altLang="en-US" smtClean="0"/>
-              <a:t>第二層</a:t>
+              <a:rPr lang="en-US" altLang="zh-TW" smtClean="0"/>
+              <a:t>Second level</a:t>
             </a:r>
           </a:p>
           <a:p>
             <a:pPr lvl="2"/>
             <a:r>
-              <a:rPr lang="zh-TW" altLang="en-US" smtClean="0"/>
-              <a:t>第三層</a:t>
+              <a:rPr lang="en-US" altLang="zh-TW" smtClean="0"/>
+              <a:t>Third level</a:t>
             </a:r>
           </a:p>
           <a:p>
             <a:pPr lvl="3"/>
             <a:r>
-              <a:rPr lang="zh-TW" altLang="en-US" smtClean="0"/>
-              <a:t>第四層</a:t>
+              <a:rPr lang="en-US" altLang="zh-TW" smtClean="0"/>
+              <a:t>Fourth level</a:t>
             </a:r>
           </a:p>
           <a:p>
             <a:pPr lvl="4"/>
             <a:r>
-              <a:rPr lang="zh-TW" altLang="en-US" smtClean="0"/>
-              <a:t>第五層</a:t>
-            </a:r>
-            <a:endParaRPr lang="en-US"/>
-          </a:p>
-        </p:txBody>
-      </p:sp>
-      <p:sp>
-        <p:nvSpPr>
-          <p:cNvPr id="5" name="Date Placeholder 3"/>
+              <a:rPr lang="en-US" altLang="zh-TW" smtClean="0"/>
+              <a:t>Fifth level</a:t>
+            </a:r>
+            <a:endParaRPr lang="zh-TW" altLang="en-US"/>
+          </a:p>
+        </p:txBody>
+      </p:sp>
+      <p:sp>
+        <p:nvSpPr>
+          <p:cNvPr id="5" name="日期版面配置區 4"/>
           <p:cNvSpPr>
             <a:spLocks noGrp="1"/>
           </p:cNvSpPr>
@@ -1377,15 +1363,11 @@
         <p:spPr/>
         <p:txBody>
           <a:bodyPr/>
-          <a:lstStyle>
-            <a:lvl1pPr>
-              <a:defRPr/>
-            </a:lvl1pPr>
-          </a:lstStyle>
+          <a:lstStyle/>
           <a:p>
             <a:fld id="{38C92329-405B-40F3-9CAA-786B4FE80AFD}" type="datetimeFigureOut">
               <a:rPr lang="zh-TW" altLang="en-US" smtClean="0"/>
-              <a:t>2014/7/25</a:t>
+              <a:t>2021/10/15</a:t>
             </a:fld>
             <a:endParaRPr lang="zh-TW" altLang="en-US"/>
           </a:p>
@@ -1393,7 +1375,7 @@
       </p:sp>
       <p:sp>
         <p:nvSpPr>
-          <p:cNvPr id="6" name="Footer Placeholder 4"/>
+          <p:cNvPr id="6" name="頁尾版面配置區 5"/>
           <p:cNvSpPr>
             <a:spLocks noGrp="1"/>
           </p:cNvSpPr>
@@ -1404,19 +1386,15 @@
         <p:spPr/>
         <p:txBody>
           <a:bodyPr/>
-          <a:lstStyle>
-            <a:lvl1pPr>
-              <a:defRPr/>
-            </a:lvl1pPr>
-          </a:lstStyle>
-          <a:p>
-            <a:endParaRPr lang="zh-TW" altLang="en-US"/>
-          </a:p>
-        </p:txBody>
-      </p:sp>
-      <p:sp>
-        <p:nvSpPr>
-          <p:cNvPr id="7" name="Slide Number Placeholder 5"/>
+          <a:lstStyle/>
+          <a:p>
+            <a:endParaRPr lang="zh-TW" altLang="en-US"/>
+          </a:p>
+        </p:txBody>
+      </p:sp>
+      <p:sp>
+        <p:nvSpPr>
+          <p:cNvPr id="7" name="投影片編號版面配置區 6"/>
           <p:cNvSpPr>
             <a:spLocks noGrp="1"/>
           </p:cNvSpPr>
@@ -1427,11 +1405,7 @@
         <p:spPr/>
         <p:txBody>
           <a:bodyPr/>
-          <a:lstStyle>
-            <a:lvl1pPr>
-              <a:defRPr/>
-            </a:lvl1pPr>
-          </a:lstStyle>
+          <a:lstStyle/>
           <a:p>
             <a:fld id="{68D82DB0-238E-48AF-8554-99A82DEF17D1}" type="slidenum">
               <a:rPr lang="zh-TW" altLang="en-US" smtClean="0"/>
@@ -1442,6 +1416,11 @@
         </p:txBody>
       </p:sp>
     </p:spTree>
+    <p:extLst>
+      <p:ext uri="{BB962C8B-B14F-4D97-AF65-F5344CB8AC3E}">
+        <p14:creationId xmlns:p14="http://schemas.microsoft.com/office/powerpoint/2010/main" val="2648349426"/>
+      </p:ext>
+    </p:extLst>
   </p:cSld>
   <p:clrMapOvr>
     <a:masterClrMapping/>
@@ -1468,7 +1447,7 @@
       </p:grpSpPr>
       <p:sp>
         <p:nvSpPr>
-          <p:cNvPr id="2" name="Title 1"/>
+          <p:cNvPr id="2" name="標題 1"/>
           <p:cNvSpPr>
             <a:spLocks noGrp="1"/>
           </p:cNvSpPr>
@@ -1486,16 +1465,16 @@
           </a:lstStyle>
           <a:p>
             <a:r>
-              <a:rPr lang="zh-TW" altLang="en-US" smtClean="0"/>
-              <a:t>按一下以編輯母片標題樣式</a:t>
-            </a:r>
-            <a:endParaRPr lang="en-US"/>
-          </a:p>
-        </p:txBody>
-      </p:sp>
-      <p:sp>
-        <p:nvSpPr>
-          <p:cNvPr id="3" name="Text Placeholder 2"/>
+              <a:rPr lang="en-US" altLang="zh-TW" smtClean="0"/>
+              <a:t>Click to edit Master title style</a:t>
+            </a:r>
+            <a:endParaRPr lang="zh-TW" altLang="en-US"/>
+          </a:p>
+        </p:txBody>
+      </p:sp>
+      <p:sp>
+        <p:nvSpPr>
+          <p:cNvPr id="3" name="文字版面配置區 2"/>
           <p:cNvSpPr>
             <a:spLocks noGrp="1"/>
           </p:cNvSpPr>
@@ -1505,8 +1484,8 @@
         </p:nvSpPr>
         <p:spPr>
           <a:xfrm>
-            <a:off x="457200" y="1535113"/>
-            <a:ext cx="4040188" cy="639762"/>
+            <a:off x="609600" y="1535115"/>
+            <a:ext cx="5386917" cy="639763"/>
           </a:xfrm>
         </p:spPr>
         <p:txBody>
@@ -1516,35 +1495,35 @@
               <a:buNone/>
               <a:defRPr sz="2400" b="1"/>
             </a:lvl1pPr>
-            <a:lvl2pPr marL="457200" indent="0">
+            <a:lvl2pPr marL="457189" indent="0">
               <a:buNone/>
               <a:defRPr sz="2000" b="1"/>
             </a:lvl2pPr>
-            <a:lvl3pPr marL="914400" indent="0">
+            <a:lvl3pPr marL="914378" indent="0">
               <a:buNone/>
               <a:defRPr sz="1800" b="1"/>
             </a:lvl3pPr>
-            <a:lvl4pPr marL="1371600" indent="0">
+            <a:lvl4pPr marL="1371566" indent="0">
               <a:buNone/>
               <a:defRPr sz="1600" b="1"/>
             </a:lvl4pPr>
-            <a:lvl5pPr marL="1828800" indent="0">
+            <a:lvl5pPr marL="1828754" indent="0">
               <a:buNone/>
               <a:defRPr sz="1600" b="1"/>
             </a:lvl5pPr>
-            <a:lvl6pPr marL="2286000" indent="0">
+            <a:lvl6pPr marL="2285943" indent="0">
               <a:buNone/>
               <a:defRPr sz="1600" b="1"/>
             </a:lvl6pPr>
-            <a:lvl7pPr marL="2743200" indent="0">
+            <a:lvl7pPr marL="2743132" indent="0">
               <a:buNone/>
               <a:defRPr sz="1600" b="1"/>
             </a:lvl7pPr>
-            <a:lvl8pPr marL="3200400" indent="0">
+            <a:lvl8pPr marL="3200320" indent="0">
               <a:buNone/>
               <a:defRPr sz="1600" b="1"/>
             </a:lvl8pPr>
-            <a:lvl9pPr marL="3657600" indent="0">
+            <a:lvl9pPr marL="3657509" indent="0">
               <a:buNone/>
               <a:defRPr sz="1600" b="1"/>
             </a:lvl9pPr>
@@ -1552,15 +1531,15 @@
           <a:p>
             <a:pPr lvl="0"/>
             <a:r>
-              <a:rPr lang="zh-TW" altLang="en-US" smtClean="0"/>
-              <a:t>按一下以編輯母片文字樣式</a:t>
-            </a:r>
-          </a:p>
-        </p:txBody>
-      </p:sp>
-      <p:sp>
-        <p:nvSpPr>
-          <p:cNvPr id="4" name="Content Placeholder 3"/>
+              <a:rPr lang="en-US" altLang="zh-TW" smtClean="0"/>
+              <a:t>Edit Master text styles</a:t>
+            </a:r>
+          </a:p>
+        </p:txBody>
+      </p:sp>
+      <p:sp>
+        <p:nvSpPr>
+          <p:cNvPr id="4" name="內容版面配置區 3"/>
           <p:cNvSpPr>
             <a:spLocks noGrp="1"/>
           </p:cNvSpPr>
@@ -1570,8 +1549,8 @@
         </p:nvSpPr>
         <p:spPr>
           <a:xfrm>
-            <a:off x="457200" y="2174875"/>
-            <a:ext cx="4040188" cy="3951288"/>
+            <a:off x="609600" y="2174875"/>
+            <a:ext cx="5386917" cy="3951288"/>
           </a:xfrm>
         </p:spPr>
         <p:txBody>
@@ -1608,44 +1587,44 @@
           <a:p>
             <a:pPr lvl="0"/>
             <a:r>
-              <a:rPr lang="zh-TW" altLang="en-US" smtClean="0"/>
-              <a:t>按一下以編輯母片文字樣式</a:t>
+              <a:rPr lang="en-US" altLang="zh-TW" smtClean="0"/>
+              <a:t>Edit Master text styles</a:t>
             </a:r>
           </a:p>
           <a:p>
             <a:pPr lvl="1"/>
             <a:r>
-              <a:rPr lang="zh-TW" altLang="en-US" smtClean="0"/>
-              <a:t>第二層</a:t>
+              <a:rPr lang="en-US" altLang="zh-TW" smtClean="0"/>
+              <a:t>Second level</a:t>
             </a:r>
           </a:p>
           <a:p>
             <a:pPr lvl="2"/>
             <a:r>
-              <a:rPr lang="zh-TW" altLang="en-US" smtClean="0"/>
-              <a:t>第三層</a:t>
+              <a:rPr lang="en-US" altLang="zh-TW" smtClean="0"/>
+              <a:t>Third level</a:t>
             </a:r>
           </a:p>
           <a:p>
             <a:pPr lvl="3"/>
             <a:r>
-              <a:rPr lang="zh-TW" altLang="en-US" smtClean="0"/>
-              <a:t>第四層</a:t>
+              <a:rPr lang="en-US" altLang="zh-TW" smtClean="0"/>
+              <a:t>Fourth level</a:t>
             </a:r>
           </a:p>
           <a:p>
             <a:pPr lvl="4"/>
             <a:r>
-              <a:rPr lang="zh-TW" altLang="en-US" smtClean="0"/>
-              <a:t>第五層</a:t>
-            </a:r>
-            <a:endParaRPr lang="en-US"/>
-          </a:p>
-        </p:txBody>
-      </p:sp>
-      <p:sp>
-        <p:nvSpPr>
-          <p:cNvPr id="5" name="Text Placeholder 4"/>
+              <a:rPr lang="en-US" altLang="zh-TW" smtClean="0"/>
+              <a:t>Fifth level</a:t>
+            </a:r>
+            <a:endParaRPr lang="zh-TW" altLang="en-US"/>
+          </a:p>
+        </p:txBody>
+      </p:sp>
+      <p:sp>
+        <p:nvSpPr>
+          <p:cNvPr id="5" name="文字版面配置區 4"/>
           <p:cNvSpPr>
             <a:spLocks noGrp="1"/>
           </p:cNvSpPr>
@@ -1655,8 +1634,8 @@
         </p:nvSpPr>
         <p:spPr>
           <a:xfrm>
-            <a:off x="4645025" y="1535113"/>
-            <a:ext cx="4041775" cy="639762"/>
+            <a:off x="6193370" y="1535115"/>
+            <a:ext cx="5389033" cy="639763"/>
           </a:xfrm>
         </p:spPr>
         <p:txBody>
@@ -1666,35 +1645,35 @@
               <a:buNone/>
               <a:defRPr sz="2400" b="1"/>
             </a:lvl1pPr>
-            <a:lvl2pPr marL="457200" indent="0">
+            <a:lvl2pPr marL="457189" indent="0">
               <a:buNone/>
               <a:defRPr sz="2000" b="1"/>
             </a:lvl2pPr>
-            <a:lvl3pPr marL="914400" indent="0">
+            <a:lvl3pPr marL="914378" indent="0">
               <a:buNone/>
               <a:defRPr sz="1800" b="1"/>
             </a:lvl3pPr>
-            <a:lvl4pPr marL="1371600" indent="0">
+            <a:lvl4pPr marL="1371566" indent="0">
               <a:buNone/>
               <a:defRPr sz="1600" b="1"/>
             </a:lvl4pPr>
-            <a:lvl5pPr marL="1828800" indent="0">
+            <a:lvl5pPr marL="1828754" indent="0">
               <a:buNone/>
               <a:defRPr sz="1600" b="1"/>
             </a:lvl5pPr>
-            <a:lvl6pPr marL="2286000" indent="0">
+            <a:lvl6pPr marL="2285943" indent="0">
               <a:buNone/>
               <a:defRPr sz="1600" b="1"/>
             </a:lvl6pPr>
-            <a:lvl7pPr marL="2743200" indent="0">
+            <a:lvl7pPr marL="2743132" indent="0">
               <a:buNone/>
               <a:defRPr sz="1600" b="1"/>
             </a:lvl7pPr>
-            <a:lvl8pPr marL="3200400" indent="0">
+            <a:lvl8pPr marL="3200320" indent="0">
               <a:buNone/>
               <a:defRPr sz="1600" b="1"/>
             </a:lvl8pPr>
-            <a:lvl9pPr marL="3657600" indent="0">
+            <a:lvl9pPr marL="3657509" indent="0">
               <a:buNone/>
               <a:defRPr sz="1600" b="1"/>
             </a:lvl9pPr>
@@ -1702,15 +1681,15 @@
           <a:p>
             <a:pPr lvl="0"/>
             <a:r>
-              <a:rPr lang="zh-TW" altLang="en-US" smtClean="0"/>
-              <a:t>按一下以編輯母片文字樣式</a:t>
-            </a:r>
-          </a:p>
-        </p:txBody>
-      </p:sp>
-      <p:sp>
-        <p:nvSpPr>
-          <p:cNvPr id="6" name="Content Placeholder 5"/>
+              <a:rPr lang="en-US" altLang="zh-TW" smtClean="0"/>
+              <a:t>Edit Master text styles</a:t>
+            </a:r>
+          </a:p>
+        </p:txBody>
+      </p:sp>
+      <p:sp>
+        <p:nvSpPr>
+          <p:cNvPr id="6" name="內容版面配置區 5"/>
           <p:cNvSpPr>
             <a:spLocks noGrp="1"/>
           </p:cNvSpPr>
@@ -1720,8 +1699,8 @@
         </p:nvSpPr>
         <p:spPr>
           <a:xfrm>
-            <a:off x="4645025" y="2174875"/>
-            <a:ext cx="4041775" cy="3951288"/>
+            <a:off x="6193370" y="2174875"/>
+            <a:ext cx="5389033" cy="3951288"/>
           </a:xfrm>
         </p:spPr>
         <p:txBody>
@@ -1758,44 +1737,44 @@
           <a:p>
             <a:pPr lvl="0"/>
             <a:r>
-              <a:rPr lang="zh-TW" altLang="en-US" smtClean="0"/>
-              <a:t>按一下以編輯母片文字樣式</a:t>
+              <a:rPr lang="en-US" altLang="zh-TW" smtClean="0"/>
+              <a:t>Edit Master text styles</a:t>
             </a:r>
           </a:p>
           <a:p>
             <a:pPr lvl="1"/>
             <a:r>
-              <a:rPr lang="zh-TW" altLang="en-US" smtClean="0"/>
-              <a:t>第二層</a:t>
+              <a:rPr lang="en-US" altLang="zh-TW" smtClean="0"/>
+              <a:t>Second level</a:t>
             </a:r>
           </a:p>
           <a:p>
             <a:pPr lvl="2"/>
             <a:r>
-              <a:rPr lang="zh-TW" altLang="en-US" smtClean="0"/>
-              <a:t>第三層</a:t>
+              <a:rPr lang="en-US" altLang="zh-TW" smtClean="0"/>
+              <a:t>Third level</a:t>
             </a:r>
           </a:p>
           <a:p>
             <a:pPr lvl="3"/>
             <a:r>
-              <a:rPr lang="zh-TW" altLang="en-US" smtClean="0"/>
-              <a:t>第四層</a:t>
+              <a:rPr lang="en-US" altLang="zh-TW" smtClean="0"/>
+              <a:t>Fourth level</a:t>
             </a:r>
           </a:p>
           <a:p>
             <a:pPr lvl="4"/>
             <a:r>
-              <a:rPr lang="zh-TW" altLang="en-US" smtClean="0"/>
-              <a:t>第五層</a:t>
-            </a:r>
-            <a:endParaRPr lang="en-US"/>
-          </a:p>
-        </p:txBody>
-      </p:sp>
-      <p:sp>
-        <p:nvSpPr>
-          <p:cNvPr id="7" name="Date Placeholder 3"/>
+              <a:rPr lang="en-US" altLang="zh-TW" smtClean="0"/>
+              <a:t>Fifth level</a:t>
+            </a:r>
+            <a:endParaRPr lang="zh-TW" altLang="en-US"/>
+          </a:p>
+        </p:txBody>
+      </p:sp>
+      <p:sp>
+        <p:nvSpPr>
+          <p:cNvPr id="7" name="日期版面配置區 6"/>
           <p:cNvSpPr>
             <a:spLocks noGrp="1"/>
           </p:cNvSpPr>
@@ -1806,15 +1785,11 @@
         <p:spPr/>
         <p:txBody>
           <a:bodyPr/>
-          <a:lstStyle>
-            <a:lvl1pPr>
-              <a:defRPr/>
-            </a:lvl1pPr>
-          </a:lstStyle>
+          <a:lstStyle/>
           <a:p>
             <a:fld id="{38C92329-405B-40F3-9CAA-786B4FE80AFD}" type="datetimeFigureOut">
               <a:rPr lang="zh-TW" altLang="en-US" smtClean="0"/>
-              <a:t>2014/7/25</a:t>
+              <a:t>2021/10/15</a:t>
             </a:fld>
             <a:endParaRPr lang="zh-TW" altLang="en-US"/>
           </a:p>
@@ -1822,7 +1797,7 @@
       </p:sp>
       <p:sp>
         <p:nvSpPr>
-          <p:cNvPr id="8" name="Footer Placeholder 4"/>
+          <p:cNvPr id="8" name="頁尾版面配置區 7"/>
           <p:cNvSpPr>
             <a:spLocks noGrp="1"/>
           </p:cNvSpPr>
@@ -1833,19 +1808,15 @@
         <p:spPr/>
         <p:txBody>
           <a:bodyPr/>
-          <a:lstStyle>
-            <a:lvl1pPr>
-              <a:defRPr/>
-            </a:lvl1pPr>
-          </a:lstStyle>
-          <a:p>
-            <a:endParaRPr lang="zh-TW" altLang="en-US"/>
-          </a:p>
-        </p:txBody>
-      </p:sp>
-      <p:sp>
-        <p:nvSpPr>
-          <p:cNvPr id="9" name="Slide Number Placeholder 5"/>
+          <a:lstStyle/>
+          <a:p>
+            <a:endParaRPr lang="zh-TW" altLang="en-US"/>
+          </a:p>
+        </p:txBody>
+      </p:sp>
+      <p:sp>
+        <p:nvSpPr>
+          <p:cNvPr id="9" name="投影片編號版面配置區 8"/>
           <p:cNvSpPr>
             <a:spLocks noGrp="1"/>
           </p:cNvSpPr>
@@ -1856,11 +1827,7 @@
         <p:spPr/>
         <p:txBody>
           <a:bodyPr/>
-          <a:lstStyle>
-            <a:lvl1pPr>
-              <a:defRPr/>
-            </a:lvl1pPr>
-          </a:lstStyle>
+          <a:lstStyle/>
           <a:p>
             <a:fld id="{68D82DB0-238E-48AF-8554-99A82DEF17D1}" type="slidenum">
               <a:rPr lang="zh-TW" altLang="en-US" smtClean="0"/>
@@ -1871,6 +1838,11 @@
         </p:txBody>
       </p:sp>
     </p:spTree>
+    <p:extLst>
+      <p:ext uri="{BB962C8B-B14F-4D97-AF65-F5344CB8AC3E}">
+        <p14:creationId xmlns:p14="http://schemas.microsoft.com/office/powerpoint/2010/main" val="793898115"/>
+      </p:ext>
+    </p:extLst>
   </p:cSld>
   <p:clrMapOvr>
     <a:masterClrMapping/>
@@ -1897,7 +1869,7 @@
       </p:grpSpPr>
       <p:sp>
         <p:nvSpPr>
-          <p:cNvPr id="2" name="Title 1"/>
+          <p:cNvPr id="2" name="標題 1"/>
           <p:cNvSpPr>
             <a:spLocks noGrp="1"/>
           </p:cNvSpPr>
@@ -1911,16 +1883,16 @@
           <a:lstStyle/>
           <a:p>
             <a:r>
-              <a:rPr lang="zh-TW" altLang="en-US" smtClean="0"/>
-              <a:t>按一下以編輯母片標題樣式</a:t>
-            </a:r>
-            <a:endParaRPr lang="en-US"/>
-          </a:p>
-        </p:txBody>
-      </p:sp>
-      <p:sp>
-        <p:nvSpPr>
-          <p:cNvPr id="3" name="Date Placeholder 3"/>
+              <a:rPr lang="en-US" altLang="zh-TW" smtClean="0"/>
+              <a:t>Click to edit Master title style</a:t>
+            </a:r>
+            <a:endParaRPr lang="zh-TW" altLang="en-US"/>
+          </a:p>
+        </p:txBody>
+      </p:sp>
+      <p:sp>
+        <p:nvSpPr>
+          <p:cNvPr id="3" name="日期版面配置區 2"/>
           <p:cNvSpPr>
             <a:spLocks noGrp="1"/>
           </p:cNvSpPr>
@@ -1931,15 +1903,11 @@
         <p:spPr/>
         <p:txBody>
           <a:bodyPr/>
-          <a:lstStyle>
-            <a:lvl1pPr>
-              <a:defRPr/>
-            </a:lvl1pPr>
-          </a:lstStyle>
+          <a:lstStyle/>
           <a:p>
             <a:fld id="{38C92329-405B-40F3-9CAA-786B4FE80AFD}" type="datetimeFigureOut">
               <a:rPr lang="zh-TW" altLang="en-US" smtClean="0"/>
-              <a:t>2014/7/25</a:t>
+              <a:t>2021/10/15</a:t>
             </a:fld>
             <a:endParaRPr lang="zh-TW" altLang="en-US"/>
           </a:p>
@@ -1947,7 +1915,7 @@
       </p:sp>
       <p:sp>
         <p:nvSpPr>
-          <p:cNvPr id="4" name="Footer Placeholder 4"/>
+          <p:cNvPr id="4" name="頁尾版面配置區 3"/>
           <p:cNvSpPr>
             <a:spLocks noGrp="1"/>
           </p:cNvSpPr>
@@ -1958,19 +1926,15 @@
         <p:spPr/>
         <p:txBody>
           <a:bodyPr/>
-          <a:lstStyle>
-            <a:lvl1pPr>
-              <a:defRPr/>
-            </a:lvl1pPr>
-          </a:lstStyle>
-          <a:p>
-            <a:endParaRPr lang="zh-TW" altLang="en-US"/>
-          </a:p>
-        </p:txBody>
-      </p:sp>
-      <p:sp>
-        <p:nvSpPr>
-          <p:cNvPr id="5" name="Slide Number Placeholder 5"/>
+          <a:lstStyle/>
+          <a:p>
+            <a:endParaRPr lang="zh-TW" altLang="en-US"/>
+          </a:p>
+        </p:txBody>
+      </p:sp>
+      <p:sp>
+        <p:nvSpPr>
+          <p:cNvPr id="5" name="投影片編號版面配置區 4"/>
           <p:cNvSpPr>
             <a:spLocks noGrp="1"/>
           </p:cNvSpPr>
@@ -1981,11 +1945,7 @@
         <p:spPr/>
         <p:txBody>
           <a:bodyPr/>
-          <a:lstStyle>
-            <a:lvl1pPr>
-              <a:defRPr/>
-            </a:lvl1pPr>
-          </a:lstStyle>
+          <a:lstStyle/>
           <a:p>
             <a:fld id="{68D82DB0-238E-48AF-8554-99A82DEF17D1}" type="slidenum">
               <a:rPr lang="zh-TW" altLang="en-US" smtClean="0"/>
@@ -1996,6 +1956,11 @@
         </p:txBody>
       </p:sp>
     </p:spTree>
+    <p:extLst>
+      <p:ext uri="{BB962C8B-B14F-4D97-AF65-F5344CB8AC3E}">
+        <p14:creationId xmlns:p14="http://schemas.microsoft.com/office/powerpoint/2010/main" val="4139677937"/>
+      </p:ext>
+    </p:extLst>
   </p:cSld>
   <p:clrMapOvr>
     <a:masterClrMapping/>
@@ -2022,7 +1987,7 @@
       </p:grpSpPr>
       <p:sp>
         <p:nvSpPr>
-          <p:cNvPr id="2" name="Date Placeholder 3"/>
+          <p:cNvPr id="2" name="日期版面配置區 1"/>
           <p:cNvSpPr>
             <a:spLocks noGrp="1"/>
           </p:cNvSpPr>
@@ -2033,15 +1998,11 @@
         <p:spPr/>
         <p:txBody>
           <a:bodyPr/>
-          <a:lstStyle>
-            <a:lvl1pPr>
-              <a:defRPr/>
-            </a:lvl1pPr>
-          </a:lstStyle>
+          <a:lstStyle/>
           <a:p>
             <a:fld id="{38C92329-405B-40F3-9CAA-786B4FE80AFD}" type="datetimeFigureOut">
               <a:rPr lang="zh-TW" altLang="en-US" smtClean="0"/>
-              <a:t>2014/7/25</a:t>
+              <a:t>2021/10/15</a:t>
             </a:fld>
             <a:endParaRPr lang="zh-TW" altLang="en-US"/>
           </a:p>
@@ -2049,7 +2010,7 @@
       </p:sp>
       <p:sp>
         <p:nvSpPr>
-          <p:cNvPr id="3" name="Footer Placeholder 4"/>
+          <p:cNvPr id="3" name="頁尾版面配置區 2"/>
           <p:cNvSpPr>
             <a:spLocks noGrp="1"/>
           </p:cNvSpPr>
@@ -2060,19 +2021,15 @@
         <p:spPr/>
         <p:txBody>
           <a:bodyPr/>
-          <a:lstStyle>
-            <a:lvl1pPr>
-              <a:defRPr/>
-            </a:lvl1pPr>
-          </a:lstStyle>
-          <a:p>
-            <a:endParaRPr lang="zh-TW" altLang="en-US"/>
-          </a:p>
-        </p:txBody>
-      </p:sp>
-      <p:sp>
-        <p:nvSpPr>
-          <p:cNvPr id="4" name="Slide Number Placeholder 5"/>
+          <a:lstStyle/>
+          <a:p>
+            <a:endParaRPr lang="zh-TW" altLang="en-US"/>
+          </a:p>
+        </p:txBody>
+      </p:sp>
+      <p:sp>
+        <p:nvSpPr>
+          <p:cNvPr id="4" name="投影片編號版面配置區 3"/>
           <p:cNvSpPr>
             <a:spLocks noGrp="1"/>
           </p:cNvSpPr>
@@ -2083,11 +2040,7 @@
         <p:spPr/>
         <p:txBody>
           <a:bodyPr/>
-          <a:lstStyle>
-            <a:lvl1pPr>
-              <a:defRPr/>
-            </a:lvl1pPr>
-          </a:lstStyle>
+          <a:lstStyle/>
           <a:p>
             <a:fld id="{68D82DB0-238E-48AF-8554-99A82DEF17D1}" type="slidenum">
               <a:rPr lang="zh-TW" altLang="en-US" smtClean="0"/>
@@ -2098,6 +2051,11 @@
         </p:txBody>
       </p:sp>
     </p:spTree>
+    <p:extLst>
+      <p:ext uri="{BB962C8B-B14F-4D97-AF65-F5344CB8AC3E}">
+        <p14:creationId xmlns:p14="http://schemas.microsoft.com/office/powerpoint/2010/main" val="2833393049"/>
+      </p:ext>
+    </p:extLst>
   </p:cSld>
   <p:clrMapOvr>
     <a:masterClrMapping/>
@@ -2124,7 +2082,7 @@
       </p:grpSpPr>
       <p:sp>
         <p:nvSpPr>
-          <p:cNvPr id="2" name="Title 1"/>
+          <p:cNvPr id="2" name="標題 1"/>
           <p:cNvSpPr>
             <a:spLocks noGrp="1"/>
           </p:cNvSpPr>
@@ -2134,8 +2092,8 @@
         </p:nvSpPr>
         <p:spPr>
           <a:xfrm>
-            <a:off x="457200" y="273050"/>
-            <a:ext cx="3008313" cy="1162050"/>
+            <a:off x="609603" y="273051"/>
+            <a:ext cx="4011084" cy="1162051"/>
           </a:xfrm>
         </p:spPr>
         <p:txBody>
@@ -2147,16 +2105,16 @@
           </a:lstStyle>
           <a:p>
             <a:r>
-              <a:rPr lang="zh-TW" altLang="en-US" smtClean="0"/>
-              <a:t>按一下以編輯母片標題樣式</a:t>
-            </a:r>
-            <a:endParaRPr lang="en-US"/>
-          </a:p>
-        </p:txBody>
-      </p:sp>
-      <p:sp>
-        <p:nvSpPr>
-          <p:cNvPr id="3" name="Content Placeholder 2"/>
+              <a:rPr lang="en-US" altLang="zh-TW" smtClean="0"/>
+              <a:t>Click to edit Master title style</a:t>
+            </a:r>
+            <a:endParaRPr lang="zh-TW" altLang="en-US"/>
+          </a:p>
+        </p:txBody>
+      </p:sp>
+      <p:sp>
+        <p:nvSpPr>
+          <p:cNvPr id="3" name="內容版面配置區 2"/>
           <p:cNvSpPr>
             <a:spLocks noGrp="1"/>
           </p:cNvSpPr>
@@ -2166,8 +2124,8 @@
         </p:nvSpPr>
         <p:spPr>
           <a:xfrm>
-            <a:off x="3575050" y="273050"/>
-            <a:ext cx="5111750" cy="5853113"/>
+            <a:off x="4766733" y="273054"/>
+            <a:ext cx="6815667" cy="5853113"/>
           </a:xfrm>
         </p:spPr>
         <p:txBody>
@@ -2204,44 +2162,44 @@
           <a:p>
             <a:pPr lvl="0"/>
             <a:r>
-              <a:rPr lang="zh-TW" altLang="en-US" smtClean="0"/>
-              <a:t>按一下以編輯母片文字樣式</a:t>
+              <a:rPr lang="en-US" altLang="zh-TW" smtClean="0"/>
+              <a:t>Edit Master text styles</a:t>
             </a:r>
           </a:p>
           <a:p>
             <a:pPr lvl="1"/>
             <a:r>
-              <a:rPr lang="zh-TW" altLang="en-US" smtClean="0"/>
-              <a:t>第二層</a:t>
+              <a:rPr lang="en-US" altLang="zh-TW" smtClean="0"/>
+              <a:t>Second level</a:t>
             </a:r>
           </a:p>
           <a:p>
             <a:pPr lvl="2"/>
             <a:r>
-              <a:rPr lang="zh-TW" altLang="en-US" smtClean="0"/>
-              <a:t>第三層</a:t>
+              <a:rPr lang="en-US" altLang="zh-TW" smtClean="0"/>
+              <a:t>Third level</a:t>
             </a:r>
           </a:p>
           <a:p>
             <a:pPr lvl="3"/>
             <a:r>
-              <a:rPr lang="zh-TW" altLang="en-US" smtClean="0"/>
-              <a:t>第四層</a:t>
+              <a:rPr lang="en-US" altLang="zh-TW" smtClean="0"/>
+              <a:t>Fourth level</a:t>
             </a:r>
           </a:p>
           <a:p>
             <a:pPr lvl="4"/>
             <a:r>
-              <a:rPr lang="zh-TW" altLang="en-US" smtClean="0"/>
-              <a:t>第五層</a:t>
-            </a:r>
-            <a:endParaRPr lang="en-US"/>
-          </a:p>
-        </p:txBody>
-      </p:sp>
-      <p:sp>
-        <p:nvSpPr>
-          <p:cNvPr id="4" name="Text Placeholder 3"/>
+              <a:rPr lang="en-US" altLang="zh-TW" smtClean="0"/>
+              <a:t>Fifth level</a:t>
+            </a:r>
+            <a:endParaRPr lang="zh-TW" altLang="en-US"/>
+          </a:p>
+        </p:txBody>
+      </p:sp>
+      <p:sp>
+        <p:nvSpPr>
+          <p:cNvPr id="4" name="文字版面配置區 3"/>
           <p:cNvSpPr>
             <a:spLocks noGrp="1"/>
           </p:cNvSpPr>
@@ -2251,8 +2209,8 @@
         </p:nvSpPr>
         <p:spPr>
           <a:xfrm>
-            <a:off x="457200" y="1435100"/>
-            <a:ext cx="3008313" cy="4691063"/>
+            <a:off x="609603" y="1435103"/>
+            <a:ext cx="4011084" cy="4691063"/>
           </a:xfrm>
         </p:spPr>
         <p:txBody>
@@ -2262,35 +2220,35 @@
               <a:buNone/>
               <a:defRPr sz="1400"/>
             </a:lvl1pPr>
-            <a:lvl2pPr marL="457200" indent="0">
+            <a:lvl2pPr marL="457189" indent="0">
               <a:buNone/>
               <a:defRPr sz="1200"/>
             </a:lvl2pPr>
-            <a:lvl3pPr marL="914400" indent="0">
+            <a:lvl3pPr marL="914378" indent="0">
               <a:buNone/>
               <a:defRPr sz="1000"/>
             </a:lvl3pPr>
-            <a:lvl4pPr marL="1371600" indent="0">
+            <a:lvl4pPr marL="1371566" indent="0">
               <a:buNone/>
               <a:defRPr sz="900"/>
             </a:lvl4pPr>
-            <a:lvl5pPr marL="1828800" indent="0">
+            <a:lvl5pPr marL="1828754" indent="0">
               <a:buNone/>
               <a:defRPr sz="900"/>
             </a:lvl5pPr>
-            <a:lvl6pPr marL="2286000" indent="0">
+            <a:lvl6pPr marL="2285943" indent="0">
               <a:buNone/>
               <a:defRPr sz="900"/>
             </a:lvl6pPr>
-            <a:lvl7pPr marL="2743200" indent="0">
+            <a:lvl7pPr marL="2743132" indent="0">
               <a:buNone/>
               <a:defRPr sz="900"/>
             </a:lvl7pPr>
-            <a:lvl8pPr marL="3200400" indent="0">
+            <a:lvl8pPr marL="3200320" indent="0">
               <a:buNone/>
               <a:defRPr sz="900"/>
             </a:lvl8pPr>
-            <a:lvl9pPr marL="3657600" indent="0">
+            <a:lvl9pPr marL="3657509" indent="0">
               <a:buNone/>
               <a:defRPr sz="900"/>
             </a:lvl9pPr>
@@ -2298,15 +2256,15 @@
           <a:p>
             <a:pPr lvl="0"/>
             <a:r>
-              <a:rPr lang="zh-TW" altLang="en-US" smtClean="0"/>
-              <a:t>按一下以編輯母片文字樣式</a:t>
-            </a:r>
-          </a:p>
-        </p:txBody>
-      </p:sp>
-      <p:sp>
-        <p:nvSpPr>
-          <p:cNvPr id="5" name="Date Placeholder 3"/>
+              <a:rPr lang="en-US" altLang="zh-TW" smtClean="0"/>
+              <a:t>Edit Master text styles</a:t>
+            </a:r>
+          </a:p>
+        </p:txBody>
+      </p:sp>
+      <p:sp>
+        <p:nvSpPr>
+          <p:cNvPr id="5" name="日期版面配置區 4"/>
           <p:cNvSpPr>
             <a:spLocks noGrp="1"/>
           </p:cNvSpPr>
@@ -2317,15 +2275,11 @@
         <p:spPr/>
         <p:txBody>
           <a:bodyPr/>
-          <a:lstStyle>
-            <a:lvl1pPr>
-              <a:defRPr/>
-            </a:lvl1pPr>
-          </a:lstStyle>
+          <a:lstStyle/>
           <a:p>
             <a:fld id="{38C92329-405B-40F3-9CAA-786B4FE80AFD}" type="datetimeFigureOut">
               <a:rPr lang="zh-TW" altLang="en-US" smtClean="0"/>
-              <a:t>2014/7/25</a:t>
+              <a:t>2021/10/15</a:t>
             </a:fld>
             <a:endParaRPr lang="zh-TW" altLang="en-US"/>
           </a:p>
@@ -2333,7 +2287,7 @@
       </p:sp>
       <p:sp>
         <p:nvSpPr>
-          <p:cNvPr id="6" name="Footer Placeholder 4"/>
+          <p:cNvPr id="6" name="頁尾版面配置區 5"/>
           <p:cNvSpPr>
             <a:spLocks noGrp="1"/>
           </p:cNvSpPr>
@@ -2344,19 +2298,15 @@
         <p:spPr/>
         <p:txBody>
           <a:bodyPr/>
-          <a:lstStyle>
-            <a:lvl1pPr>
-              <a:defRPr/>
-            </a:lvl1pPr>
-          </a:lstStyle>
-          <a:p>
-            <a:endParaRPr lang="zh-TW" altLang="en-US"/>
-          </a:p>
-        </p:txBody>
-      </p:sp>
-      <p:sp>
-        <p:nvSpPr>
-          <p:cNvPr id="7" name="Slide Number Placeholder 5"/>
+          <a:lstStyle/>
+          <a:p>
+            <a:endParaRPr lang="zh-TW" altLang="en-US"/>
+          </a:p>
+        </p:txBody>
+      </p:sp>
+      <p:sp>
+        <p:nvSpPr>
+          <p:cNvPr id="7" name="投影片編號版面配置區 6"/>
           <p:cNvSpPr>
             <a:spLocks noGrp="1"/>
           </p:cNvSpPr>
@@ -2367,11 +2317,7 @@
         <p:spPr/>
         <p:txBody>
           <a:bodyPr/>
-          <a:lstStyle>
-            <a:lvl1pPr>
-              <a:defRPr/>
-            </a:lvl1pPr>
-          </a:lstStyle>
+          <a:lstStyle/>
           <a:p>
             <a:fld id="{68D82DB0-238E-48AF-8554-99A82DEF17D1}" type="slidenum">
               <a:rPr lang="zh-TW" altLang="en-US" smtClean="0"/>
@@ -2382,6 +2328,11 @@
         </p:txBody>
       </p:sp>
     </p:spTree>
+    <p:extLst>
+      <p:ext uri="{BB962C8B-B14F-4D97-AF65-F5344CB8AC3E}">
+        <p14:creationId xmlns:p14="http://schemas.microsoft.com/office/powerpoint/2010/main" val="3054568239"/>
+      </p:ext>
+    </p:extLst>
   </p:cSld>
   <p:clrMapOvr>
     <a:masterClrMapping/>
@@ -2408,7 +2359,7 @@
       </p:grpSpPr>
       <p:sp>
         <p:nvSpPr>
-          <p:cNvPr id="2" name="Title 1"/>
+          <p:cNvPr id="2" name="標題 1"/>
           <p:cNvSpPr>
             <a:spLocks noGrp="1"/>
           </p:cNvSpPr>
@@ -2418,8 +2369,8 @@
         </p:nvSpPr>
         <p:spPr>
           <a:xfrm>
-            <a:off x="1792288" y="4800600"/>
-            <a:ext cx="5486400" cy="566738"/>
+            <a:off x="2389717" y="4800602"/>
+            <a:ext cx="7315200" cy="566739"/>
           </a:xfrm>
         </p:spPr>
         <p:txBody>
@@ -2431,16 +2382,16 @@
           </a:lstStyle>
           <a:p>
             <a:r>
-              <a:rPr lang="zh-TW" altLang="en-US" smtClean="0"/>
-              <a:t>按一下以編輯母片標題樣式</a:t>
-            </a:r>
-            <a:endParaRPr lang="en-US"/>
-          </a:p>
-        </p:txBody>
-      </p:sp>
-      <p:sp>
-        <p:nvSpPr>
-          <p:cNvPr id="3" name="Picture Placeholder 2"/>
+              <a:rPr lang="en-US" altLang="zh-TW" smtClean="0"/>
+              <a:t>Click to edit Master title style</a:t>
+            </a:r>
+            <a:endParaRPr lang="zh-TW" altLang="en-US"/>
+          </a:p>
+        </p:txBody>
+      </p:sp>
+      <p:sp>
+        <p:nvSpPr>
+          <p:cNvPr id="3" name="圖片版面配置區 2"/>
           <p:cNvSpPr>
             <a:spLocks noGrp="1"/>
           </p:cNvSpPr>
@@ -2450,65 +2401,62 @@
         </p:nvSpPr>
         <p:spPr>
           <a:xfrm>
-            <a:off x="1792288" y="612775"/>
-            <a:ext cx="5486400" cy="4114800"/>
+            <a:off x="2389717" y="612775"/>
+            <a:ext cx="7315200" cy="4114800"/>
           </a:xfrm>
         </p:spPr>
         <p:txBody>
-          <a:bodyPr rtlCol="0">
-            <a:normAutofit/>
-          </a:bodyPr>
+          <a:bodyPr/>
           <a:lstStyle>
             <a:lvl1pPr marL="0" indent="0">
               <a:buNone/>
               <a:defRPr sz="3200"/>
             </a:lvl1pPr>
-            <a:lvl2pPr marL="457200" indent="0">
+            <a:lvl2pPr marL="457189" indent="0">
               <a:buNone/>
               <a:defRPr sz="2800"/>
             </a:lvl2pPr>
-            <a:lvl3pPr marL="914400" indent="0">
+            <a:lvl3pPr marL="914378" indent="0">
               <a:buNone/>
               <a:defRPr sz="2400"/>
             </a:lvl3pPr>
-            <a:lvl4pPr marL="1371600" indent="0">
+            <a:lvl4pPr marL="1371566" indent="0">
               <a:buNone/>
               <a:defRPr sz="2000"/>
             </a:lvl4pPr>
-            <a:lvl5pPr marL="1828800" indent="0">
+            <a:lvl5pPr marL="1828754" indent="0">
               <a:buNone/>
               <a:defRPr sz="2000"/>
             </a:lvl5pPr>
-            <a:lvl6pPr marL="2286000" indent="0">
+            <a:lvl6pPr marL="2285943" indent="0">
               <a:buNone/>
               <a:defRPr sz="2000"/>
             </a:lvl6pPr>
-            <a:lvl7pPr marL="2743200" indent="0">
+            <a:lvl7pPr marL="2743132" indent="0">
               <a:buNone/>
               <a:defRPr sz="2000"/>
             </a:lvl7pPr>
-            <a:lvl8pPr marL="3200400" indent="0">
+            <a:lvl8pPr marL="3200320" indent="0">
               <a:buNone/>
               <a:defRPr sz="2000"/>
             </a:lvl8pPr>
-            <a:lvl9pPr marL="3657600" indent="0">
+            <a:lvl9pPr marL="3657509" indent="0">
               <a:buNone/>
               <a:defRPr sz="2000"/>
             </a:lvl9pPr>
           </a:lstStyle>
           <a:p>
-            <a:pPr lvl="0"/>
-            <a:r>
-              <a:rPr lang="zh-TW" altLang="en-US" noProof="0" smtClean="0"/>
-              <a:t>按一下圖示以新增圖片</a:t>
-            </a:r>
-            <a:endParaRPr lang="en-US" noProof="0"/>
-          </a:p>
-        </p:txBody>
-      </p:sp>
-      <p:sp>
-        <p:nvSpPr>
-          <p:cNvPr id="4" name="Text Placeholder 3"/>
+            <a:r>
+              <a:rPr lang="en-US" altLang="zh-TW" smtClean="0"/>
+              <a:t>Click icon to add picture</a:t>
+            </a:r>
+            <a:endParaRPr lang="zh-TW" altLang="en-US"/>
+          </a:p>
+        </p:txBody>
+      </p:sp>
+      <p:sp>
+        <p:nvSpPr>
+          <p:cNvPr id="4" name="文字版面配置區 3"/>
           <p:cNvSpPr>
             <a:spLocks noGrp="1"/>
           </p:cNvSpPr>
@@ -2518,8 +2466,8 @@
         </p:nvSpPr>
         <p:spPr>
           <a:xfrm>
-            <a:off x="1792288" y="5367338"/>
-            <a:ext cx="5486400" cy="804862"/>
+            <a:off x="2389717" y="5367340"/>
+            <a:ext cx="7315200" cy="804863"/>
           </a:xfrm>
         </p:spPr>
         <p:txBody>
@@ -2529,35 +2477,35 @@
               <a:buNone/>
               <a:defRPr sz="1400"/>
             </a:lvl1pPr>
-            <a:lvl2pPr marL="457200" indent="0">
+            <a:lvl2pPr marL="457189" indent="0">
               <a:buNone/>
               <a:defRPr sz="1200"/>
             </a:lvl2pPr>
-            <a:lvl3pPr marL="914400" indent="0">
+            <a:lvl3pPr marL="914378" indent="0">
               <a:buNone/>
               <a:defRPr sz="1000"/>
             </a:lvl3pPr>
-            <a:lvl4pPr marL="1371600" indent="0">
+            <a:lvl4pPr marL="1371566" indent="0">
               <a:buNone/>
               <a:defRPr sz="900"/>
             </a:lvl4pPr>
-            <a:lvl5pPr marL="1828800" indent="0">
+            <a:lvl5pPr marL="1828754" indent="0">
               <a:buNone/>
               <a:defRPr sz="900"/>
             </a:lvl5pPr>
-            <a:lvl6pPr marL="2286000" indent="0">
+            <a:lvl6pPr marL="2285943" indent="0">
               <a:buNone/>
               <a:defRPr sz="900"/>
             </a:lvl6pPr>
-            <a:lvl7pPr marL="2743200" indent="0">
+            <a:lvl7pPr marL="2743132" indent="0">
               <a:buNone/>
               <a:defRPr sz="900"/>
             </a:lvl7pPr>
-            <a:lvl8pPr marL="3200400" indent="0">
+            <a:lvl8pPr marL="3200320" indent="0">
               <a:buNone/>
               <a:defRPr sz="900"/>
             </a:lvl8pPr>
-            <a:lvl9pPr marL="3657600" indent="0">
+            <a:lvl9pPr marL="3657509" indent="0">
               <a:buNone/>
               <a:defRPr sz="900"/>
             </a:lvl9pPr>
@@ -2565,15 +2513,15 @@
           <a:p>
             <a:pPr lvl="0"/>
             <a:r>
-              <a:rPr lang="zh-TW" altLang="en-US" smtClean="0"/>
-              <a:t>按一下以編輯母片文字樣式</a:t>
-            </a:r>
-          </a:p>
-        </p:txBody>
-      </p:sp>
-      <p:sp>
-        <p:nvSpPr>
-          <p:cNvPr id="5" name="Date Placeholder 3"/>
+              <a:rPr lang="en-US" altLang="zh-TW" smtClean="0"/>
+              <a:t>Edit Master text styles</a:t>
+            </a:r>
+          </a:p>
+        </p:txBody>
+      </p:sp>
+      <p:sp>
+        <p:nvSpPr>
+          <p:cNvPr id="5" name="日期版面配置區 4"/>
           <p:cNvSpPr>
             <a:spLocks noGrp="1"/>
           </p:cNvSpPr>
@@ -2584,15 +2532,11 @@
         <p:spPr/>
         <p:txBody>
           <a:bodyPr/>
-          <a:lstStyle>
-            <a:lvl1pPr>
-              <a:defRPr/>
-            </a:lvl1pPr>
-          </a:lstStyle>
+          <a:lstStyle/>
           <a:p>
             <a:fld id="{38C92329-405B-40F3-9CAA-786B4FE80AFD}" type="datetimeFigureOut">
               <a:rPr lang="zh-TW" altLang="en-US" smtClean="0"/>
-              <a:t>2014/7/25</a:t>
+              <a:t>2021/10/15</a:t>
             </a:fld>
             <a:endParaRPr lang="zh-TW" altLang="en-US"/>
           </a:p>
@@ -2600,7 +2544,7 @@
       </p:sp>
       <p:sp>
         <p:nvSpPr>
-          <p:cNvPr id="6" name="Footer Placeholder 4"/>
+          <p:cNvPr id="6" name="頁尾版面配置區 5"/>
           <p:cNvSpPr>
             <a:spLocks noGrp="1"/>
           </p:cNvSpPr>
@@ -2611,19 +2555,15 @@
         <p:spPr/>
         <p:txBody>
           <a:bodyPr/>
-          <a:lstStyle>
-            <a:lvl1pPr>
-              <a:defRPr/>
-            </a:lvl1pPr>
-          </a:lstStyle>
-          <a:p>
-            <a:endParaRPr lang="zh-TW" altLang="en-US"/>
-          </a:p>
-        </p:txBody>
-      </p:sp>
-      <p:sp>
-        <p:nvSpPr>
-          <p:cNvPr id="7" name="Slide Number Placeholder 5"/>
+          <a:lstStyle/>
+          <a:p>
+            <a:endParaRPr lang="zh-TW" altLang="en-US"/>
+          </a:p>
+        </p:txBody>
+      </p:sp>
+      <p:sp>
+        <p:nvSpPr>
+          <p:cNvPr id="7" name="投影片編號版面配置區 6"/>
           <p:cNvSpPr>
             <a:spLocks noGrp="1"/>
           </p:cNvSpPr>
@@ -2634,11 +2574,7 @@
         <p:spPr/>
         <p:txBody>
           <a:bodyPr/>
-          <a:lstStyle>
-            <a:lvl1pPr>
-              <a:defRPr/>
-            </a:lvl1pPr>
-          </a:lstStyle>
+          <a:lstStyle/>
           <a:p>
             <a:fld id="{68D82DB0-238E-48AF-8554-99A82DEF17D1}" type="slidenum">
               <a:rPr lang="zh-TW" altLang="en-US" smtClean="0"/>
@@ -2649,6 +2585,11 @@
         </p:txBody>
       </p:sp>
     </p:spTree>
+    <p:extLst>
+      <p:ext uri="{BB962C8B-B14F-4D97-AF65-F5344CB8AC3E}">
+        <p14:creationId xmlns:p14="http://schemas.microsoft.com/office/powerpoint/2010/main" val="3153081764"/>
+      </p:ext>
+    </p:extLst>
   </p:cSld>
   <p:clrMapOvr>
     <a:masterClrMapping/>
@@ -2662,13 +2603,9 @@
     <p:bg>
       <p:bgPr>
         <a:blipFill dpi="0" rotWithShape="1">
-          <a:blip r:embed="rId13">
-            <a:lum/>
-          </a:blip>
+          <a:blip r:embed="rId13"/>
           <a:srcRect/>
-          <a:stretch>
-            <a:fillRect l="-21000" r="-21000"/>
-          </a:stretch>
+          <a:tile tx="0" ty="0" sx="100000" sy="100000" flip="none" algn="tl"/>
         </a:blipFill>
         <a:effectLst/>
       </p:bgPr>
@@ -2689,226 +2626,113 @@
       </p:grpSpPr>
       <p:sp>
         <p:nvSpPr>
-          <p:cNvPr id="1026" name="Title Placeholder 1"/>
+          <p:cNvPr id="2" name="標題版面配置區 1"/>
           <p:cNvSpPr>
             <a:spLocks noGrp="1"/>
           </p:cNvSpPr>
           <p:nvPr>
             <p:ph type="title"/>
-          </p:nvPr>
-        </p:nvSpPr>
-        <p:spPr bwMode="auto">
-          <a:xfrm>
-            <a:off x="457200" y="274638"/>
-            <a:ext cx="8229600" cy="1143000"/>
-          </a:xfrm>
-          <a:prstGeom prst="rect">
-            <a:avLst/>
-          </a:prstGeom>
-          <a:noFill/>
-          <a:ln w="9525">
-            <a:noFill/>
-            <a:miter lim="800000"/>
-            <a:headEnd/>
-            <a:tailEnd/>
-          </a:ln>
-        </p:spPr>
-        <p:txBody>
-          <a:bodyPr vert="horz" wrap="square" lIns="91440" tIns="45720" rIns="91440" bIns="45720" numCol="1" anchor="ctr" anchorCtr="0" compatLnSpc="1">
-            <a:prstTxWarp prst="textNoShape">
-              <a:avLst/>
-            </a:prstTxWarp>
-          </a:bodyPr>
-          <a:lstStyle/>
-          <a:p>
-            <a:pPr lvl="0"/>
-            <a:r>
-              <a:rPr lang="zh-TW" altLang="en-US" smtClean="0"/>
-              <a:t>按一下以編輯母片標題樣式</a:t>
-            </a:r>
-            <a:endParaRPr lang="en-US" altLang="zh-TW" smtClean="0"/>
-          </a:p>
-        </p:txBody>
-      </p:sp>
-      <p:sp>
-        <p:nvSpPr>
-          <p:cNvPr id="1027" name="Text Placeholder 2"/>
-          <p:cNvSpPr>
-            <a:spLocks noGrp="1"/>
-          </p:cNvSpPr>
-          <p:nvPr>
-            <p:ph type="body" idx="1"/>
-          </p:nvPr>
-        </p:nvSpPr>
-        <p:spPr bwMode="auto">
-          <a:xfrm>
-            <a:off x="457200" y="1600200"/>
-            <a:ext cx="8229600" cy="4525963"/>
-          </a:xfrm>
-          <a:prstGeom prst="rect">
-            <a:avLst/>
-          </a:prstGeom>
-          <a:noFill/>
-          <a:ln w="9525">
-            <a:noFill/>
-            <a:miter lim="800000"/>
-            <a:headEnd/>
-            <a:tailEnd/>
-          </a:ln>
-        </p:spPr>
-        <p:txBody>
-          <a:bodyPr vert="horz" wrap="square" lIns="91440" tIns="45720" rIns="91440" bIns="45720" numCol="1" anchor="t" anchorCtr="0" compatLnSpc="1">
-            <a:prstTxWarp prst="textNoShape">
-              <a:avLst/>
-            </a:prstTxWarp>
-          </a:bodyPr>
-          <a:lstStyle/>
-          <a:p>
-            <a:pPr lvl="0"/>
-            <a:r>
-              <a:rPr lang="zh-TW" altLang="en-US" smtClean="0"/>
-              <a:t>按一下以編輯母片文字樣式</a:t>
-            </a:r>
-          </a:p>
-          <a:p>
-            <a:pPr lvl="1"/>
-            <a:r>
-              <a:rPr lang="zh-TW" altLang="en-US" smtClean="0"/>
-              <a:t>第二層</a:t>
-            </a:r>
-          </a:p>
-          <a:p>
-            <a:pPr lvl="2"/>
-            <a:r>
-              <a:rPr lang="zh-TW" altLang="en-US" smtClean="0"/>
-              <a:t>第三層</a:t>
-            </a:r>
-          </a:p>
-          <a:p>
-            <a:pPr lvl="3"/>
-            <a:r>
-              <a:rPr lang="zh-TW" altLang="en-US" smtClean="0"/>
-              <a:t>第四層</a:t>
-            </a:r>
-          </a:p>
-          <a:p>
-            <a:pPr lvl="4"/>
-            <a:r>
-              <a:rPr lang="zh-TW" altLang="en-US" smtClean="0"/>
-              <a:t>第五層</a:t>
-            </a:r>
-            <a:endParaRPr lang="en-US" altLang="zh-TW" smtClean="0"/>
-          </a:p>
-        </p:txBody>
-      </p:sp>
-      <p:sp>
-        <p:nvSpPr>
-          <p:cNvPr id="4" name="Date Placeholder 3"/>
-          <p:cNvSpPr>
-            <a:spLocks noGrp="1"/>
-          </p:cNvSpPr>
-          <p:nvPr>
-            <p:ph type="dt" sz="half" idx="2"/>
           </p:nvPr>
         </p:nvSpPr>
         <p:spPr>
           <a:xfrm>
-            <a:off x="457200" y="6356350"/>
-            <a:ext cx="2133600" cy="365125"/>
+            <a:off x="609600" y="274639"/>
+            <a:ext cx="10972800" cy="1143000"/>
           </a:xfrm>
           <a:prstGeom prst="rect">
             <a:avLst/>
           </a:prstGeom>
         </p:spPr>
         <p:txBody>
-          <a:bodyPr vert="horz" lIns="91440" tIns="45720" rIns="91440" bIns="45720" rtlCol="0" anchor="ctr"/>
-          <a:lstStyle>
-            <a:lvl1pPr algn="l" fontAlgn="auto">
-              <a:spcBef>
-                <a:spcPts val="0"/>
-              </a:spcBef>
-              <a:spcAft>
-                <a:spcPts val="0"/>
-              </a:spcAft>
-              <a:defRPr kumimoji="0" sz="1200" smtClean="0">
-                <a:solidFill>
-                  <a:schemeClr val="tx1">
-                    <a:tint val="75000"/>
-                  </a:schemeClr>
-                </a:solidFill>
-                <a:latin typeface="+mn-lt"/>
-                <a:ea typeface="+mn-ea"/>
-              </a:defRPr>
-            </a:lvl1pPr>
-          </a:lstStyle>
-          <a:p>
-            <a:fld id="{38C92329-405B-40F3-9CAA-786B4FE80AFD}" type="datetimeFigureOut">
+          <a:bodyPr vert="horz" lIns="91440" tIns="45720" rIns="91440" bIns="45720" rtlCol="0" anchor="ctr">
+            <a:normAutofit/>
+          </a:bodyPr>
+          <a:lstStyle/>
+          <a:p>
+            <a:r>
               <a:rPr lang="zh-TW" altLang="en-US" smtClean="0"/>
-              <a:t>2014/7/25</a:t>
-            </a:fld>
-            <a:endParaRPr lang="zh-TW" altLang="en-US"/>
-          </a:p>
-        </p:txBody>
-      </p:sp>
-      <p:sp>
-        <p:nvSpPr>
-          <p:cNvPr id="5" name="Footer Placeholder 4"/>
-          <p:cNvSpPr>
-            <a:spLocks noGrp="1"/>
-          </p:cNvSpPr>
-          <p:nvPr>
-            <p:ph type="ftr" sz="quarter" idx="3"/>
+              <a:t>按一下以編輯母片標題樣式</a:t>
+            </a:r>
+            <a:endParaRPr lang="zh-TW" altLang="en-US"/>
+          </a:p>
+        </p:txBody>
+      </p:sp>
+      <p:sp>
+        <p:nvSpPr>
+          <p:cNvPr id="3" name="文字版面配置區 2"/>
+          <p:cNvSpPr>
+            <a:spLocks noGrp="1"/>
+          </p:cNvSpPr>
+          <p:nvPr>
+            <p:ph type="body" idx="1"/>
           </p:nvPr>
         </p:nvSpPr>
         <p:spPr>
           <a:xfrm>
-            <a:off x="3124200" y="6356350"/>
-            <a:ext cx="2895600" cy="365125"/>
+            <a:off x="609600" y="1600203"/>
+            <a:ext cx="10972800" cy="4525963"/>
           </a:xfrm>
           <a:prstGeom prst="rect">
             <a:avLst/>
           </a:prstGeom>
         </p:spPr>
         <p:txBody>
-          <a:bodyPr vert="horz" lIns="91440" tIns="45720" rIns="91440" bIns="45720" rtlCol="0" anchor="ctr"/>
-          <a:lstStyle>
-            <a:lvl1pPr algn="ctr" fontAlgn="auto">
-              <a:spcBef>
-                <a:spcPts val="0"/>
-              </a:spcBef>
-              <a:spcAft>
-                <a:spcPts val="0"/>
-              </a:spcAft>
-              <a:defRPr kumimoji="0" sz="1200">
-                <a:solidFill>
-                  <a:schemeClr val="tx1">
-                    <a:tint val="75000"/>
-                  </a:schemeClr>
-                </a:solidFill>
-                <a:latin typeface="+mn-lt"/>
-                <a:ea typeface="+mn-ea"/>
-              </a:defRPr>
-            </a:lvl1pPr>
-          </a:lstStyle>
-          <a:p>
-            <a:endParaRPr lang="zh-TW" altLang="en-US"/>
-          </a:p>
-        </p:txBody>
-      </p:sp>
-      <p:sp>
-        <p:nvSpPr>
-          <p:cNvPr id="6" name="Slide Number Placeholder 5"/>
-          <p:cNvSpPr>
-            <a:spLocks noGrp="1"/>
-          </p:cNvSpPr>
-          <p:nvPr>
-            <p:ph type="sldNum" sz="quarter" idx="4"/>
+          <a:bodyPr vert="horz" lIns="91440" tIns="45720" rIns="91440" bIns="45720" rtlCol="0">
+            <a:normAutofit/>
+          </a:bodyPr>
+          <a:lstStyle/>
+          <a:p>
+            <a:pPr lvl="0"/>
+            <a:r>
+              <a:rPr lang="zh-TW" altLang="en-US" smtClean="0"/>
+              <a:t>按一下以編輯母片文字樣式</a:t>
+            </a:r>
+          </a:p>
+          <a:p>
+            <a:pPr lvl="1"/>
+            <a:r>
+              <a:rPr lang="zh-TW" altLang="en-US" smtClean="0"/>
+              <a:t>第二層</a:t>
+            </a:r>
+          </a:p>
+          <a:p>
+            <a:pPr lvl="2"/>
+            <a:r>
+              <a:rPr lang="zh-TW" altLang="en-US" smtClean="0"/>
+              <a:t>第三層</a:t>
+            </a:r>
+          </a:p>
+          <a:p>
+            <a:pPr lvl="3"/>
+            <a:r>
+              <a:rPr lang="zh-TW" altLang="en-US" smtClean="0"/>
+              <a:t>第四層</a:t>
+            </a:r>
+          </a:p>
+          <a:p>
+            <a:pPr lvl="4"/>
+            <a:r>
+              <a:rPr lang="zh-TW" altLang="en-US" smtClean="0"/>
+              <a:t>第五層</a:t>
+            </a:r>
+            <a:endParaRPr lang="zh-TW" altLang="en-US"/>
+          </a:p>
+        </p:txBody>
+      </p:sp>
+      <p:sp>
+        <p:nvSpPr>
+          <p:cNvPr id="4" name="日期版面配置區 3"/>
+          <p:cNvSpPr>
+            <a:spLocks noGrp="1"/>
+          </p:cNvSpPr>
+          <p:nvPr>
+            <p:ph type="dt" sz="half" idx="2"/>
           </p:nvPr>
         </p:nvSpPr>
         <p:spPr>
           <a:xfrm>
-            <a:off x="6553200" y="6356350"/>
-            <a:ext cx="2133600" cy="365125"/>
+            <a:off x="609600" y="6356353"/>
+            <a:ext cx="2844800" cy="365125"/>
           </a:xfrm>
           <a:prstGeom prst="rect">
             <a:avLst/>
@@ -2917,21 +2741,91 @@
         <p:txBody>
           <a:bodyPr vert="horz" lIns="91440" tIns="45720" rIns="91440" bIns="45720" rtlCol="0" anchor="ctr"/>
           <a:lstStyle>
-            <a:lvl1pPr algn="r" fontAlgn="auto">
-              <a:spcBef>
-                <a:spcPts val="0"/>
-              </a:spcBef>
-              <a:spcAft>
-                <a:spcPts val="0"/>
-              </a:spcAft>
-              <a:defRPr kumimoji="0" sz="1200" smtClean="0">
+            <a:lvl1pPr algn="l">
+              <a:defRPr sz="1200">
                 <a:solidFill>
                   <a:schemeClr val="tx1">
                     <a:tint val="75000"/>
                   </a:schemeClr>
                 </a:solidFill>
-                <a:latin typeface="+mn-lt"/>
-                <a:ea typeface="+mn-ea"/>
+              </a:defRPr>
+            </a:lvl1pPr>
+          </a:lstStyle>
+          <a:p>
+            <a:fld id="{38C92329-405B-40F3-9CAA-786B4FE80AFD}" type="datetimeFigureOut">
+              <a:rPr lang="zh-TW" altLang="en-US" smtClean="0"/>
+              <a:t>2021/10/15</a:t>
+            </a:fld>
+            <a:endParaRPr lang="zh-TW" altLang="en-US"/>
+          </a:p>
+        </p:txBody>
+      </p:sp>
+      <p:sp>
+        <p:nvSpPr>
+          <p:cNvPr id="5" name="頁尾版面配置區 4"/>
+          <p:cNvSpPr>
+            <a:spLocks noGrp="1"/>
+          </p:cNvSpPr>
+          <p:nvPr>
+            <p:ph type="ftr" sz="quarter" idx="3"/>
+          </p:nvPr>
+        </p:nvSpPr>
+        <p:spPr>
+          <a:xfrm>
+            <a:off x="4165600" y="6356353"/>
+            <a:ext cx="3860800" cy="365125"/>
+          </a:xfrm>
+          <a:prstGeom prst="rect">
+            <a:avLst/>
+          </a:prstGeom>
+        </p:spPr>
+        <p:txBody>
+          <a:bodyPr vert="horz" lIns="91440" tIns="45720" rIns="91440" bIns="45720" rtlCol="0" anchor="ctr"/>
+          <a:lstStyle>
+            <a:lvl1pPr algn="ctr">
+              <a:defRPr sz="1200">
+                <a:solidFill>
+                  <a:schemeClr val="tx1">
+                    <a:tint val="75000"/>
+                  </a:schemeClr>
+                </a:solidFill>
+              </a:defRPr>
+            </a:lvl1pPr>
+          </a:lstStyle>
+          <a:p>
+            <a:endParaRPr lang="zh-TW" altLang="en-US"/>
+          </a:p>
+        </p:txBody>
+      </p:sp>
+      <p:sp>
+        <p:nvSpPr>
+          <p:cNvPr id="6" name="投影片編號版面配置區 5"/>
+          <p:cNvSpPr>
+            <a:spLocks noGrp="1"/>
+          </p:cNvSpPr>
+          <p:nvPr>
+            <p:ph type="sldNum" sz="quarter" idx="4"/>
+          </p:nvPr>
+        </p:nvSpPr>
+        <p:spPr>
+          <a:xfrm>
+            <a:off x="8737600" y="6356353"/>
+            <a:ext cx="2844800" cy="365125"/>
+          </a:xfrm>
+          <a:prstGeom prst="rect">
+            <a:avLst/>
+          </a:prstGeom>
+        </p:spPr>
+        <p:txBody>
+          <a:bodyPr vert="horz" lIns="91440" tIns="45720" rIns="91440" bIns="45720" rtlCol="0" anchor="ctr"/>
+          <a:lstStyle>
+            <a:lvl1pPr algn="r">
+              <a:defRPr sz="1200">
+                <a:solidFill>
+                  <a:schemeClr val="tx1">
+                    <a:tint val="75000"/>
+                  </a:schemeClr>
+                </a:solidFill>
               </a:defRPr>
             </a:lvl1pPr>
           </a:lstStyle>
@@ -2945,30 +2839,33 @@
         </p:txBody>
       </p:sp>
     </p:spTree>
+    <p:extLst>
+      <p:ext uri="{BB962C8B-B14F-4D97-AF65-F5344CB8AC3E}">
+        <p14:creationId xmlns:p14="http://schemas.microsoft.com/office/powerpoint/2010/main" val="1789169611"/>
+      </p:ext>
+    </p:extLst>
   </p:cSld>
   <p:clrMap bg1="lt1" tx1="dk1" bg2="lt2" tx2="dk2" accent1="accent1" accent2="accent2" accent3="accent3" accent4="accent4" accent5="accent5" accent6="accent6" hlink="hlink" folHlink="folHlink"/>
   <p:sldLayoutIdLst>
-    <p:sldLayoutId id="2147483661" r:id="rId1"/>
-    <p:sldLayoutId id="2147483662" r:id="rId2"/>
-    <p:sldLayoutId id="2147483663" r:id="rId3"/>
-    <p:sldLayoutId id="2147483664" r:id="rId4"/>
-    <p:sldLayoutId id="2147483665" r:id="rId5"/>
-    <p:sldLayoutId id="2147483666" r:id="rId6"/>
-    <p:sldLayoutId id="2147483667" r:id="rId7"/>
-    <p:sldLayoutId id="2147483668" r:id="rId8"/>
-    <p:sldLayoutId id="2147483669" r:id="rId9"/>
-    <p:sldLayoutId id="2147483670" r:id="rId10"/>
-    <p:sldLayoutId id="2147483671" r:id="rId11"/>
+    <p:sldLayoutId id="2147483673" r:id="rId1"/>
+    <p:sldLayoutId id="2147483674" r:id="rId2"/>
+    <p:sldLayoutId id="2147483675" r:id="rId3"/>
+    <p:sldLayoutId id="2147483676" r:id="rId4"/>
+    <p:sldLayoutId id="2147483677" r:id="rId5"/>
+    <p:sldLayoutId id="2147483678" r:id="rId6"/>
+    <p:sldLayoutId id="2147483679" r:id="rId7"/>
+    <p:sldLayoutId id="2147483680" r:id="rId8"/>
+    <p:sldLayoutId id="2147483681" r:id="rId9"/>
+    <p:sldLayoutId id="2147483682" r:id="rId10"/>
+    <p:sldLayoutId id="2147483683" r:id="rId11"/>
   </p:sldLayoutIdLst>
   <p:txStyles>
     <p:titleStyle>
-      <a:lvl1pPr algn="ctr" rtl="0" eaLnBrk="1" fontAlgn="base" hangingPunct="1">
+      <a:lvl1pPr algn="ctr" defTabSz="914378" rtl="0" eaLnBrk="1" latinLnBrk="0" hangingPunct="1">
         <a:spcBef>
           <a:spcPct val="0"/>
         </a:spcBef>
-        <a:spcAft>
-          <a:spcPct val="0"/>
-        </a:spcAft>
+        <a:buNone/>
         <a:defRPr sz="4400" kern="1200">
           <a:solidFill>
             <a:schemeClr val="tx1"/>
@@ -2978,128 +2875,13 @@
           <a:cs typeface="+mj-cs"/>
         </a:defRPr>
       </a:lvl1pPr>
-      <a:lvl2pPr algn="ctr" rtl="0" eaLnBrk="1" fontAlgn="base" hangingPunct="1">
-        <a:spcBef>
-          <a:spcPct val="0"/>
-        </a:spcBef>
-        <a:spcAft>
-          <a:spcPct val="0"/>
-        </a:spcAft>
-        <a:defRPr sz="4400">
-          <a:solidFill>
-            <a:schemeClr val="tx1"/>
-          </a:solidFill>
-          <a:latin typeface="Calibri" pitchFamily="34" charset="0"/>
-        </a:defRPr>
-      </a:lvl2pPr>
-      <a:lvl3pPr algn="ctr" rtl="0" eaLnBrk="1" fontAlgn="base" hangingPunct="1">
-        <a:spcBef>
-          <a:spcPct val="0"/>
-        </a:spcBef>
-        <a:spcAft>
-          <a:spcPct val="0"/>
-        </a:spcAft>
-        <a:defRPr sz="4400">
-          <a:solidFill>
-            <a:schemeClr val="tx1"/>
-          </a:solidFill>
-          <a:latin typeface="Calibri" pitchFamily="34" charset="0"/>
-        </a:defRPr>
-      </a:lvl3pPr>
-      <a:lvl4pPr algn="ctr" rtl="0" eaLnBrk="1" fontAlgn="base" hangingPunct="1">
-        <a:spcBef>
-          <a:spcPct val="0"/>
-        </a:spcBef>
-        <a:spcAft>
-          <a:spcPct val="0"/>
-        </a:spcAft>
-        <a:defRPr sz="4400">
-          <a:solidFill>
-            <a:schemeClr val="tx1"/>
-          </a:solidFill>
-          <a:latin typeface="Calibri" pitchFamily="34" charset="0"/>
-        </a:defRPr>
-      </a:lvl4pPr>
-      <a:lvl5pPr algn="ctr" rtl="0" eaLnBrk="1" fontAlgn="base" hangingPunct="1">
-        <a:spcBef>
-          <a:spcPct val="0"/>
-        </a:spcBef>
-        <a:spcAft>
-          <a:spcPct val="0"/>
-        </a:spcAft>
-        <a:defRPr sz="4400">
-          <a:solidFill>
-            <a:schemeClr val="tx1"/>
-          </a:solidFill>
-          <a:latin typeface="Calibri" pitchFamily="34" charset="0"/>
-        </a:defRPr>
-      </a:lvl5pPr>
-      <a:lvl6pPr marL="457200" algn="ctr" rtl="0" eaLnBrk="1" fontAlgn="base" hangingPunct="1">
-        <a:spcBef>
-          <a:spcPct val="0"/>
-        </a:spcBef>
-        <a:spcAft>
-          <a:spcPct val="0"/>
-        </a:spcAft>
-        <a:defRPr sz="4400">
-          <a:solidFill>
-            <a:schemeClr val="tx1"/>
-          </a:solidFill>
-          <a:latin typeface="Calibri" pitchFamily="34" charset="0"/>
-        </a:defRPr>
-      </a:lvl6pPr>
-      <a:lvl7pPr marL="914400" algn="ctr" rtl="0" eaLnBrk="1" fontAlgn="base" hangingPunct="1">
-        <a:spcBef>
-          <a:spcPct val="0"/>
-        </a:spcBef>
-        <a:spcAft>
-          <a:spcPct val="0"/>
-        </a:spcAft>
-        <a:defRPr sz="4400">
-          <a:solidFill>
-            <a:schemeClr val="tx1"/>
-          </a:solidFill>
-          <a:latin typeface="Calibri" pitchFamily="34" charset="0"/>
-        </a:defRPr>
-      </a:lvl7pPr>
-      <a:lvl8pPr marL="1371600" algn="ctr" rtl="0" eaLnBrk="1" fontAlgn="base" hangingPunct="1">
-        <a:spcBef>
-          <a:spcPct val="0"/>
-        </a:spcBef>
-        <a:spcAft>
-          <a:spcPct val="0"/>
-        </a:spcAft>
-        <a:defRPr sz="4400">
-          <a:solidFill>
-            <a:schemeClr val="tx1"/>
-          </a:solidFill>
-          <a:latin typeface="Calibri" pitchFamily="34" charset="0"/>
-        </a:defRPr>
-      </a:lvl8pPr>
-      <a:lvl9pPr marL="1828800" algn="ctr" rtl="0" eaLnBrk="1" fontAlgn="base" hangingPunct="1">
-        <a:spcBef>
-          <a:spcPct val="0"/>
-        </a:spcBef>
-        <a:spcAft>
-          <a:spcPct val="0"/>
-        </a:spcAft>
-        <a:defRPr sz="4400">
-          <a:solidFill>
-            <a:schemeClr val="tx1"/>
-          </a:solidFill>
-          <a:latin typeface="Calibri" pitchFamily="34" charset="0"/>
-        </a:defRPr>
-      </a:lvl9pPr>
     </p:titleStyle>
     <p:bodyStyle>
-      <a:lvl1pPr marL="342900" indent="-342900" algn="l" rtl="0" eaLnBrk="1" fontAlgn="base" hangingPunct="1">
+      <a:lvl1pPr marL="342892" indent="-342892" algn="l" defTabSz="914378" rtl="0" eaLnBrk="1" latinLnBrk="0" hangingPunct="1">
         <a:spcBef>
           <a:spcPct val="20000"/>
         </a:spcBef>
-        <a:spcAft>
-          <a:spcPct val="0"/>
-        </a:spcAft>
-        <a:buFont typeface="Arial" charset="0"/>
+        <a:buFont typeface="Arial" pitchFamily="34" charset="0"/>
         <a:buChar char="•"/>
         <a:defRPr sz="3200" kern="1200">
           <a:solidFill>
@@ -3110,14 +2892,11 @@
           <a:cs typeface="+mn-cs"/>
         </a:defRPr>
       </a:lvl1pPr>
-      <a:lvl2pPr marL="742950" indent="-285750" algn="l" rtl="0" eaLnBrk="1" fontAlgn="base" hangingPunct="1">
+      <a:lvl2pPr marL="742931" indent="-285743" algn="l" defTabSz="914378" rtl="0" eaLnBrk="1" latinLnBrk="0" hangingPunct="1">
         <a:spcBef>
           <a:spcPct val="20000"/>
         </a:spcBef>
-        <a:spcAft>
-          <a:spcPct val="0"/>
-        </a:spcAft>
-        <a:buFont typeface="Arial" charset="0"/>
+        <a:buFont typeface="Arial" pitchFamily="34" charset="0"/>
         <a:buChar char="–"/>
         <a:defRPr sz="2800" kern="1200">
           <a:solidFill>
@@ -3128,14 +2907,11 @@
           <a:cs typeface="+mn-cs"/>
         </a:defRPr>
       </a:lvl2pPr>
-      <a:lvl3pPr marL="1143000" indent="-228600" algn="l" rtl="0" eaLnBrk="1" fontAlgn="base" hangingPunct="1">
+      <a:lvl3pPr marL="1142972" indent="-228594" algn="l" defTabSz="914378" rtl="0" eaLnBrk="1" latinLnBrk="0" hangingPunct="1">
         <a:spcBef>
           <a:spcPct val="20000"/>
         </a:spcBef>
-        <a:spcAft>
-          <a:spcPct val="0"/>
-        </a:spcAft>
-        <a:buFont typeface="Arial" charset="0"/>
+        <a:buFont typeface="Arial" pitchFamily="34" charset="0"/>
         <a:buChar char="•"/>
         <a:defRPr sz="2400" kern="1200">
           <a:solidFill>
@@ -3146,14 +2922,11 @@
           <a:cs typeface="+mn-cs"/>
         </a:defRPr>
       </a:lvl3pPr>
-      <a:lvl4pPr marL="1600200" indent="-228600" algn="l" rtl="0" eaLnBrk="1" fontAlgn="base" hangingPunct="1">
+      <a:lvl4pPr marL="1600160" indent="-228594" algn="l" defTabSz="914378" rtl="0" eaLnBrk="1" latinLnBrk="0" hangingPunct="1">
         <a:spcBef>
           <a:spcPct val="20000"/>
         </a:spcBef>
-        <a:spcAft>
-          <a:spcPct val="0"/>
-        </a:spcAft>
-        <a:buFont typeface="Arial" charset="0"/>
+        <a:buFont typeface="Arial" pitchFamily="34" charset="0"/>
         <a:buChar char="–"/>
         <a:defRPr sz="2000" kern="1200">
           <a:solidFill>
@@ -3164,14 +2937,11 @@
           <a:cs typeface="+mn-cs"/>
         </a:defRPr>
       </a:lvl4pPr>
-      <a:lvl5pPr marL="2057400" indent="-228600" algn="l" rtl="0" eaLnBrk="1" fontAlgn="base" hangingPunct="1">
+      <a:lvl5pPr marL="2057348" indent="-228594" algn="l" defTabSz="914378" rtl="0" eaLnBrk="1" latinLnBrk="0" hangingPunct="1">
         <a:spcBef>
           <a:spcPct val="20000"/>
         </a:spcBef>
-        <a:spcAft>
-          <a:spcPct val="0"/>
-        </a:spcAft>
-        <a:buFont typeface="Arial" charset="0"/>
+        <a:buFont typeface="Arial" pitchFamily="34" charset="0"/>
         <a:buChar char="»"/>
         <a:defRPr sz="2000" kern="1200">
           <a:solidFill>
@@ -3182,7 +2952,7 @@
           <a:cs typeface="+mn-cs"/>
         </a:defRPr>
       </a:lvl5pPr>
-      <a:lvl6pPr marL="2514600" indent="-228600" algn="l" defTabSz="914400" rtl="0" eaLnBrk="1" latinLnBrk="0" hangingPunct="1">
+      <a:lvl6pPr marL="2514537" indent="-228594" algn="l" defTabSz="914378" rtl="0" eaLnBrk="1" latinLnBrk="0" hangingPunct="1">
         <a:spcBef>
           <a:spcPct val="20000"/>
         </a:spcBef>
@@ -3197,7 +2967,7 @@
           <a:cs typeface="+mn-cs"/>
         </a:defRPr>
       </a:lvl6pPr>
-      <a:lvl7pPr marL="2971800" indent="-228600" algn="l" defTabSz="914400" rtl="0" eaLnBrk="1" latinLnBrk="0" hangingPunct="1">
+      <a:lvl7pPr marL="2971726" indent="-228594" algn="l" defTabSz="914378" rtl="0" eaLnBrk="1" latinLnBrk="0" hangingPunct="1">
         <a:spcBef>
           <a:spcPct val="20000"/>
         </a:spcBef>
@@ -3212,7 +2982,7 @@
           <a:cs typeface="+mn-cs"/>
         </a:defRPr>
       </a:lvl7pPr>
-      <a:lvl8pPr marL="3429000" indent="-228600" algn="l" defTabSz="914400" rtl="0" eaLnBrk="1" latinLnBrk="0" hangingPunct="1">
+      <a:lvl8pPr marL="3428915" indent="-228594" algn="l" defTabSz="914378" rtl="0" eaLnBrk="1" latinLnBrk="0" hangingPunct="1">
         <a:spcBef>
           <a:spcPct val="20000"/>
         </a:spcBef>
@@ -3227,7 +2997,7 @@
           <a:cs typeface="+mn-cs"/>
         </a:defRPr>
       </a:lvl8pPr>
-      <a:lvl9pPr marL="3886200" indent="-228600" algn="l" defTabSz="914400" rtl="0" eaLnBrk="1" latinLnBrk="0" hangingPunct="1">
+      <a:lvl9pPr marL="3886103" indent="-228594" algn="l" defTabSz="914378" rtl="0" eaLnBrk="1" latinLnBrk="0" hangingPunct="1">
         <a:spcBef>
           <a:spcPct val="20000"/>
         </a:spcBef>
@@ -3245,9 +3015,9 @@
     </p:bodyStyle>
     <p:otherStyle>
       <a:defPPr>
-        <a:defRPr lang="en-US"/>
+        <a:defRPr lang="zh-TW"/>
       </a:defPPr>
-      <a:lvl1pPr marL="0" algn="l" defTabSz="914400" rtl="0" eaLnBrk="1" latinLnBrk="0" hangingPunct="1">
+      <a:lvl1pPr marL="0" algn="l" defTabSz="914378" rtl="0" eaLnBrk="1" latinLnBrk="0" hangingPunct="1">
         <a:defRPr sz="1800" kern="1200">
           <a:solidFill>
             <a:schemeClr val="tx1"/>
@@ -3257,7 +3027,7 @@
           <a:cs typeface="+mn-cs"/>
         </a:defRPr>
       </a:lvl1pPr>
-      <a:lvl2pPr marL="457200" algn="l" defTabSz="914400" rtl="0" eaLnBrk="1" latinLnBrk="0" hangingPunct="1">
+      <a:lvl2pPr marL="457189" algn="l" defTabSz="914378" rtl="0" eaLnBrk="1" latinLnBrk="0" hangingPunct="1">
         <a:defRPr sz="1800" kern="1200">
           <a:solidFill>
             <a:schemeClr val="tx1"/>
@@ -3267,7 +3037,7 @@
           <a:cs typeface="+mn-cs"/>
         </a:defRPr>
       </a:lvl2pPr>
-      <a:lvl3pPr marL="914400" algn="l" defTabSz="914400" rtl="0" eaLnBrk="1" latinLnBrk="0" hangingPunct="1">
+      <a:lvl3pPr marL="914378" algn="l" defTabSz="914378" rtl="0" eaLnBrk="1" latinLnBrk="0" hangingPunct="1">
         <a:defRPr sz="1800" kern="1200">
           <a:solidFill>
             <a:schemeClr val="tx1"/>
@@ -3277,7 +3047,7 @@
           <a:cs typeface="+mn-cs"/>
         </a:defRPr>
       </a:lvl3pPr>
-      <a:lvl4pPr marL="1371600" algn="l" defTabSz="914400" rtl="0" eaLnBrk="1" latinLnBrk="0" hangingPunct="1">
+      <a:lvl4pPr marL="1371566" algn="l" defTabSz="914378" rtl="0" eaLnBrk="1" latinLnBrk="0" hangingPunct="1">
         <a:defRPr sz="1800" kern="1200">
           <a:solidFill>
             <a:schemeClr val="tx1"/>
@@ -3287,7 +3057,7 @@
           <a:cs typeface="+mn-cs"/>
         </a:defRPr>
       </a:lvl4pPr>
-      <a:lvl5pPr marL="1828800" algn="l" defTabSz="914400" rtl="0" eaLnBrk="1" latinLnBrk="0" hangingPunct="1">
+      <a:lvl5pPr marL="1828754" algn="l" defTabSz="914378" rtl="0" eaLnBrk="1" latinLnBrk="0" hangingPunct="1">
         <a:defRPr sz="1800" kern="1200">
           <a:solidFill>
             <a:schemeClr val="tx1"/>
@@ -3297,7 +3067,7 @@
           <a:cs typeface="+mn-cs"/>
         </a:defRPr>
       </a:lvl5pPr>
-      <a:lvl6pPr marL="2286000" algn="l" defTabSz="914400" rtl="0" eaLnBrk="1" latinLnBrk="0" hangingPunct="1">
+      <a:lvl6pPr marL="2285943" algn="l" defTabSz="914378" rtl="0" eaLnBrk="1" latinLnBrk="0" hangingPunct="1">
         <a:defRPr sz="1800" kern="1200">
           <a:solidFill>
             <a:schemeClr val="tx1"/>
@@ -3307,7 +3077,7 @@
           <a:cs typeface="+mn-cs"/>
         </a:defRPr>
       </a:lvl6pPr>
-      <a:lvl7pPr marL="2743200" algn="l" defTabSz="914400" rtl="0" eaLnBrk="1" latinLnBrk="0" hangingPunct="1">
+      <a:lvl7pPr marL="2743132" algn="l" defTabSz="914378" rtl="0" eaLnBrk="1" latinLnBrk="0" hangingPunct="1">
         <a:defRPr sz="1800" kern="1200">
           <a:solidFill>
             <a:schemeClr val="tx1"/>
@@ -3317,7 +3087,7 @@
           <a:cs typeface="+mn-cs"/>
         </a:defRPr>
       </a:lvl7pPr>
-      <a:lvl8pPr marL="3200400" algn="l" defTabSz="914400" rtl="0" eaLnBrk="1" latinLnBrk="0" hangingPunct="1">
+      <a:lvl8pPr marL="3200320" algn="l" defTabSz="914378" rtl="0" eaLnBrk="1" latinLnBrk="0" hangingPunct="1">
         <a:defRPr sz="1800" kern="1200">
           <a:solidFill>
             <a:schemeClr val="tx1"/>
@@ -3327,7 +3097,7 @@
           <a:cs typeface="+mn-cs"/>
         </a:defRPr>
       </a:lvl8pPr>
-      <a:lvl9pPr marL="3657600" algn="l" defTabSz="914400" rtl="0" eaLnBrk="1" latinLnBrk="0" hangingPunct="1">
+      <a:lvl9pPr marL="3657509" algn="l" defTabSz="914378" rtl="0" eaLnBrk="1" latinLnBrk="0" hangingPunct="1">
         <a:defRPr sz="1800" kern="1200">
           <a:solidFill>
             <a:schemeClr val="tx1"/>
@@ -3369,19 +3139,133 @@
             <p:ph type="title"/>
           </p:nvPr>
         </p:nvSpPr>
-        <p:spPr/>
-        <p:txBody>
-          <a:bodyPr/>
-          <a:lstStyle/>
-          <a:p>
-            <a:r>
-              <a:rPr lang="zh-TW" altLang="en-US" dirty="0" smtClean="0"/>
-              <a:t>主耶穌我愛你</a:t>
-            </a:r>
-            <a:endParaRPr lang="zh-TW" altLang="en-US" dirty="0"/>
-          </a:p>
-        </p:txBody>
-      </p:sp>
+        <p:spPr>
+          <a:xfrm>
+            <a:off x="0" y="2660915"/>
+            <a:ext cx="12192000" cy="1143000"/>
+          </a:xfrm>
+        </p:spPr>
+        <p:txBody>
+          <a:bodyPr>
+            <a:noAutofit/>
+          </a:bodyPr>
+          <a:lstStyle/>
+          <a:p>
+            <a:r>
+              <a:rPr lang="zh-TW" altLang="en-US" sz="7200" b="1" i="1" dirty="0">
+                <a:solidFill>
+                  <a:srgbClr val="660033"/>
+                </a:solidFill>
+                <a:effectLst>
+                  <a:outerShdw blurRad="38100" dist="38100" dir="2700000" algn="tl">
+                    <a:srgbClr val="000000">
+                      <a:alpha val="43137"/>
+                    </a:srgbClr>
+                  </a:outerShdw>
+                </a:effectLst>
+                <a:latin typeface="微軟正黑體" pitchFamily="34" charset="-120"/>
+                <a:ea typeface="微軟正黑體" pitchFamily="34" charset="-120"/>
+              </a:rPr>
+              <a:t>主</a:t>
+            </a:r>
+            <a:r>
+              <a:rPr lang="zh-TW" altLang="en-US" sz="7200" b="1" i="1" dirty="0">
+                <a:solidFill>
+                  <a:srgbClr val="660033"/>
+                </a:solidFill>
+                <a:effectLst>
+                  <a:outerShdw blurRad="38100" dist="38100" dir="2700000" algn="tl">
+                    <a:srgbClr val="000000">
+                      <a:alpha val="43137"/>
+                    </a:srgbClr>
+                  </a:outerShdw>
+                </a:effectLst>
+                <a:latin typeface="微軟正黑體" pitchFamily="34" charset="-120"/>
+                <a:ea typeface="微軟正黑體" pitchFamily="34" charset="-120"/>
+              </a:rPr>
+              <a:t>耶穌我</a:t>
+            </a:r>
+            <a:r>
+              <a:rPr lang="zh-TW" altLang="en-US" sz="7200" b="1" i="1" dirty="0">
+                <a:solidFill>
+                  <a:srgbClr val="660033"/>
+                </a:solidFill>
+                <a:effectLst>
+                  <a:outerShdw blurRad="38100" dist="38100" dir="2700000" algn="tl">
+                    <a:srgbClr val="000000">
+                      <a:alpha val="43137"/>
+                    </a:srgbClr>
+                  </a:outerShdw>
+                </a:effectLst>
+                <a:latin typeface="微軟正黑體" pitchFamily="34" charset="-120"/>
+                <a:ea typeface="微軟正黑體" pitchFamily="34" charset="-120"/>
+              </a:rPr>
+              <a:t>愛</a:t>
+            </a:r>
+            <a:r>
+              <a:rPr lang="zh-CN" altLang="en-US" sz="7200" b="1" i="1" dirty="0">
+                <a:solidFill>
+                  <a:srgbClr val="660033"/>
+                </a:solidFill>
+                <a:effectLst>
+                  <a:outerShdw blurRad="38100" dist="38100" dir="2700000" algn="tl">
+                    <a:srgbClr val="000000">
+                      <a:alpha val="43137"/>
+                    </a:srgbClr>
+                  </a:outerShdw>
+                </a:effectLst>
+                <a:latin typeface="微軟正黑體" pitchFamily="34" charset="-120"/>
+                <a:ea typeface="微軟正黑體" pitchFamily="34" charset="-120"/>
+              </a:rPr>
+              <a:t>袮</a:t>
+            </a:r>
+            <a:endParaRPr lang="zh-TW" altLang="en-US" sz="7200" b="1" i="1" dirty="0">
+              <a:solidFill>
+                <a:srgbClr val="660033"/>
+              </a:solidFill>
+              <a:effectLst>
+                <a:outerShdw blurRad="38100" dist="38100" dir="2700000" algn="tl">
+                  <a:srgbClr val="000000">
+                    <a:alpha val="43137"/>
+                  </a:srgbClr>
+                </a:outerShdw>
+              </a:effectLst>
+              <a:latin typeface="微軟正黑體" pitchFamily="34" charset="-120"/>
+              <a:ea typeface="微軟正黑體" pitchFamily="34" charset="-120"/>
+            </a:endParaRPr>
+          </a:p>
+        </p:txBody>
+      </p:sp>
+    </p:spTree>
+    <p:extLst>
+      <p:ext uri="{BB962C8B-B14F-4D97-AF65-F5344CB8AC3E}">
+        <p14:creationId xmlns:p14="http://schemas.microsoft.com/office/powerpoint/2010/main" val="3557487681"/>
+      </p:ext>
+    </p:extLst>
+  </p:cSld>
+  <p:clrMapOvr>
+    <a:masterClrMapping/>
+  </p:clrMapOvr>
+</p:sld>
+</file>
+
+<file path=ppt/slides/slide10.xml><?xml version="1.0" encoding="utf-8"?>
+<p:sld xmlns:a="http://schemas.openxmlformats.org/drawingml/2006/main" xmlns:r="http://schemas.openxmlformats.org/officeDocument/2006/relationships" xmlns:p="http://schemas.openxmlformats.org/presentationml/2006/main">
+  <p:cSld>
+    <p:spTree>
+      <p:nvGrpSpPr>
+        <p:cNvPr id="1" name=""/>
+        <p:cNvGrpSpPr/>
+        <p:nvPr/>
+      </p:nvGrpSpPr>
+      <p:grpSpPr>
+        <a:xfrm>
+          <a:off x="0" y="0"/>
+          <a:ext cx="0" cy="0"/>
+          <a:chOff x="0" y="0"/>
+          <a:chExt cx="0" cy="0"/>
+        </a:xfrm>
+      </p:grpSpPr>
       <p:sp>
         <p:nvSpPr>
           <p:cNvPr id="5" name="內容版面配置區 4"/>
@@ -3392,9 +3276,14 @@
             <p:ph idx="1"/>
           </p:nvPr>
         </p:nvSpPr>
-        <p:spPr/>
-        <p:txBody>
-          <a:bodyPr>
+        <p:spPr>
+          <a:xfrm>
+            <a:off x="0" y="2084851"/>
+            <a:ext cx="12192000" cy="2404863"/>
+          </a:xfrm>
+        </p:spPr>
+        <p:txBody>
+          <a:bodyPr anchor="ctr">
             <a:normAutofit/>
           </a:bodyPr>
           <a:lstStyle/>
@@ -3403,67 +3292,244 @@
               <a:buNone/>
             </a:pPr>
             <a:r>
-              <a:rPr lang="zh-TW" altLang="en-US" sz="5400" dirty="0"/>
-              <a:t>主耶穌我感謝</a:t>
-            </a:r>
-            <a:r>
-              <a:rPr lang="zh-TW" altLang="en-US" sz="5400" dirty="0" smtClean="0"/>
-              <a:t>你</a:t>
-            </a:r>
-            <a:endParaRPr lang="en-US" altLang="zh-TW" sz="5400" dirty="0"/>
+              <a:rPr lang="zh-TW" altLang="en-US" sz="6400" b="1" dirty="0">
+                <a:solidFill>
+                  <a:srgbClr val="660033"/>
+                </a:solidFill>
+                <a:latin typeface="微軟正黑體" pitchFamily="34" charset="-120"/>
+                <a:ea typeface="微軟正黑體" pitchFamily="34" charset="-120"/>
+              </a:rPr>
+              <a:t>我感</a:t>
+            </a:r>
+            <a:r>
+              <a:rPr lang="zh-TW" altLang="en-US" sz="6400" b="1" dirty="0">
+                <a:solidFill>
+                  <a:srgbClr val="660033"/>
+                </a:solidFill>
+                <a:latin typeface="微軟正黑體" pitchFamily="34" charset="-120"/>
+                <a:ea typeface="微軟正黑體" pitchFamily="34" charset="-120"/>
+              </a:rPr>
+              <a:t>謝</a:t>
+            </a:r>
+            <a:r>
+              <a:rPr lang="zh-CN" altLang="en-US" sz="6400" b="1" dirty="0">
+                <a:solidFill>
+                  <a:srgbClr val="660033"/>
+                </a:solidFill>
+                <a:latin typeface="微軟正黑體" pitchFamily="34" charset="-120"/>
+                <a:ea typeface="微軟正黑體" pitchFamily="34" charset="-120"/>
+              </a:rPr>
+              <a:t>袮  </a:t>
+            </a:r>
+            <a:r>
+              <a:rPr lang="zh-TW" altLang="en-US" sz="6400" b="1" dirty="0">
+                <a:solidFill>
+                  <a:srgbClr val="660033"/>
+                </a:solidFill>
+                <a:latin typeface="微軟正黑體" pitchFamily="34" charset="-120"/>
+                <a:ea typeface="微軟正黑體" pitchFamily="34" charset="-120"/>
+              </a:rPr>
+              <a:t>我</a:t>
+            </a:r>
+            <a:r>
+              <a:rPr lang="zh-TW" altLang="en-US" sz="6400" b="1" dirty="0">
+                <a:solidFill>
+                  <a:srgbClr val="660033"/>
+                </a:solidFill>
+                <a:latin typeface="微軟正黑體" pitchFamily="34" charset="-120"/>
+                <a:ea typeface="微軟正黑體" pitchFamily="34" charset="-120"/>
+              </a:rPr>
+              <a:t>仰</a:t>
+            </a:r>
+            <a:r>
+              <a:rPr lang="zh-TW" altLang="en-US" sz="6400" b="1" dirty="0">
+                <a:solidFill>
+                  <a:srgbClr val="660033"/>
+                </a:solidFill>
+                <a:latin typeface="微軟正黑體" pitchFamily="34" charset="-120"/>
+                <a:ea typeface="微軟正黑體" pitchFamily="34" charset="-120"/>
+              </a:rPr>
+              <a:t>望</a:t>
+            </a:r>
+            <a:r>
+              <a:rPr lang="zh-CN" altLang="en-US" sz="6400" b="1" dirty="0">
+                <a:solidFill>
+                  <a:srgbClr val="660033"/>
+                </a:solidFill>
+                <a:latin typeface="微軟正黑體" pitchFamily="34" charset="-120"/>
+                <a:ea typeface="微軟正黑體" pitchFamily="34" charset="-120"/>
+              </a:rPr>
+              <a:t>袮</a:t>
+            </a:r>
+            <a:endParaRPr lang="en-US" altLang="zh-TW" sz="6400" b="1" dirty="0">
+              <a:solidFill>
+                <a:srgbClr val="660033"/>
+              </a:solidFill>
+              <a:latin typeface="微軟正黑體" pitchFamily="34" charset="-120"/>
+              <a:ea typeface="微軟正黑體" pitchFamily="34" charset="-120"/>
+            </a:endParaRPr>
           </a:p>
           <a:p>
             <a:pPr algn="ctr">
               <a:buNone/>
             </a:pPr>
             <a:r>
-              <a:rPr lang="zh-TW" altLang="en-US" sz="5400" dirty="0" smtClean="0"/>
-              <a:t>你</a:t>
-            </a:r>
-            <a:r>
-              <a:rPr lang="zh-TW" altLang="en-US" sz="5400" dirty="0"/>
-              <a:t>照亮了我平凡的</a:t>
-            </a:r>
-            <a:r>
-              <a:rPr lang="zh-TW" altLang="en-US" sz="5400" dirty="0" smtClean="0"/>
-              <a:t>生命</a:t>
-            </a:r>
-            <a:endParaRPr lang="en-US" altLang="zh-TW" sz="5400" dirty="0"/>
-          </a:p>
-          <a:p>
-            <a:pPr algn="ctr">
-              <a:buNone/>
-            </a:pPr>
-            <a:r>
-              <a:rPr lang="zh-TW" altLang="en-US" sz="5400" dirty="0" smtClean="0"/>
+              <a:rPr lang="zh-TW" altLang="en-US" sz="6400" b="1" dirty="0">
+                <a:solidFill>
+                  <a:srgbClr val="660033"/>
+                </a:solidFill>
+                <a:latin typeface="微軟正黑體" pitchFamily="34" charset="-120"/>
+                <a:ea typeface="微軟正黑體" pitchFamily="34" charset="-120"/>
+              </a:rPr>
+              <a:t>我</a:t>
+            </a:r>
+            <a:r>
+              <a:rPr lang="zh-TW" altLang="en-US" sz="6400" b="1" dirty="0">
+                <a:solidFill>
+                  <a:srgbClr val="660033"/>
+                </a:solidFill>
+                <a:latin typeface="微軟正黑體" pitchFamily="34" charset="-120"/>
+                <a:ea typeface="微軟正黑體" pitchFamily="34" charset="-120"/>
+              </a:rPr>
+              <a:t>榮</a:t>
+            </a:r>
+            <a:r>
+              <a:rPr lang="zh-TW" altLang="en-US" sz="6400" b="1" dirty="0">
+                <a:solidFill>
+                  <a:srgbClr val="660033"/>
+                </a:solidFill>
+                <a:latin typeface="微軟正黑體" pitchFamily="34" charset="-120"/>
+                <a:ea typeface="微軟正黑體" pitchFamily="34" charset="-120"/>
+              </a:rPr>
+              <a:t>耀</a:t>
+            </a:r>
+            <a:r>
+              <a:rPr lang="zh-CN" altLang="en-US" sz="6400" b="1" dirty="0">
+                <a:solidFill>
+                  <a:srgbClr val="660033"/>
+                </a:solidFill>
+                <a:latin typeface="微軟正黑體" pitchFamily="34" charset="-120"/>
+                <a:ea typeface="微軟正黑體" pitchFamily="34" charset="-120"/>
+              </a:rPr>
+              <a:t>袮  </a:t>
+            </a:r>
+            <a:r>
+              <a:rPr lang="zh-TW" altLang="en-US" sz="6400" b="1" dirty="0">
+                <a:solidFill>
+                  <a:srgbClr val="660033"/>
+                </a:solidFill>
+                <a:latin typeface="微軟正黑體" pitchFamily="34" charset="-120"/>
+                <a:ea typeface="微軟正黑體" pitchFamily="34" charset="-120"/>
+              </a:rPr>
               <a:t>主</a:t>
             </a:r>
             <a:r>
-              <a:rPr lang="zh-TW" altLang="en-US" sz="5400" dirty="0"/>
-              <a:t>耶穌我愛</a:t>
-            </a:r>
-            <a:r>
-              <a:rPr lang="zh-TW" altLang="en-US" sz="5400" dirty="0" smtClean="0"/>
-              <a:t>你</a:t>
-            </a:r>
-            <a:endParaRPr lang="en-US" altLang="zh-TW" sz="5400" dirty="0"/>
-          </a:p>
-          <a:p>
-            <a:pPr algn="ctr">
-              <a:buNone/>
-            </a:pPr>
-            <a:r>
-              <a:rPr lang="zh-TW" altLang="en-US" sz="5400" dirty="0" smtClean="0"/>
-              <a:t>讓</a:t>
-            </a:r>
-            <a:r>
-              <a:rPr lang="zh-TW" altLang="en-US" sz="5400" dirty="0"/>
-              <a:t>我每分每秒和你在一起</a:t>
-            </a:r>
+              <a:rPr lang="zh-TW" altLang="en-US" sz="6400" b="1" dirty="0">
+                <a:solidFill>
+                  <a:srgbClr val="660033"/>
+                </a:solidFill>
+                <a:latin typeface="微軟正黑體" pitchFamily="34" charset="-120"/>
+                <a:ea typeface="微軟正黑體" pitchFamily="34" charset="-120"/>
+              </a:rPr>
+              <a:t>我</a:t>
+            </a:r>
+            <a:r>
+              <a:rPr lang="zh-TW" altLang="en-US" sz="6400" b="1" dirty="0">
+                <a:solidFill>
+                  <a:srgbClr val="660033"/>
+                </a:solidFill>
+                <a:latin typeface="微軟正黑體" pitchFamily="34" charset="-120"/>
+                <a:ea typeface="微軟正黑體" pitchFamily="34" charset="-120"/>
+              </a:rPr>
+              <a:t>愛</a:t>
+            </a:r>
+            <a:r>
+              <a:rPr lang="zh-CN" altLang="en-US" sz="6400" b="1" dirty="0">
+                <a:solidFill>
+                  <a:srgbClr val="660033"/>
+                </a:solidFill>
+                <a:latin typeface="微軟正黑體" pitchFamily="34" charset="-120"/>
+                <a:ea typeface="微軟正黑體" pitchFamily="34" charset="-120"/>
+              </a:rPr>
+              <a:t>袮</a:t>
+            </a:r>
+            <a:endParaRPr lang="zh-TW" altLang="en-US" sz="6400" b="1" dirty="0">
+              <a:solidFill>
+                <a:srgbClr val="660033"/>
+              </a:solidFill>
+              <a:latin typeface="微軟正黑體" pitchFamily="34" charset="-120"/>
+              <a:ea typeface="微軟正黑體" pitchFamily="34" charset="-120"/>
+            </a:endParaRPr>
+          </a:p>
+        </p:txBody>
+      </p:sp>
+      <p:sp>
+        <p:nvSpPr>
+          <p:cNvPr id="3" name="TextBox 2"/>
+          <p:cNvSpPr txBox="1"/>
+          <p:nvPr/>
+        </p:nvSpPr>
+        <p:spPr>
+          <a:xfrm>
+            <a:off x="0" y="5061182"/>
+            <a:ext cx="12192000" cy="830997"/>
+          </a:xfrm>
+          <a:prstGeom prst="rect">
+            <a:avLst/>
+          </a:prstGeom>
+          <a:noFill/>
+        </p:spPr>
+        <p:txBody>
+          <a:bodyPr wrap="square" rtlCol="0">
+            <a:spAutoFit/>
+          </a:bodyPr>
+          <a:lstStyle/>
+          <a:p>
+            <a:pPr algn="ctr"/>
+            <a:r>
+              <a:rPr lang="en-US" sz="4800" b="1" dirty="0">
+                <a:solidFill>
+                  <a:srgbClr val="660033"/>
+                </a:solidFill>
+                <a:effectLst/>
+              </a:rPr>
+              <a:t>( </a:t>
+            </a:r>
+            <a:r>
+              <a:rPr lang="zh-CN" altLang="en-US" sz="4800" b="1" dirty="0">
+                <a:solidFill>
+                  <a:srgbClr val="660033"/>
+                </a:solidFill>
+                <a:effectLst/>
+                <a:latin typeface="Microsoft JhengHei" panose="020B0604030504040204" pitchFamily="34" charset="-120"/>
+                <a:ea typeface="Microsoft JhengHei" panose="020B0604030504040204" pitchFamily="34" charset="-120"/>
+              </a:rPr>
+              <a:t>橋</a:t>
+            </a:r>
+            <a:r>
+              <a:rPr lang="en-US" sz="4800" b="1" dirty="0">
+                <a:solidFill>
+                  <a:srgbClr val="660033"/>
+                </a:solidFill>
+                <a:effectLst/>
+              </a:rPr>
+              <a:t> )</a:t>
+            </a:r>
+            <a:endParaRPr lang="vi-VN" sz="4800" b="1" dirty="0">
+              <a:solidFill>
+                <a:srgbClr val="660033"/>
+              </a:solidFill>
+              <a:effectLst/>
+            </a:endParaRPr>
           </a:p>
         </p:txBody>
       </p:sp>
     </p:spTree>
+    <p:extLst>
+      <p:ext uri="{BB962C8B-B14F-4D97-AF65-F5344CB8AC3E}">
+        <p14:creationId xmlns:p14="http://schemas.microsoft.com/office/powerpoint/2010/main" val="1611384075"/>
+      </p:ext>
+    </p:extLst>
   </p:cSld>
   <p:clrMapOvr>
     <a:masterClrMapping/>
@@ -3490,29 +3556,6 @@
       </p:grpSpPr>
       <p:sp>
         <p:nvSpPr>
-          <p:cNvPr id="4" name="標題 3"/>
-          <p:cNvSpPr>
-            <a:spLocks noGrp="1"/>
-          </p:cNvSpPr>
-          <p:nvPr>
-            <p:ph type="title"/>
-          </p:nvPr>
-        </p:nvSpPr>
-        <p:spPr/>
-        <p:txBody>
-          <a:bodyPr/>
-          <a:lstStyle/>
-          <a:p>
-            <a:r>
-              <a:rPr lang="zh-TW" altLang="en-US" dirty="0" smtClean="0"/>
-              <a:t>主耶穌我愛你</a:t>
-            </a:r>
-            <a:endParaRPr lang="zh-TW" altLang="en-US" dirty="0"/>
-          </a:p>
-        </p:txBody>
-      </p:sp>
-      <p:sp>
-        <p:nvSpPr>
           <p:cNvPr id="5" name="內容版面配置區 4"/>
           <p:cNvSpPr>
             <a:spLocks noGrp="1"/>
@@ -3521,9 +3564,14 @@
             <p:ph idx="1"/>
           </p:nvPr>
         </p:nvSpPr>
-        <p:spPr/>
-        <p:txBody>
-          <a:bodyPr>
+        <p:spPr>
+          <a:xfrm>
+            <a:off x="0" y="2084851"/>
+            <a:ext cx="12192000" cy="2404863"/>
+          </a:xfrm>
+        </p:spPr>
+        <p:txBody>
+          <a:bodyPr anchor="ctr">
             <a:normAutofit/>
           </a:bodyPr>
           <a:lstStyle/>
@@ -3532,67 +3580,144 @@
               <a:buNone/>
             </a:pPr>
             <a:r>
-              <a:rPr lang="zh-TW" altLang="en-US" sz="5400" dirty="0"/>
-              <a:t>主耶穌我仰望</a:t>
-            </a:r>
-            <a:r>
-              <a:rPr lang="zh-TW" altLang="en-US" sz="5400" dirty="0" smtClean="0"/>
-              <a:t>你</a:t>
-            </a:r>
-            <a:endParaRPr lang="en-US" altLang="zh-TW" sz="5400" dirty="0"/>
+              <a:rPr lang="zh-TW" altLang="en-US" sz="6400" b="1" dirty="0">
+                <a:solidFill>
+                  <a:srgbClr val="660033"/>
+                </a:solidFill>
+                <a:latin typeface="微軟正黑體" pitchFamily="34" charset="-120"/>
+                <a:ea typeface="微軟正黑體" pitchFamily="34" charset="-120"/>
+              </a:rPr>
+              <a:t>主</a:t>
+            </a:r>
+            <a:r>
+              <a:rPr lang="zh-TW" altLang="en-US" sz="6400" b="1" dirty="0">
+                <a:solidFill>
+                  <a:srgbClr val="660033"/>
+                </a:solidFill>
+                <a:latin typeface="微軟正黑體" pitchFamily="34" charset="-120"/>
+                <a:ea typeface="微軟正黑體" pitchFamily="34" charset="-120"/>
+              </a:rPr>
+              <a:t>耶穌我感</a:t>
+            </a:r>
+            <a:r>
+              <a:rPr lang="zh-TW" altLang="en-US" sz="6400" b="1" dirty="0">
+                <a:solidFill>
+                  <a:srgbClr val="660033"/>
+                </a:solidFill>
+                <a:latin typeface="微軟正黑體" pitchFamily="34" charset="-120"/>
+                <a:ea typeface="微軟正黑體" pitchFamily="34" charset="-120"/>
+              </a:rPr>
+              <a:t>謝</a:t>
+            </a:r>
+            <a:r>
+              <a:rPr lang="zh-CN" altLang="en-US" sz="6400" b="1" dirty="0">
+                <a:solidFill>
+                  <a:srgbClr val="660033"/>
+                </a:solidFill>
+                <a:latin typeface="微軟正黑體" pitchFamily="34" charset="-120"/>
+                <a:ea typeface="微軟正黑體" pitchFamily="34" charset="-120"/>
+              </a:rPr>
+              <a:t>袮</a:t>
+            </a:r>
+            <a:endParaRPr lang="en-US" altLang="zh-TW" sz="6400" b="1" dirty="0">
+              <a:solidFill>
+                <a:srgbClr val="660033"/>
+              </a:solidFill>
+              <a:latin typeface="微軟正黑體" pitchFamily="34" charset="-120"/>
+              <a:ea typeface="微軟正黑體" pitchFamily="34" charset="-120"/>
+            </a:endParaRPr>
           </a:p>
           <a:p>
             <a:pPr algn="ctr">
               <a:buNone/>
             </a:pPr>
             <a:r>
-              <a:rPr lang="zh-TW" altLang="en-US" sz="5400" dirty="0" smtClean="0"/>
-              <a:t>你</a:t>
-            </a:r>
-            <a:r>
-              <a:rPr lang="zh-TW" altLang="en-US" sz="5400" dirty="0"/>
-              <a:t>帶我走過每一個</a:t>
-            </a:r>
-            <a:r>
-              <a:rPr lang="zh-TW" altLang="en-US" sz="5400" dirty="0" smtClean="0"/>
-              <a:t>腳印</a:t>
-            </a:r>
-            <a:endParaRPr lang="en-US" altLang="zh-TW" sz="5400" dirty="0"/>
-          </a:p>
-          <a:p>
-            <a:pPr algn="ctr">
-              <a:buNone/>
-            </a:pPr>
-            <a:r>
-              <a:rPr lang="zh-TW" altLang="en-US" sz="5400" dirty="0" smtClean="0"/>
-              <a:t>主</a:t>
-            </a:r>
-            <a:r>
-              <a:rPr lang="zh-TW" altLang="en-US" sz="5400" dirty="0"/>
-              <a:t>耶穌我愛</a:t>
-            </a:r>
-            <a:r>
-              <a:rPr lang="zh-TW" altLang="en-US" sz="5400" dirty="0" smtClean="0"/>
-              <a:t>你</a:t>
-            </a:r>
-            <a:endParaRPr lang="en-US" altLang="zh-TW" sz="5400" dirty="0"/>
-          </a:p>
-          <a:p>
-            <a:pPr algn="ctr">
-              <a:buNone/>
-            </a:pPr>
-            <a:r>
-              <a:rPr lang="zh-TW" altLang="en-US" sz="5400" dirty="0" smtClean="0"/>
-              <a:t>直到</a:t>
-            </a:r>
-            <a:r>
-              <a:rPr lang="zh-TW" altLang="en-US" sz="5400" dirty="0"/>
-              <a:t>世界的盡頭我也願意</a:t>
-            </a:r>
+              <a:rPr lang="zh-CN" altLang="en-US" sz="6400" b="1" dirty="0">
+                <a:solidFill>
+                  <a:srgbClr val="660033"/>
+                </a:solidFill>
+                <a:latin typeface="微軟正黑體" pitchFamily="34" charset="-120"/>
+                <a:ea typeface="微軟正黑體" pitchFamily="34" charset="-120"/>
+              </a:rPr>
+              <a:t>袮</a:t>
+            </a:r>
+            <a:r>
+              <a:rPr lang="zh-TW" altLang="en-US" sz="6400" b="1" dirty="0">
+                <a:solidFill>
+                  <a:srgbClr val="660033"/>
+                </a:solidFill>
+                <a:latin typeface="微軟正黑體" pitchFamily="34" charset="-120"/>
+                <a:ea typeface="微軟正黑體" pitchFamily="34" charset="-120"/>
+              </a:rPr>
+              <a:t>照</a:t>
+            </a:r>
+            <a:r>
+              <a:rPr lang="zh-TW" altLang="en-US" sz="6400" b="1" dirty="0">
+                <a:solidFill>
+                  <a:srgbClr val="660033"/>
+                </a:solidFill>
+                <a:latin typeface="微軟正黑體" pitchFamily="34" charset="-120"/>
+                <a:ea typeface="微軟正黑體" pitchFamily="34" charset="-120"/>
+              </a:rPr>
+              <a:t>亮了我平凡的生命</a:t>
+            </a:r>
+            <a:endParaRPr lang="en-US" altLang="zh-TW" sz="6400" b="1" dirty="0">
+              <a:solidFill>
+                <a:srgbClr val="660033"/>
+              </a:solidFill>
+              <a:latin typeface="微軟正黑體" pitchFamily="34" charset="-120"/>
+              <a:ea typeface="微軟正黑體" pitchFamily="34" charset="-120"/>
+            </a:endParaRPr>
+          </a:p>
+        </p:txBody>
+      </p:sp>
+      <p:sp>
+        <p:nvSpPr>
+          <p:cNvPr id="3" name="TextBox 2"/>
+          <p:cNvSpPr txBox="1"/>
+          <p:nvPr/>
+        </p:nvSpPr>
+        <p:spPr>
+          <a:xfrm>
+            <a:off x="0" y="5061182"/>
+            <a:ext cx="12192000" cy="830997"/>
+          </a:xfrm>
+          <a:prstGeom prst="rect">
+            <a:avLst/>
+          </a:prstGeom>
+          <a:noFill/>
+        </p:spPr>
+        <p:txBody>
+          <a:bodyPr wrap="square" rtlCol="0">
+            <a:spAutoFit/>
+          </a:bodyPr>
+          <a:lstStyle/>
+          <a:p>
+            <a:pPr algn="ctr"/>
+            <a:r>
+              <a:rPr lang="en-US" sz="4800" b="1" dirty="0">
+                <a:solidFill>
+                  <a:srgbClr val="660033"/>
+                </a:solidFill>
+                <a:effectLst/>
+              </a:rPr>
+              <a:t>( 1 )</a:t>
+            </a:r>
+            <a:endParaRPr lang="vi-VN" sz="4800" b="1" dirty="0">
+              <a:solidFill>
+                <a:srgbClr val="660033"/>
+              </a:solidFill>
+              <a:effectLst/>
+            </a:endParaRPr>
           </a:p>
         </p:txBody>
       </p:sp>
     </p:spTree>
+    <p:extLst>
+      <p:ext uri="{BB962C8B-B14F-4D97-AF65-F5344CB8AC3E}">
+        <p14:creationId xmlns:p14="http://schemas.microsoft.com/office/powerpoint/2010/main" val="1571288504"/>
+      </p:ext>
+    </p:extLst>
   </p:cSld>
   <p:clrMapOvr>
     <a:masterClrMapping/>
@@ -3619,29 +3744,6 @@
       </p:grpSpPr>
       <p:sp>
         <p:nvSpPr>
-          <p:cNvPr id="4" name="標題 3"/>
-          <p:cNvSpPr>
-            <a:spLocks noGrp="1"/>
-          </p:cNvSpPr>
-          <p:nvPr>
-            <p:ph type="title"/>
-          </p:nvPr>
-        </p:nvSpPr>
-        <p:spPr/>
-        <p:txBody>
-          <a:bodyPr/>
-          <a:lstStyle/>
-          <a:p>
-            <a:r>
-              <a:rPr lang="zh-TW" altLang="en-US" dirty="0" smtClean="0"/>
-              <a:t>主耶穌我愛你</a:t>
-            </a:r>
-            <a:endParaRPr lang="zh-TW" altLang="en-US" dirty="0"/>
-          </a:p>
-        </p:txBody>
-      </p:sp>
-      <p:sp>
-        <p:nvSpPr>
           <p:cNvPr id="5" name="內容版面配置區 4"/>
           <p:cNvSpPr>
             <a:spLocks noGrp="1"/>
@@ -3650,9 +3752,14 @@
             <p:ph idx="1"/>
           </p:nvPr>
         </p:nvSpPr>
-        <p:spPr/>
-        <p:txBody>
-          <a:bodyPr>
+        <p:spPr>
+          <a:xfrm>
+            <a:off x="0" y="2084851"/>
+            <a:ext cx="12192000" cy="2404863"/>
+          </a:xfrm>
+        </p:spPr>
+        <p:txBody>
+          <a:bodyPr anchor="ctr">
             <a:normAutofit/>
           </a:bodyPr>
           <a:lstStyle/>
@@ -3661,67 +3768,147 @@
               <a:buNone/>
             </a:pPr>
             <a:r>
-              <a:rPr lang="zh-TW" altLang="en-US" sz="5400" dirty="0"/>
-              <a:t>主耶穌我榮耀</a:t>
-            </a:r>
-            <a:r>
-              <a:rPr lang="zh-TW" altLang="en-US" sz="5400" dirty="0" smtClean="0"/>
-              <a:t>你</a:t>
-            </a:r>
-            <a:endParaRPr lang="en-US" altLang="zh-TW" sz="5400" dirty="0"/>
+              <a:rPr lang="zh-TW" altLang="en-US" sz="6400" b="1" dirty="0">
+                <a:solidFill>
+                  <a:srgbClr val="660033"/>
+                </a:solidFill>
+                <a:latin typeface="微軟正黑體" pitchFamily="34" charset="-120"/>
+                <a:ea typeface="微軟正黑體" pitchFamily="34" charset="-120"/>
+              </a:rPr>
+              <a:t>主耶穌我</a:t>
+            </a:r>
+            <a:r>
+              <a:rPr lang="zh-TW" altLang="en-US" sz="6400" b="1" dirty="0">
+                <a:solidFill>
+                  <a:srgbClr val="660033"/>
+                </a:solidFill>
+                <a:latin typeface="微軟正黑體" pitchFamily="34" charset="-120"/>
+                <a:ea typeface="微軟正黑體" pitchFamily="34" charset="-120"/>
+              </a:rPr>
+              <a:t>愛</a:t>
+            </a:r>
+            <a:r>
+              <a:rPr lang="zh-CN" altLang="en-US" sz="6400" b="1" dirty="0">
+                <a:solidFill>
+                  <a:srgbClr val="660033"/>
+                </a:solidFill>
+                <a:latin typeface="微軟正黑體" pitchFamily="34" charset="-120"/>
+                <a:ea typeface="微軟正黑體" pitchFamily="34" charset="-120"/>
+              </a:rPr>
+              <a:t>袮</a:t>
+            </a:r>
+            <a:endParaRPr lang="en-US" altLang="zh-TW" sz="6400" b="1" dirty="0">
+              <a:solidFill>
+                <a:srgbClr val="660033"/>
+              </a:solidFill>
+              <a:latin typeface="微軟正黑體" pitchFamily="34" charset="-120"/>
+              <a:ea typeface="微軟正黑體" pitchFamily="34" charset="-120"/>
+            </a:endParaRPr>
           </a:p>
           <a:p>
             <a:pPr algn="ctr">
               <a:buNone/>
             </a:pPr>
             <a:r>
-              <a:rPr lang="zh-TW" altLang="en-US" sz="5400" dirty="0" smtClean="0"/>
-              <a:t>你</a:t>
-            </a:r>
-            <a:r>
-              <a:rPr lang="zh-TW" altLang="en-US" sz="5400" dirty="0"/>
-              <a:t>流盡寶血換我的</a:t>
-            </a:r>
-            <a:r>
-              <a:rPr lang="zh-TW" altLang="en-US" sz="5400" dirty="0" smtClean="0"/>
-              <a:t>生命</a:t>
-            </a:r>
-            <a:endParaRPr lang="en-US" altLang="zh-TW" sz="5400" dirty="0"/>
-          </a:p>
-          <a:p>
-            <a:pPr algn="ctr">
-              <a:buNone/>
-            </a:pPr>
-            <a:r>
-              <a:rPr lang="zh-TW" altLang="en-US" sz="5400" dirty="0" smtClean="0"/>
-              <a:t>主</a:t>
-            </a:r>
-            <a:r>
-              <a:rPr lang="zh-TW" altLang="en-US" sz="5400" dirty="0"/>
-              <a:t>耶穌我愛</a:t>
-            </a:r>
-            <a:r>
-              <a:rPr lang="zh-TW" altLang="en-US" sz="5400" dirty="0" smtClean="0"/>
-              <a:t>你</a:t>
-            </a:r>
-            <a:endParaRPr lang="en-US" altLang="zh-TW" sz="5400" dirty="0"/>
-          </a:p>
-          <a:p>
-            <a:pPr algn="ctr">
-              <a:buNone/>
-            </a:pPr>
-            <a:r>
-              <a:rPr lang="zh-TW" altLang="en-US" sz="5400" dirty="0" smtClean="0"/>
-              <a:t>如果</a:t>
-            </a:r>
-            <a:r>
-              <a:rPr lang="zh-TW" altLang="en-US" sz="5400" dirty="0"/>
-              <a:t>沒有你 一切沒有意義</a:t>
-            </a:r>
+              <a:rPr lang="zh-TW" altLang="en-US" sz="6400" b="1" dirty="0">
+                <a:solidFill>
+                  <a:srgbClr val="660033"/>
+                </a:solidFill>
+                <a:latin typeface="微軟正黑體" pitchFamily="34" charset="-120"/>
+                <a:ea typeface="微軟正黑體" pitchFamily="34" charset="-120"/>
+              </a:rPr>
+              <a:t>讓我每分每秒</a:t>
+            </a:r>
+            <a:r>
+              <a:rPr lang="zh-TW" altLang="en-US" sz="6400" b="1" dirty="0">
+                <a:solidFill>
+                  <a:srgbClr val="660033"/>
+                </a:solidFill>
+                <a:latin typeface="微軟正黑體" pitchFamily="34" charset="-120"/>
+                <a:ea typeface="微軟正黑體" pitchFamily="34" charset="-120"/>
+              </a:rPr>
+              <a:t>和</a:t>
+            </a:r>
+            <a:r>
+              <a:rPr lang="zh-CN" altLang="en-US" sz="6400" b="1" dirty="0">
+                <a:solidFill>
+                  <a:srgbClr val="660033"/>
+                </a:solidFill>
+                <a:latin typeface="微軟正黑體" pitchFamily="34" charset="-120"/>
+                <a:ea typeface="微軟正黑體" pitchFamily="34" charset="-120"/>
+              </a:rPr>
+              <a:t>袮</a:t>
+            </a:r>
+            <a:r>
+              <a:rPr lang="zh-TW" altLang="en-US" sz="6400" b="1" dirty="0">
+                <a:solidFill>
+                  <a:srgbClr val="660033"/>
+                </a:solidFill>
+                <a:latin typeface="微軟正黑體" pitchFamily="34" charset="-120"/>
+                <a:ea typeface="微軟正黑體" pitchFamily="34" charset="-120"/>
+              </a:rPr>
+              <a:t>在</a:t>
+            </a:r>
+            <a:r>
+              <a:rPr lang="zh-TW" altLang="en-US" sz="6400" b="1" dirty="0">
+                <a:solidFill>
+                  <a:srgbClr val="660033"/>
+                </a:solidFill>
+                <a:latin typeface="微軟正黑體" pitchFamily="34" charset="-120"/>
+                <a:ea typeface="微軟正黑體" pitchFamily="34" charset="-120"/>
+              </a:rPr>
+              <a:t>一起</a:t>
+            </a:r>
+          </a:p>
+        </p:txBody>
+      </p:sp>
+      <p:sp>
+        <p:nvSpPr>
+          <p:cNvPr id="3" name="TextBox 2"/>
+          <p:cNvSpPr txBox="1"/>
+          <p:nvPr/>
+        </p:nvSpPr>
+        <p:spPr>
+          <a:xfrm>
+            <a:off x="0" y="5061182"/>
+            <a:ext cx="12192000" cy="830997"/>
+          </a:xfrm>
+          <a:prstGeom prst="rect">
+            <a:avLst/>
+          </a:prstGeom>
+          <a:noFill/>
+        </p:spPr>
+        <p:txBody>
+          <a:bodyPr wrap="square" rtlCol="0">
+            <a:spAutoFit/>
+          </a:bodyPr>
+          <a:lstStyle/>
+          <a:p>
+            <a:pPr algn="ctr"/>
+            <a:r>
+              <a:rPr lang="en-US" sz="4800" b="1" dirty="0">
+                <a:solidFill>
+                  <a:srgbClr val="660033"/>
+                </a:solidFill>
+                <a:effectLst/>
+              </a:rPr>
+              <a:t>( 1 )</a:t>
+            </a:r>
+            <a:endParaRPr lang="vi-VN" sz="4800" b="1" dirty="0">
+              <a:solidFill>
+                <a:srgbClr val="660033"/>
+              </a:solidFill>
+              <a:effectLst/>
+            </a:endParaRPr>
           </a:p>
         </p:txBody>
       </p:sp>
     </p:spTree>
+    <p:extLst>
+      <p:ext uri="{BB962C8B-B14F-4D97-AF65-F5344CB8AC3E}">
+        <p14:creationId xmlns:p14="http://schemas.microsoft.com/office/powerpoint/2010/main" val="3589075011"/>
+      </p:ext>
+    </p:extLst>
   </p:cSld>
   <p:clrMapOvr>
     <a:masterClrMapping/>
@@ -3748,29 +3935,6 @@
       </p:grpSpPr>
       <p:sp>
         <p:nvSpPr>
-          <p:cNvPr id="4" name="標題 3"/>
-          <p:cNvSpPr>
-            <a:spLocks noGrp="1"/>
-          </p:cNvSpPr>
-          <p:nvPr>
-            <p:ph type="title"/>
-          </p:nvPr>
-        </p:nvSpPr>
-        <p:spPr/>
-        <p:txBody>
-          <a:bodyPr/>
-          <a:lstStyle/>
-          <a:p>
-            <a:r>
-              <a:rPr lang="zh-TW" altLang="en-US" dirty="0" smtClean="0"/>
-              <a:t>主耶穌我愛你</a:t>
-            </a:r>
-            <a:endParaRPr lang="zh-TW" altLang="en-US" dirty="0"/>
-          </a:p>
-        </p:txBody>
-      </p:sp>
-      <p:sp>
-        <p:nvSpPr>
           <p:cNvPr id="5" name="內容版面配置區 4"/>
           <p:cNvSpPr>
             <a:spLocks noGrp="1"/>
@@ -3779,9 +3943,14 @@
             <p:ph idx="1"/>
           </p:nvPr>
         </p:nvSpPr>
-        <p:spPr/>
-        <p:txBody>
-          <a:bodyPr>
+        <p:spPr>
+          <a:xfrm>
+            <a:off x="0" y="2084851"/>
+            <a:ext cx="12192000" cy="2404863"/>
+          </a:xfrm>
+        </p:spPr>
+        <p:txBody>
+          <a:bodyPr anchor="ctr">
             <a:normAutofit/>
           </a:bodyPr>
           <a:lstStyle/>
@@ -3790,67 +3959,134 @@
               <a:buNone/>
             </a:pPr>
             <a:r>
-              <a:rPr lang="zh-TW" altLang="en-US" sz="5400" dirty="0"/>
-              <a:t>主耶穌我敬拜</a:t>
-            </a:r>
-            <a:r>
-              <a:rPr lang="zh-TW" altLang="en-US" sz="5400" dirty="0" smtClean="0"/>
-              <a:t>你</a:t>
-            </a:r>
-            <a:endParaRPr lang="en-US" altLang="zh-TW" sz="5400" dirty="0"/>
+              <a:rPr lang="zh-TW" altLang="en-US" sz="6400" b="1" dirty="0">
+                <a:solidFill>
+                  <a:srgbClr val="660033"/>
+                </a:solidFill>
+                <a:latin typeface="微軟正黑體" pitchFamily="34" charset="-120"/>
+                <a:ea typeface="微軟正黑體" pitchFamily="34" charset="-120"/>
+              </a:rPr>
+              <a:t>主耶穌我仰</a:t>
+            </a:r>
+            <a:r>
+              <a:rPr lang="zh-TW" altLang="en-US" sz="6400" b="1" dirty="0">
+                <a:solidFill>
+                  <a:srgbClr val="660033"/>
+                </a:solidFill>
+                <a:latin typeface="微軟正黑體" pitchFamily="34" charset="-120"/>
+                <a:ea typeface="微軟正黑體" pitchFamily="34" charset="-120"/>
+              </a:rPr>
+              <a:t>望</a:t>
+            </a:r>
+            <a:r>
+              <a:rPr lang="zh-CN" altLang="en-US" sz="6400" b="1" dirty="0">
+                <a:solidFill>
+                  <a:srgbClr val="660033"/>
+                </a:solidFill>
+                <a:latin typeface="微軟正黑體" pitchFamily="34" charset="-120"/>
+                <a:ea typeface="微軟正黑體" pitchFamily="34" charset="-120"/>
+              </a:rPr>
+              <a:t>袮</a:t>
+            </a:r>
+            <a:endParaRPr lang="en-US" altLang="zh-TW" sz="6400" b="1" dirty="0">
+              <a:solidFill>
+                <a:srgbClr val="660033"/>
+              </a:solidFill>
+              <a:latin typeface="微軟正黑體" pitchFamily="34" charset="-120"/>
+              <a:ea typeface="微軟正黑體" pitchFamily="34" charset="-120"/>
+            </a:endParaRPr>
           </a:p>
           <a:p>
             <a:pPr algn="ctr">
               <a:buNone/>
             </a:pPr>
             <a:r>
-              <a:rPr lang="zh-TW" altLang="en-US" sz="5400" dirty="0" smtClean="0"/>
-              <a:t>所有</a:t>
-            </a:r>
-            <a:r>
-              <a:rPr lang="zh-TW" altLang="en-US" sz="5400" dirty="0"/>
-              <a:t>的讚美榮耀都歸</a:t>
-            </a:r>
-            <a:r>
-              <a:rPr lang="zh-TW" altLang="en-US" sz="5400" dirty="0" smtClean="0"/>
-              <a:t>你</a:t>
-            </a:r>
-            <a:endParaRPr lang="en-US" altLang="zh-TW" sz="5400" dirty="0"/>
-          </a:p>
-          <a:p>
-            <a:pPr algn="ctr">
-              <a:buNone/>
-            </a:pPr>
-            <a:r>
-              <a:rPr lang="zh-TW" altLang="en-US" sz="5400" dirty="0" smtClean="0"/>
-              <a:t>主</a:t>
-            </a:r>
-            <a:r>
-              <a:rPr lang="zh-TW" altLang="en-US" sz="5400" dirty="0"/>
-              <a:t>耶穌我愛</a:t>
-            </a:r>
-            <a:r>
-              <a:rPr lang="zh-TW" altLang="en-US" sz="5400" dirty="0" smtClean="0"/>
-              <a:t>你</a:t>
-            </a:r>
-            <a:endParaRPr lang="en-US" altLang="zh-TW" sz="5400" dirty="0"/>
-          </a:p>
-          <a:p>
-            <a:pPr algn="ctr">
-              <a:buNone/>
-            </a:pPr>
-            <a:r>
-              <a:rPr lang="zh-TW" altLang="en-US" sz="5400" dirty="0" smtClean="0"/>
-              <a:t>不會</a:t>
-            </a:r>
-            <a:r>
-              <a:rPr lang="zh-TW" altLang="en-US" sz="5400" dirty="0"/>
-              <a:t>讓你白白犧牲了自己</a:t>
-            </a:r>
+              <a:rPr lang="zh-CN" altLang="en-US" sz="6400" b="1" dirty="0">
+                <a:solidFill>
+                  <a:srgbClr val="660033"/>
+                </a:solidFill>
+                <a:latin typeface="微軟正黑體" pitchFamily="34" charset="-120"/>
+                <a:ea typeface="微軟正黑體" pitchFamily="34" charset="-120"/>
+              </a:rPr>
+              <a:t>袮</a:t>
+            </a:r>
+            <a:r>
+              <a:rPr lang="zh-TW" altLang="en-US" sz="6400" b="1" dirty="0">
+                <a:solidFill>
+                  <a:srgbClr val="660033"/>
+                </a:solidFill>
+                <a:latin typeface="微軟正黑體" pitchFamily="34" charset="-120"/>
+                <a:ea typeface="微軟正黑體" pitchFamily="34" charset="-120"/>
+              </a:rPr>
+              <a:t>帶</a:t>
+            </a:r>
+            <a:r>
+              <a:rPr lang="zh-TW" altLang="en-US" sz="6400" b="1" dirty="0">
+                <a:solidFill>
+                  <a:srgbClr val="660033"/>
+                </a:solidFill>
+                <a:latin typeface="微軟正黑體" pitchFamily="34" charset="-120"/>
+                <a:ea typeface="微軟正黑體" pitchFamily="34" charset="-120"/>
+              </a:rPr>
+              <a:t>我走過每一個腳印</a:t>
+            </a:r>
+            <a:endParaRPr lang="en-US" altLang="zh-TW" sz="6400" b="1" dirty="0">
+              <a:solidFill>
+                <a:srgbClr val="660033"/>
+              </a:solidFill>
+              <a:latin typeface="微軟正黑體" pitchFamily="34" charset="-120"/>
+              <a:ea typeface="微軟正黑體" pitchFamily="34" charset="-120"/>
+            </a:endParaRPr>
+          </a:p>
+        </p:txBody>
+      </p:sp>
+      <p:sp>
+        <p:nvSpPr>
+          <p:cNvPr id="3" name="TextBox 2"/>
+          <p:cNvSpPr txBox="1"/>
+          <p:nvPr/>
+        </p:nvSpPr>
+        <p:spPr>
+          <a:xfrm>
+            <a:off x="0" y="5061182"/>
+            <a:ext cx="12192000" cy="830997"/>
+          </a:xfrm>
+          <a:prstGeom prst="rect">
+            <a:avLst/>
+          </a:prstGeom>
+          <a:noFill/>
+        </p:spPr>
+        <p:txBody>
+          <a:bodyPr wrap="square" rtlCol="0">
+            <a:spAutoFit/>
+          </a:bodyPr>
+          <a:lstStyle/>
+          <a:p>
+            <a:pPr algn="ctr"/>
+            <a:r>
+              <a:rPr lang="en-US" sz="4800" b="1" dirty="0">
+                <a:solidFill>
+                  <a:srgbClr val="660033"/>
+                </a:solidFill>
+                <a:effectLst/>
+              </a:rPr>
+              <a:t>( 1 )</a:t>
+            </a:r>
+            <a:endParaRPr lang="vi-VN" sz="4800" b="1" dirty="0">
+              <a:solidFill>
+                <a:srgbClr val="660033"/>
+              </a:solidFill>
+              <a:effectLst/>
+            </a:endParaRPr>
           </a:p>
         </p:txBody>
       </p:sp>
     </p:spTree>
+    <p:extLst>
+      <p:ext uri="{BB962C8B-B14F-4D97-AF65-F5344CB8AC3E}">
+        <p14:creationId xmlns:p14="http://schemas.microsoft.com/office/powerpoint/2010/main" val="1122153002"/>
+      </p:ext>
+    </p:extLst>
   </p:cSld>
   <p:clrMapOvr>
     <a:masterClrMapping/>
@@ -3877,29 +4113,6 @@
       </p:grpSpPr>
       <p:sp>
         <p:nvSpPr>
-          <p:cNvPr id="4" name="標題 3"/>
-          <p:cNvSpPr>
-            <a:spLocks noGrp="1"/>
-          </p:cNvSpPr>
-          <p:nvPr>
-            <p:ph type="title"/>
-          </p:nvPr>
-        </p:nvSpPr>
-        <p:spPr/>
-        <p:txBody>
-          <a:bodyPr/>
-          <a:lstStyle/>
-          <a:p>
-            <a:r>
-              <a:rPr lang="zh-TW" altLang="en-US" dirty="0" smtClean="0"/>
-              <a:t>主耶穌我愛你</a:t>
-            </a:r>
-            <a:endParaRPr lang="zh-TW" altLang="en-US" dirty="0"/>
-          </a:p>
-        </p:txBody>
-      </p:sp>
-      <p:sp>
-        <p:nvSpPr>
           <p:cNvPr id="5" name="內容版面配置區 4"/>
           <p:cNvSpPr>
             <a:spLocks noGrp="1"/>
@@ -3908,9 +4121,14 @@
             <p:ph idx="1"/>
           </p:nvPr>
         </p:nvSpPr>
-        <p:spPr/>
-        <p:txBody>
-          <a:bodyPr>
+        <p:spPr>
+          <a:xfrm>
+            <a:off x="0" y="2084851"/>
+            <a:ext cx="12192000" cy="2404863"/>
+          </a:xfrm>
+        </p:spPr>
+        <p:txBody>
+          <a:bodyPr anchor="ctr">
             <a:normAutofit/>
           </a:bodyPr>
           <a:lstStyle/>
@@ -3919,63 +4137,845 @@
               <a:buNone/>
             </a:pPr>
             <a:r>
-              <a:rPr lang="zh-TW" altLang="en-US" sz="5400" dirty="0"/>
-              <a:t>我感謝</a:t>
-            </a:r>
-            <a:r>
-              <a:rPr lang="zh-TW" altLang="en-US" sz="5400" dirty="0" smtClean="0"/>
-              <a:t>你</a:t>
-            </a:r>
-            <a:endParaRPr lang="en-US" altLang="zh-TW" sz="5400" dirty="0" smtClean="0"/>
+              <a:rPr lang="zh-TW" altLang="en-US" sz="6400" b="1" dirty="0">
+                <a:solidFill>
+                  <a:srgbClr val="660033"/>
+                </a:solidFill>
+                <a:latin typeface="微軟正黑體" pitchFamily="34" charset="-120"/>
+                <a:ea typeface="微軟正黑體" pitchFamily="34" charset="-120"/>
+              </a:rPr>
+              <a:t>主耶穌我</a:t>
+            </a:r>
+            <a:r>
+              <a:rPr lang="zh-TW" altLang="en-US" sz="6400" b="1" dirty="0">
+                <a:solidFill>
+                  <a:srgbClr val="660033"/>
+                </a:solidFill>
+                <a:latin typeface="微軟正黑體" pitchFamily="34" charset="-120"/>
+                <a:ea typeface="微軟正黑體" pitchFamily="34" charset="-120"/>
+              </a:rPr>
+              <a:t>愛</a:t>
+            </a:r>
+            <a:r>
+              <a:rPr lang="zh-CN" altLang="en-US" sz="6400" b="1" dirty="0">
+                <a:solidFill>
+                  <a:srgbClr val="660033"/>
+                </a:solidFill>
+                <a:latin typeface="微軟正黑體" pitchFamily="34" charset="-120"/>
+                <a:ea typeface="微軟正黑體" pitchFamily="34" charset="-120"/>
+              </a:rPr>
+              <a:t>袮</a:t>
+            </a:r>
+            <a:endParaRPr lang="en-US" altLang="zh-TW" sz="6400" b="1" dirty="0">
+              <a:solidFill>
+                <a:srgbClr val="660033"/>
+              </a:solidFill>
+              <a:latin typeface="微軟正黑體" pitchFamily="34" charset="-120"/>
+              <a:ea typeface="微軟正黑體" pitchFamily="34" charset="-120"/>
+            </a:endParaRPr>
           </a:p>
           <a:p>
             <a:pPr algn="ctr">
               <a:buNone/>
             </a:pPr>
             <a:r>
-              <a:rPr lang="zh-TW" altLang="en-US" sz="5400" dirty="0" smtClean="0"/>
-              <a:t>我</a:t>
-            </a:r>
-            <a:r>
-              <a:rPr lang="zh-TW" altLang="en-US" sz="5400" dirty="0"/>
-              <a:t>仰望你 </a:t>
-            </a:r>
-            <a:endParaRPr lang="en-US" altLang="zh-TW" sz="5400" dirty="0"/>
-          </a:p>
+              <a:rPr lang="zh-TW" altLang="en-US" sz="6400" b="1" dirty="0">
+                <a:solidFill>
+                  <a:srgbClr val="660033"/>
+                </a:solidFill>
+                <a:latin typeface="微軟正黑體" pitchFamily="34" charset="-120"/>
+                <a:ea typeface="微軟正黑體" pitchFamily="34" charset="-120"/>
+              </a:rPr>
+              <a:t>直到世界的盡頭我也願意</a:t>
+            </a:r>
+          </a:p>
+        </p:txBody>
+      </p:sp>
+      <p:sp>
+        <p:nvSpPr>
+          <p:cNvPr id="3" name="TextBox 2"/>
+          <p:cNvSpPr txBox="1"/>
+          <p:nvPr/>
+        </p:nvSpPr>
+        <p:spPr>
+          <a:xfrm>
+            <a:off x="0" y="5061182"/>
+            <a:ext cx="12192000" cy="830997"/>
+          </a:xfrm>
+          <a:prstGeom prst="rect">
+            <a:avLst/>
+          </a:prstGeom>
+          <a:noFill/>
+        </p:spPr>
+        <p:txBody>
+          <a:bodyPr wrap="square" rtlCol="0">
+            <a:spAutoFit/>
+          </a:bodyPr>
+          <a:lstStyle/>
+          <a:p>
+            <a:pPr algn="ctr"/>
+            <a:r>
+              <a:rPr lang="en-US" sz="4800" b="1" dirty="0">
+                <a:solidFill>
+                  <a:srgbClr val="660033"/>
+                </a:solidFill>
+                <a:effectLst/>
+              </a:rPr>
+              <a:t>( 1 )</a:t>
+            </a:r>
+            <a:endParaRPr lang="vi-VN" sz="4800" b="1" dirty="0">
+              <a:solidFill>
+                <a:srgbClr val="660033"/>
+              </a:solidFill>
+              <a:effectLst/>
+            </a:endParaRPr>
+          </a:p>
+        </p:txBody>
+      </p:sp>
+    </p:spTree>
+    <p:extLst>
+      <p:ext uri="{BB962C8B-B14F-4D97-AF65-F5344CB8AC3E}">
+        <p14:creationId xmlns:p14="http://schemas.microsoft.com/office/powerpoint/2010/main" val="1868995755"/>
+      </p:ext>
+    </p:extLst>
+  </p:cSld>
+  <p:clrMapOvr>
+    <a:masterClrMapping/>
+  </p:clrMapOvr>
+</p:sld>
+</file>
+
+<file path=ppt/slides/slide6.xml><?xml version="1.0" encoding="utf-8"?>
+<p:sld xmlns:a="http://schemas.openxmlformats.org/drawingml/2006/main" xmlns:r="http://schemas.openxmlformats.org/officeDocument/2006/relationships" xmlns:p="http://schemas.openxmlformats.org/presentationml/2006/main">
+  <p:cSld>
+    <p:spTree>
+      <p:nvGrpSpPr>
+        <p:cNvPr id="1" name=""/>
+        <p:cNvGrpSpPr/>
+        <p:nvPr/>
+      </p:nvGrpSpPr>
+      <p:grpSpPr>
+        <a:xfrm>
+          <a:off x="0" y="0"/>
+          <a:ext cx="0" cy="0"/>
+          <a:chOff x="0" y="0"/>
+          <a:chExt cx="0" cy="0"/>
+        </a:xfrm>
+      </p:grpSpPr>
+      <p:sp>
+        <p:nvSpPr>
+          <p:cNvPr id="5" name="內容版面配置區 4"/>
+          <p:cNvSpPr>
+            <a:spLocks noGrp="1"/>
+          </p:cNvSpPr>
+          <p:nvPr>
+            <p:ph idx="1"/>
+          </p:nvPr>
+        </p:nvSpPr>
+        <p:spPr>
+          <a:xfrm>
+            <a:off x="0" y="2084851"/>
+            <a:ext cx="12192000" cy="2404863"/>
+          </a:xfrm>
+        </p:spPr>
+        <p:txBody>
+          <a:bodyPr anchor="ctr">
+            <a:normAutofit/>
+          </a:bodyPr>
+          <a:lstStyle/>
           <a:p>
             <a:pPr algn="ctr">
               <a:buNone/>
             </a:pPr>
             <a:r>
-              <a:rPr lang="zh-TW" altLang="en-US" sz="5400" dirty="0" smtClean="0"/>
-              <a:t>我</a:t>
-            </a:r>
-            <a:r>
-              <a:rPr lang="zh-TW" altLang="en-US" sz="5400" dirty="0"/>
-              <a:t>榮耀</a:t>
-            </a:r>
-            <a:r>
-              <a:rPr lang="zh-TW" altLang="en-US" sz="5400" dirty="0" smtClean="0"/>
-              <a:t>你</a:t>
-            </a:r>
-            <a:endParaRPr lang="en-US" altLang="zh-TW" sz="5400" dirty="0" smtClean="0"/>
+              <a:rPr lang="zh-TW" altLang="en-US" sz="6400" b="1" dirty="0">
+                <a:solidFill>
+                  <a:srgbClr val="660033"/>
+                </a:solidFill>
+                <a:latin typeface="微軟正黑體" pitchFamily="34" charset="-120"/>
+                <a:ea typeface="微軟正黑體" pitchFamily="34" charset="-120"/>
+              </a:rPr>
+              <a:t>主耶穌我榮</a:t>
+            </a:r>
+            <a:r>
+              <a:rPr lang="zh-TW" altLang="en-US" sz="6400" b="1" dirty="0">
+                <a:solidFill>
+                  <a:srgbClr val="660033"/>
+                </a:solidFill>
+                <a:latin typeface="微軟正黑體" pitchFamily="34" charset="-120"/>
+                <a:ea typeface="微軟正黑體" pitchFamily="34" charset="-120"/>
+              </a:rPr>
+              <a:t>耀</a:t>
+            </a:r>
+            <a:r>
+              <a:rPr lang="zh-CN" altLang="en-US" sz="6400" b="1" dirty="0">
+                <a:solidFill>
+                  <a:srgbClr val="660033"/>
+                </a:solidFill>
+                <a:latin typeface="微軟正黑體" pitchFamily="34" charset="-120"/>
+                <a:ea typeface="微軟正黑體" pitchFamily="34" charset="-120"/>
+              </a:rPr>
+              <a:t>袮</a:t>
+            </a:r>
+            <a:endParaRPr lang="en-US" altLang="zh-TW" sz="6400" b="1" dirty="0">
+              <a:solidFill>
+                <a:srgbClr val="660033"/>
+              </a:solidFill>
+              <a:latin typeface="微軟正黑體" pitchFamily="34" charset="-120"/>
+              <a:ea typeface="微軟正黑體" pitchFamily="34" charset="-120"/>
+            </a:endParaRPr>
           </a:p>
           <a:p>
             <a:pPr algn="ctr">
               <a:buNone/>
             </a:pPr>
             <a:r>
-              <a:rPr lang="zh-TW" altLang="en-US" sz="5400" dirty="0" smtClean="0"/>
-              <a:t>主</a:t>
-            </a:r>
-            <a:r>
-              <a:rPr lang="zh-TW" altLang="en-US" sz="5400" dirty="0"/>
-              <a:t>我愛你</a:t>
-            </a:r>
+              <a:rPr lang="zh-CN" altLang="en-US" sz="6400" b="1" dirty="0">
+                <a:solidFill>
+                  <a:srgbClr val="660033"/>
+                </a:solidFill>
+                <a:latin typeface="微軟正黑體" pitchFamily="34" charset="-120"/>
+                <a:ea typeface="微軟正黑體" pitchFamily="34" charset="-120"/>
+              </a:rPr>
+              <a:t>袮</a:t>
+            </a:r>
+            <a:r>
+              <a:rPr lang="zh-TW" altLang="en-US" sz="6400" b="1" dirty="0">
+                <a:solidFill>
+                  <a:srgbClr val="660033"/>
+                </a:solidFill>
+                <a:latin typeface="微軟正黑體" pitchFamily="34" charset="-120"/>
+                <a:ea typeface="微軟正黑體" pitchFamily="34" charset="-120"/>
+              </a:rPr>
+              <a:t>流</a:t>
+            </a:r>
+            <a:r>
+              <a:rPr lang="zh-TW" altLang="en-US" sz="6400" b="1" dirty="0">
+                <a:solidFill>
+                  <a:srgbClr val="660033"/>
+                </a:solidFill>
+                <a:latin typeface="微軟正黑體" pitchFamily="34" charset="-120"/>
+                <a:ea typeface="微軟正黑體" pitchFamily="34" charset="-120"/>
+              </a:rPr>
+              <a:t>盡寶血換我的生命</a:t>
+            </a:r>
+            <a:endParaRPr lang="en-US" altLang="zh-TW" sz="6400" b="1" dirty="0">
+              <a:solidFill>
+                <a:srgbClr val="660033"/>
+              </a:solidFill>
+              <a:latin typeface="微軟正黑體" pitchFamily="34" charset="-120"/>
+              <a:ea typeface="微軟正黑體" pitchFamily="34" charset="-120"/>
+            </a:endParaRPr>
+          </a:p>
+        </p:txBody>
+      </p:sp>
+      <p:sp>
+        <p:nvSpPr>
+          <p:cNvPr id="3" name="TextBox 2"/>
+          <p:cNvSpPr txBox="1"/>
+          <p:nvPr/>
+        </p:nvSpPr>
+        <p:spPr>
+          <a:xfrm>
+            <a:off x="0" y="5061182"/>
+            <a:ext cx="12192000" cy="830997"/>
+          </a:xfrm>
+          <a:prstGeom prst="rect">
+            <a:avLst/>
+          </a:prstGeom>
+          <a:noFill/>
+        </p:spPr>
+        <p:txBody>
+          <a:bodyPr wrap="square" rtlCol="0">
+            <a:spAutoFit/>
+          </a:bodyPr>
+          <a:lstStyle/>
+          <a:p>
+            <a:pPr algn="ctr"/>
+            <a:r>
+              <a:rPr lang="en-US" sz="4800" b="1" dirty="0">
+                <a:solidFill>
+                  <a:srgbClr val="660033"/>
+                </a:solidFill>
+                <a:effectLst/>
+              </a:rPr>
+              <a:t>( 2 )</a:t>
+            </a:r>
+            <a:endParaRPr lang="vi-VN" sz="4800" b="1" dirty="0">
+              <a:solidFill>
+                <a:srgbClr val="660033"/>
+              </a:solidFill>
+              <a:effectLst/>
+            </a:endParaRPr>
           </a:p>
         </p:txBody>
       </p:sp>
     </p:spTree>
+    <p:extLst>
+      <p:ext uri="{BB962C8B-B14F-4D97-AF65-F5344CB8AC3E}">
+        <p14:creationId xmlns:p14="http://schemas.microsoft.com/office/powerpoint/2010/main" val="1596115377"/>
+      </p:ext>
+    </p:extLst>
+  </p:cSld>
+  <p:clrMapOvr>
+    <a:masterClrMapping/>
+  </p:clrMapOvr>
+</p:sld>
+</file>
+
+<file path=ppt/slides/slide7.xml><?xml version="1.0" encoding="utf-8"?>
+<p:sld xmlns:a="http://schemas.openxmlformats.org/drawingml/2006/main" xmlns:r="http://schemas.openxmlformats.org/officeDocument/2006/relationships" xmlns:p="http://schemas.openxmlformats.org/presentationml/2006/main">
+  <p:cSld>
+    <p:spTree>
+      <p:nvGrpSpPr>
+        <p:cNvPr id="1" name=""/>
+        <p:cNvGrpSpPr/>
+        <p:nvPr/>
+      </p:nvGrpSpPr>
+      <p:grpSpPr>
+        <a:xfrm>
+          <a:off x="0" y="0"/>
+          <a:ext cx="0" cy="0"/>
+          <a:chOff x="0" y="0"/>
+          <a:chExt cx="0" cy="0"/>
+        </a:xfrm>
+      </p:grpSpPr>
+      <p:sp>
+        <p:nvSpPr>
+          <p:cNvPr id="5" name="內容版面配置區 4"/>
+          <p:cNvSpPr>
+            <a:spLocks noGrp="1"/>
+          </p:cNvSpPr>
+          <p:nvPr>
+            <p:ph idx="1"/>
+          </p:nvPr>
+        </p:nvSpPr>
+        <p:spPr>
+          <a:xfrm>
+            <a:off x="0" y="2084851"/>
+            <a:ext cx="12192000" cy="2404863"/>
+          </a:xfrm>
+        </p:spPr>
+        <p:txBody>
+          <a:bodyPr anchor="ctr">
+            <a:normAutofit/>
+          </a:bodyPr>
+          <a:lstStyle/>
+          <a:p>
+            <a:pPr algn="ctr">
+              <a:buNone/>
+            </a:pPr>
+            <a:r>
+              <a:rPr lang="zh-TW" altLang="en-US" sz="6400" b="1" dirty="0">
+                <a:solidFill>
+                  <a:srgbClr val="660033"/>
+                </a:solidFill>
+                <a:latin typeface="微軟正黑體" pitchFamily="34" charset="-120"/>
+                <a:ea typeface="微軟正黑體" pitchFamily="34" charset="-120"/>
+              </a:rPr>
+              <a:t>主耶穌我</a:t>
+            </a:r>
+            <a:r>
+              <a:rPr lang="zh-TW" altLang="en-US" sz="6400" b="1" dirty="0">
+                <a:solidFill>
+                  <a:srgbClr val="660033"/>
+                </a:solidFill>
+                <a:latin typeface="微軟正黑體" pitchFamily="34" charset="-120"/>
+                <a:ea typeface="微軟正黑體" pitchFamily="34" charset="-120"/>
+              </a:rPr>
+              <a:t>愛</a:t>
+            </a:r>
+            <a:r>
+              <a:rPr lang="zh-CN" altLang="en-US" sz="6400" b="1" dirty="0">
+                <a:solidFill>
+                  <a:srgbClr val="660033"/>
+                </a:solidFill>
+                <a:latin typeface="微軟正黑體" pitchFamily="34" charset="-120"/>
+                <a:ea typeface="微軟正黑體" pitchFamily="34" charset="-120"/>
+              </a:rPr>
+              <a:t>袮</a:t>
+            </a:r>
+            <a:endParaRPr lang="en-US" altLang="zh-TW" sz="6400" b="1" dirty="0">
+              <a:solidFill>
+                <a:srgbClr val="660033"/>
+              </a:solidFill>
+              <a:latin typeface="微軟正黑體" pitchFamily="34" charset="-120"/>
+              <a:ea typeface="微軟正黑體" pitchFamily="34" charset="-120"/>
+            </a:endParaRPr>
+          </a:p>
+          <a:p>
+            <a:pPr algn="ctr">
+              <a:buNone/>
+            </a:pPr>
+            <a:r>
+              <a:rPr lang="zh-TW" altLang="en-US" sz="6400" b="1" dirty="0">
+                <a:solidFill>
+                  <a:srgbClr val="660033"/>
+                </a:solidFill>
+                <a:latin typeface="微軟正黑體" pitchFamily="34" charset="-120"/>
+                <a:ea typeface="微軟正黑體" pitchFamily="34" charset="-120"/>
+              </a:rPr>
+              <a:t>如果沒</a:t>
+            </a:r>
+            <a:r>
+              <a:rPr lang="zh-TW" altLang="en-US" sz="6400" b="1" dirty="0">
+                <a:solidFill>
+                  <a:srgbClr val="660033"/>
+                </a:solidFill>
+                <a:latin typeface="微軟正黑體" pitchFamily="34" charset="-120"/>
+                <a:ea typeface="微軟正黑體" pitchFamily="34" charset="-120"/>
+              </a:rPr>
+              <a:t>有</a:t>
+            </a:r>
+            <a:r>
+              <a:rPr lang="zh-CN" altLang="en-US" sz="6400" b="1" dirty="0">
+                <a:solidFill>
+                  <a:srgbClr val="660033"/>
+                </a:solidFill>
+                <a:latin typeface="微軟正黑體" pitchFamily="34" charset="-120"/>
+                <a:ea typeface="微軟正黑體" pitchFamily="34" charset="-120"/>
+              </a:rPr>
+              <a:t>袮</a:t>
+            </a:r>
+            <a:r>
+              <a:rPr lang="zh-TW" altLang="en-US" sz="6400" b="1" dirty="0">
+                <a:solidFill>
+                  <a:srgbClr val="660033"/>
+                </a:solidFill>
+                <a:latin typeface="微軟正黑體" pitchFamily="34" charset="-120"/>
+                <a:ea typeface="微軟正黑體" pitchFamily="34" charset="-120"/>
+              </a:rPr>
+              <a:t>一</a:t>
+            </a:r>
+            <a:r>
+              <a:rPr lang="zh-TW" altLang="en-US" sz="6400" b="1" dirty="0">
+                <a:solidFill>
+                  <a:srgbClr val="660033"/>
+                </a:solidFill>
+                <a:latin typeface="微軟正黑體" pitchFamily="34" charset="-120"/>
+                <a:ea typeface="微軟正黑體" pitchFamily="34" charset="-120"/>
+              </a:rPr>
+              <a:t>切沒有意義</a:t>
+            </a:r>
+          </a:p>
+        </p:txBody>
+      </p:sp>
+      <p:sp>
+        <p:nvSpPr>
+          <p:cNvPr id="3" name="TextBox 2"/>
+          <p:cNvSpPr txBox="1"/>
+          <p:nvPr/>
+        </p:nvSpPr>
+        <p:spPr>
+          <a:xfrm>
+            <a:off x="0" y="5061182"/>
+            <a:ext cx="12192000" cy="830997"/>
+          </a:xfrm>
+          <a:prstGeom prst="rect">
+            <a:avLst/>
+          </a:prstGeom>
+          <a:noFill/>
+        </p:spPr>
+        <p:txBody>
+          <a:bodyPr wrap="square" rtlCol="0">
+            <a:spAutoFit/>
+          </a:bodyPr>
+          <a:lstStyle/>
+          <a:p>
+            <a:pPr algn="ctr"/>
+            <a:r>
+              <a:rPr lang="en-US" sz="4800" b="1" dirty="0">
+                <a:solidFill>
+                  <a:srgbClr val="660033"/>
+                </a:solidFill>
+                <a:effectLst/>
+              </a:rPr>
+              <a:t>( 2 )</a:t>
+            </a:r>
+            <a:endParaRPr lang="vi-VN" sz="4800" b="1" dirty="0">
+              <a:solidFill>
+                <a:srgbClr val="660033"/>
+              </a:solidFill>
+              <a:effectLst/>
+            </a:endParaRPr>
+          </a:p>
+        </p:txBody>
+      </p:sp>
+    </p:spTree>
+    <p:extLst>
+      <p:ext uri="{BB962C8B-B14F-4D97-AF65-F5344CB8AC3E}">
+        <p14:creationId xmlns:p14="http://schemas.microsoft.com/office/powerpoint/2010/main" val="589533618"/>
+      </p:ext>
+    </p:extLst>
+  </p:cSld>
+  <p:clrMapOvr>
+    <a:masterClrMapping/>
+  </p:clrMapOvr>
+</p:sld>
+</file>
+
+<file path=ppt/slides/slide8.xml><?xml version="1.0" encoding="utf-8"?>
+<p:sld xmlns:a="http://schemas.openxmlformats.org/drawingml/2006/main" xmlns:r="http://schemas.openxmlformats.org/officeDocument/2006/relationships" xmlns:p="http://schemas.openxmlformats.org/presentationml/2006/main">
+  <p:cSld>
+    <p:spTree>
+      <p:nvGrpSpPr>
+        <p:cNvPr id="1" name=""/>
+        <p:cNvGrpSpPr/>
+        <p:nvPr/>
+      </p:nvGrpSpPr>
+      <p:grpSpPr>
+        <a:xfrm>
+          <a:off x="0" y="0"/>
+          <a:ext cx="0" cy="0"/>
+          <a:chOff x="0" y="0"/>
+          <a:chExt cx="0" cy="0"/>
+        </a:xfrm>
+      </p:grpSpPr>
+      <p:sp>
+        <p:nvSpPr>
+          <p:cNvPr id="5" name="內容版面配置區 4"/>
+          <p:cNvSpPr>
+            <a:spLocks noGrp="1"/>
+          </p:cNvSpPr>
+          <p:nvPr>
+            <p:ph idx="1"/>
+          </p:nvPr>
+        </p:nvSpPr>
+        <p:spPr>
+          <a:xfrm>
+            <a:off x="0" y="2084851"/>
+            <a:ext cx="12192000" cy="2404863"/>
+          </a:xfrm>
+        </p:spPr>
+        <p:txBody>
+          <a:bodyPr anchor="ctr">
+            <a:normAutofit/>
+          </a:bodyPr>
+          <a:lstStyle/>
+          <a:p>
+            <a:pPr algn="ctr">
+              <a:buNone/>
+            </a:pPr>
+            <a:r>
+              <a:rPr lang="zh-TW" altLang="en-US" sz="6400" b="1" dirty="0">
+                <a:solidFill>
+                  <a:srgbClr val="660033"/>
+                </a:solidFill>
+                <a:latin typeface="微軟正黑體" pitchFamily="34" charset="-120"/>
+                <a:ea typeface="微軟正黑體" pitchFamily="34" charset="-120"/>
+              </a:rPr>
+              <a:t>主耶穌我敬</a:t>
+            </a:r>
+            <a:r>
+              <a:rPr lang="zh-TW" altLang="en-US" sz="6400" b="1" dirty="0">
+                <a:solidFill>
+                  <a:srgbClr val="660033"/>
+                </a:solidFill>
+                <a:latin typeface="微軟正黑體" pitchFamily="34" charset="-120"/>
+                <a:ea typeface="微軟正黑體" pitchFamily="34" charset="-120"/>
+              </a:rPr>
+              <a:t>拜</a:t>
+            </a:r>
+            <a:r>
+              <a:rPr lang="zh-CN" altLang="en-US" sz="6400" b="1" dirty="0">
+                <a:solidFill>
+                  <a:srgbClr val="660033"/>
+                </a:solidFill>
+                <a:latin typeface="微軟正黑體" pitchFamily="34" charset="-120"/>
+                <a:ea typeface="微軟正黑體" pitchFamily="34" charset="-120"/>
+              </a:rPr>
+              <a:t>袮</a:t>
+            </a:r>
+            <a:endParaRPr lang="en-US" altLang="zh-TW" sz="6400" b="1" dirty="0">
+              <a:solidFill>
+                <a:srgbClr val="660033"/>
+              </a:solidFill>
+              <a:latin typeface="微軟正黑體" pitchFamily="34" charset="-120"/>
+              <a:ea typeface="微軟正黑體" pitchFamily="34" charset="-120"/>
+            </a:endParaRPr>
+          </a:p>
+          <a:p>
+            <a:pPr algn="ctr">
+              <a:buNone/>
+            </a:pPr>
+            <a:r>
+              <a:rPr lang="zh-TW" altLang="en-US" sz="6400" b="1" dirty="0">
+                <a:solidFill>
+                  <a:srgbClr val="660033"/>
+                </a:solidFill>
+                <a:latin typeface="微軟正黑體" pitchFamily="34" charset="-120"/>
+                <a:ea typeface="微軟正黑體" pitchFamily="34" charset="-120"/>
+              </a:rPr>
+              <a:t>所有的讚美榮耀都</a:t>
+            </a:r>
+            <a:r>
+              <a:rPr lang="zh-TW" altLang="en-US" sz="6400" b="1" dirty="0">
+                <a:solidFill>
+                  <a:srgbClr val="660033"/>
+                </a:solidFill>
+                <a:latin typeface="微軟正黑體" pitchFamily="34" charset="-120"/>
+                <a:ea typeface="微軟正黑體" pitchFamily="34" charset="-120"/>
+              </a:rPr>
+              <a:t>歸</a:t>
+            </a:r>
+            <a:r>
+              <a:rPr lang="zh-CN" altLang="en-US" sz="6400" b="1" dirty="0">
+                <a:solidFill>
+                  <a:srgbClr val="660033"/>
+                </a:solidFill>
+                <a:latin typeface="微軟正黑體" pitchFamily="34" charset="-120"/>
+                <a:ea typeface="微軟正黑體" pitchFamily="34" charset="-120"/>
+              </a:rPr>
+              <a:t>袮</a:t>
+            </a:r>
+            <a:endParaRPr lang="en-US" altLang="zh-TW" sz="6400" b="1" dirty="0">
+              <a:solidFill>
+                <a:srgbClr val="660033"/>
+              </a:solidFill>
+              <a:latin typeface="微軟正黑體" pitchFamily="34" charset="-120"/>
+              <a:ea typeface="微軟正黑體" pitchFamily="34" charset="-120"/>
+            </a:endParaRPr>
+          </a:p>
+        </p:txBody>
+      </p:sp>
+      <p:sp>
+        <p:nvSpPr>
+          <p:cNvPr id="3" name="TextBox 2"/>
+          <p:cNvSpPr txBox="1"/>
+          <p:nvPr/>
+        </p:nvSpPr>
+        <p:spPr>
+          <a:xfrm>
+            <a:off x="0" y="5061182"/>
+            <a:ext cx="12192000" cy="830997"/>
+          </a:xfrm>
+          <a:prstGeom prst="rect">
+            <a:avLst/>
+          </a:prstGeom>
+          <a:noFill/>
+        </p:spPr>
+        <p:txBody>
+          <a:bodyPr wrap="square" rtlCol="0">
+            <a:spAutoFit/>
+          </a:bodyPr>
+          <a:lstStyle/>
+          <a:p>
+            <a:pPr algn="ctr"/>
+            <a:r>
+              <a:rPr lang="en-US" sz="4800" b="1" dirty="0">
+                <a:solidFill>
+                  <a:srgbClr val="660033"/>
+                </a:solidFill>
+                <a:effectLst/>
+              </a:rPr>
+              <a:t>( 2 )</a:t>
+            </a:r>
+            <a:endParaRPr lang="vi-VN" sz="4800" b="1" dirty="0">
+              <a:solidFill>
+                <a:srgbClr val="660033"/>
+              </a:solidFill>
+              <a:effectLst/>
+            </a:endParaRPr>
+          </a:p>
+        </p:txBody>
+      </p:sp>
+    </p:spTree>
+    <p:extLst>
+      <p:ext uri="{BB962C8B-B14F-4D97-AF65-F5344CB8AC3E}">
+        <p14:creationId xmlns:p14="http://schemas.microsoft.com/office/powerpoint/2010/main" val="2978776261"/>
+      </p:ext>
+    </p:extLst>
+  </p:cSld>
+  <p:clrMapOvr>
+    <a:masterClrMapping/>
+  </p:clrMapOvr>
+</p:sld>
+</file>
+
+<file path=ppt/slides/slide9.xml><?xml version="1.0" encoding="utf-8"?>
+<p:sld xmlns:a="http://schemas.openxmlformats.org/drawingml/2006/main" xmlns:r="http://schemas.openxmlformats.org/officeDocument/2006/relationships" xmlns:p="http://schemas.openxmlformats.org/presentationml/2006/main">
+  <p:cSld>
+    <p:spTree>
+      <p:nvGrpSpPr>
+        <p:cNvPr id="1" name=""/>
+        <p:cNvGrpSpPr/>
+        <p:nvPr/>
+      </p:nvGrpSpPr>
+      <p:grpSpPr>
+        <a:xfrm>
+          <a:off x="0" y="0"/>
+          <a:ext cx="0" cy="0"/>
+          <a:chOff x="0" y="0"/>
+          <a:chExt cx="0" cy="0"/>
+        </a:xfrm>
+      </p:grpSpPr>
+      <p:sp>
+        <p:nvSpPr>
+          <p:cNvPr id="5" name="內容版面配置區 4"/>
+          <p:cNvSpPr>
+            <a:spLocks noGrp="1"/>
+          </p:cNvSpPr>
+          <p:nvPr>
+            <p:ph idx="1"/>
+          </p:nvPr>
+        </p:nvSpPr>
+        <p:spPr>
+          <a:xfrm>
+            <a:off x="0" y="2084851"/>
+            <a:ext cx="12192000" cy="2404863"/>
+          </a:xfrm>
+        </p:spPr>
+        <p:txBody>
+          <a:bodyPr anchor="ctr">
+            <a:normAutofit/>
+          </a:bodyPr>
+          <a:lstStyle/>
+          <a:p>
+            <a:pPr algn="ctr">
+              <a:buNone/>
+            </a:pPr>
+            <a:r>
+              <a:rPr lang="zh-TW" altLang="en-US" sz="6400" b="1" dirty="0">
+                <a:solidFill>
+                  <a:srgbClr val="660033"/>
+                </a:solidFill>
+                <a:latin typeface="微軟正黑體" pitchFamily="34" charset="-120"/>
+                <a:ea typeface="微軟正黑體" pitchFamily="34" charset="-120"/>
+              </a:rPr>
+              <a:t>主耶穌我</a:t>
+            </a:r>
+            <a:r>
+              <a:rPr lang="zh-TW" altLang="en-US" sz="6400" b="1" dirty="0">
+                <a:solidFill>
+                  <a:srgbClr val="660033"/>
+                </a:solidFill>
+                <a:latin typeface="微軟正黑體" pitchFamily="34" charset="-120"/>
+                <a:ea typeface="微軟正黑體" pitchFamily="34" charset="-120"/>
+              </a:rPr>
+              <a:t>愛</a:t>
+            </a:r>
+            <a:r>
+              <a:rPr lang="zh-CN" altLang="en-US" sz="6400" b="1" dirty="0">
+                <a:solidFill>
+                  <a:srgbClr val="660033"/>
+                </a:solidFill>
+                <a:latin typeface="微軟正黑體" pitchFamily="34" charset="-120"/>
+                <a:ea typeface="微軟正黑體" pitchFamily="34" charset="-120"/>
+              </a:rPr>
+              <a:t>袮</a:t>
+            </a:r>
+            <a:endParaRPr lang="en-US" altLang="zh-TW" sz="6400" b="1" dirty="0">
+              <a:solidFill>
+                <a:srgbClr val="660033"/>
+              </a:solidFill>
+              <a:latin typeface="微軟正黑體" pitchFamily="34" charset="-120"/>
+              <a:ea typeface="微軟正黑體" pitchFamily="34" charset="-120"/>
+            </a:endParaRPr>
+          </a:p>
+          <a:p>
+            <a:pPr algn="ctr">
+              <a:buNone/>
+            </a:pPr>
+            <a:r>
+              <a:rPr lang="zh-TW" altLang="en-US" sz="6400" b="1" dirty="0">
+                <a:solidFill>
+                  <a:srgbClr val="660033"/>
+                </a:solidFill>
+                <a:latin typeface="微軟正黑體" pitchFamily="34" charset="-120"/>
+                <a:ea typeface="微軟正黑體" pitchFamily="34" charset="-120"/>
+              </a:rPr>
+              <a:t>不會</a:t>
+            </a:r>
+            <a:r>
+              <a:rPr lang="zh-TW" altLang="en-US" sz="6400" b="1" dirty="0">
+                <a:solidFill>
+                  <a:srgbClr val="660033"/>
+                </a:solidFill>
+                <a:latin typeface="微軟正黑體" pitchFamily="34" charset="-120"/>
+                <a:ea typeface="微軟正黑體" pitchFamily="34" charset="-120"/>
+              </a:rPr>
+              <a:t>讓</a:t>
+            </a:r>
+            <a:r>
+              <a:rPr lang="zh-CN" altLang="en-US" sz="6400" b="1" dirty="0">
+                <a:solidFill>
+                  <a:srgbClr val="660033"/>
+                </a:solidFill>
+                <a:latin typeface="微軟正黑體" pitchFamily="34" charset="-120"/>
+                <a:ea typeface="微軟正黑體" pitchFamily="34" charset="-120"/>
+              </a:rPr>
+              <a:t>袮</a:t>
+            </a:r>
+            <a:r>
+              <a:rPr lang="zh-TW" altLang="en-US" sz="6400" b="1" dirty="0">
+                <a:solidFill>
+                  <a:srgbClr val="660033"/>
+                </a:solidFill>
+                <a:latin typeface="微軟正黑體" pitchFamily="34" charset="-120"/>
+                <a:ea typeface="微軟正黑體" pitchFamily="34" charset="-120"/>
+              </a:rPr>
+              <a:t>白</a:t>
+            </a:r>
+            <a:r>
+              <a:rPr lang="zh-TW" altLang="en-US" sz="6400" b="1" dirty="0">
+                <a:solidFill>
+                  <a:srgbClr val="660033"/>
+                </a:solidFill>
+                <a:latin typeface="微軟正黑體" pitchFamily="34" charset="-120"/>
+                <a:ea typeface="微軟正黑體" pitchFamily="34" charset="-120"/>
+              </a:rPr>
+              <a:t>白犧牲了自己</a:t>
+            </a:r>
+          </a:p>
+        </p:txBody>
+      </p:sp>
+      <p:sp>
+        <p:nvSpPr>
+          <p:cNvPr id="3" name="TextBox 2"/>
+          <p:cNvSpPr txBox="1"/>
+          <p:nvPr/>
+        </p:nvSpPr>
+        <p:spPr>
+          <a:xfrm>
+            <a:off x="0" y="5061182"/>
+            <a:ext cx="12192000" cy="830997"/>
+          </a:xfrm>
+          <a:prstGeom prst="rect">
+            <a:avLst/>
+          </a:prstGeom>
+          <a:noFill/>
+        </p:spPr>
+        <p:txBody>
+          <a:bodyPr wrap="square" rtlCol="0">
+            <a:spAutoFit/>
+          </a:bodyPr>
+          <a:lstStyle/>
+          <a:p>
+            <a:pPr algn="ctr"/>
+            <a:r>
+              <a:rPr lang="en-US" sz="4800" b="1" dirty="0">
+                <a:solidFill>
+                  <a:srgbClr val="660033"/>
+                </a:solidFill>
+                <a:effectLst/>
+              </a:rPr>
+              <a:t>( 2 )</a:t>
+            </a:r>
+            <a:endParaRPr lang="vi-VN" sz="4800" b="1" dirty="0">
+              <a:solidFill>
+                <a:srgbClr val="660033"/>
+              </a:solidFill>
+              <a:effectLst/>
+            </a:endParaRPr>
+          </a:p>
+        </p:txBody>
+      </p:sp>
+    </p:spTree>
+    <p:extLst>
+      <p:ext uri="{BB962C8B-B14F-4D97-AF65-F5344CB8AC3E}">
+        <p14:creationId xmlns:p14="http://schemas.microsoft.com/office/powerpoint/2010/main" val="949330156"/>
+      </p:ext>
+    </p:extLst>
   </p:cSld>
   <p:clrMapOvr>
     <a:masterClrMapping/>
@@ -3984,7 +4984,7 @@
 </file>
 
 <file path=ppt/theme/theme1.xml><?xml version="1.0" encoding="utf-8"?>
-<a:theme xmlns:a="http://schemas.openxmlformats.org/drawingml/2006/main" name="佈景主題7">
+<a:theme xmlns:a="http://schemas.openxmlformats.org/drawingml/2006/main" name="Theme1">
   <a:themeElements>
     <a:clrScheme name="Office">
       <a:dk1>
@@ -4263,5 +5263,10 @@
   </a:themeElements>
   <a:objectDefaults/>
   <a:extraClrSchemeLst/>
+  <a:extLst>
+    <a:ext uri="{05A4C25C-085E-4340-85A3-A5531E510DB2}">
+      <thm15:themeFamily xmlns:thm15="http://schemas.microsoft.com/office/thememl/2012/main" name="Theme1" id="{1A8DE197-990E-4893-BF04-3823FBB50F9A}" vid="{430B7048-5A04-4BDB-939A-C7E865DB887B}"/>
+    </a:ext>
+  </a:extLst>
 </a:theme>
 </file>